--- a/20190711答辩ppt.pptx
+++ b/20190711答辩ppt.pptx
@@ -5,36 +5,38 @@
     <p:sldMasterId id="2147483648" r:id="rId1"/>
   </p:sldMasterIdLst>
   <p:notesMasterIdLst>
-    <p:notesMasterId r:id="rId29"/>
+    <p:notesMasterId r:id="rId31"/>
   </p:notesMasterIdLst>
   <p:sldIdLst>
     <p:sldId id="256" r:id="rId2"/>
     <p:sldId id="257" r:id="rId3"/>
-    <p:sldId id="285" r:id="rId4"/>
-    <p:sldId id="286" r:id="rId5"/>
-    <p:sldId id="287" r:id="rId6"/>
-    <p:sldId id="288" r:id="rId7"/>
-    <p:sldId id="289" r:id="rId8"/>
-    <p:sldId id="290" r:id="rId9"/>
-    <p:sldId id="291" r:id="rId10"/>
-    <p:sldId id="292" r:id="rId11"/>
-    <p:sldId id="293" r:id="rId12"/>
-    <p:sldId id="259" r:id="rId13"/>
-    <p:sldId id="258" r:id="rId14"/>
-    <p:sldId id="262" r:id="rId15"/>
-    <p:sldId id="264" r:id="rId16"/>
-    <p:sldId id="265" r:id="rId17"/>
-    <p:sldId id="267" r:id="rId18"/>
-    <p:sldId id="269" r:id="rId19"/>
-    <p:sldId id="268" r:id="rId20"/>
-    <p:sldId id="270" r:id="rId21"/>
-    <p:sldId id="273" r:id="rId22"/>
-    <p:sldId id="274" r:id="rId23"/>
-    <p:sldId id="275" r:id="rId24"/>
-    <p:sldId id="276" r:id="rId25"/>
-    <p:sldId id="277" r:id="rId26"/>
-    <p:sldId id="260" r:id="rId27"/>
-    <p:sldId id="284" r:id="rId28"/>
+    <p:sldId id="300" r:id="rId4"/>
+    <p:sldId id="299" r:id="rId5"/>
+    <p:sldId id="296" r:id="rId6"/>
+    <p:sldId id="286" r:id="rId7"/>
+    <p:sldId id="287" r:id="rId8"/>
+    <p:sldId id="288" r:id="rId9"/>
+    <p:sldId id="289" r:id="rId10"/>
+    <p:sldId id="290" r:id="rId11"/>
+    <p:sldId id="291" r:id="rId12"/>
+    <p:sldId id="292" r:id="rId13"/>
+    <p:sldId id="293" r:id="rId14"/>
+    <p:sldId id="298" r:id="rId15"/>
+    <p:sldId id="258" r:id="rId16"/>
+    <p:sldId id="262" r:id="rId17"/>
+    <p:sldId id="264" r:id="rId18"/>
+    <p:sldId id="265" r:id="rId19"/>
+    <p:sldId id="267" r:id="rId20"/>
+    <p:sldId id="269" r:id="rId21"/>
+    <p:sldId id="268" r:id="rId22"/>
+    <p:sldId id="270" r:id="rId23"/>
+    <p:sldId id="273" r:id="rId24"/>
+    <p:sldId id="274" r:id="rId25"/>
+    <p:sldId id="275" r:id="rId26"/>
+    <p:sldId id="276" r:id="rId27"/>
+    <p:sldId id="277" r:id="rId28"/>
+    <p:sldId id="297" r:id="rId29"/>
+    <p:sldId id="284" r:id="rId30"/>
   </p:sldIdLst>
   <p:sldSz cx="12192000" cy="6858000"/>
   <p:notesSz cx="6858000" cy="9144000"/>
@@ -556,7 +558,7 @@
           <a:p>
             <a:fld id="{1CB8AF9E-FF48-8C43-95C8-C8E0764C72AB}" type="slidenum">
               <a:rPr kumimoji="1" lang="zh-CN" altLang="en-US" smtClean="0"/>
-              <a:t>9</a:t>
+              <a:t>11</a:t>
             </a:fld>
             <a:endParaRPr kumimoji="1" lang="zh-CN" altLang="en-US"/>
           </a:p>
@@ -640,7 +642,7 @@
           <a:p>
             <a:fld id="{1CB8AF9E-FF48-8C43-95C8-C8E0764C72AB}" type="slidenum">
               <a:rPr kumimoji="1" lang="zh-CN" altLang="en-US" smtClean="0"/>
-              <a:t>13</a:t>
+              <a:t>15</a:t>
             </a:fld>
             <a:endParaRPr kumimoji="1" lang="zh-CN" altLang="en-US"/>
           </a:p>
@@ -3707,6 +3709,939 @@
                   <a:schemeClr val="bg2"/>
                 </a:solidFill>
               </a:rPr>
+              <a:t>投资者模块</a:t>
+            </a:r>
+            <a:endParaRPr kumimoji="1" lang="zh-CN" altLang="en-US" dirty="0">
+              <a:solidFill>
+                <a:schemeClr val="bg2"/>
+              </a:solidFill>
+            </a:endParaRPr>
+          </a:p>
+        </p:txBody>
+      </p:sp>
+      <p:sp>
+        <p:nvSpPr>
+          <p:cNvPr id="3" name="内容占位符 2"/>
+          <p:cNvSpPr>
+            <a:spLocks noGrp="1"/>
+          </p:cNvSpPr>
+          <p:nvPr>
+            <p:ph idx="1"/>
+          </p:nvPr>
+        </p:nvSpPr>
+        <p:spPr/>
+        <p:txBody>
+          <a:bodyPr/>
+          <a:lstStyle/>
+          <a:p>
+            <a:r>
+              <a:rPr kumimoji="1" lang="zh-CN" altLang="en-US" dirty="0" smtClean="0">
+                <a:solidFill>
+                  <a:schemeClr val="bg2"/>
+                </a:solidFill>
+              </a:rPr>
+              <a:t>产品撮合</a:t>
+            </a:r>
+            <a:endParaRPr kumimoji="1" lang="en-US" altLang="zh-CN" dirty="0" smtClean="0">
+              <a:solidFill>
+                <a:schemeClr val="bg2"/>
+              </a:solidFill>
+            </a:endParaRPr>
+          </a:p>
+          <a:p>
+            <a:pPr lvl="1"/>
+            <a:r>
+              <a:rPr kumimoji="1" lang="zh-CN" altLang="en-US" dirty="0">
+                <a:solidFill>
+                  <a:schemeClr val="bg2"/>
+                </a:solidFill>
+              </a:rPr>
+              <a:t>平台提供了专门的</a:t>
+            </a:r>
+            <a:r>
+              <a:rPr kumimoji="1" lang="zh-CN" altLang="en-US" dirty="0">
+                <a:solidFill>
+                  <a:srgbClr val="FF0000"/>
+                </a:solidFill>
+              </a:rPr>
+              <a:t>产品页面</a:t>
+            </a:r>
+            <a:r>
+              <a:rPr kumimoji="1" lang="zh-CN" altLang="en-US" dirty="0">
+                <a:solidFill>
+                  <a:schemeClr val="bg2"/>
+                </a:solidFill>
+              </a:rPr>
+              <a:t>展示所有可购买的产品</a:t>
+            </a:r>
+            <a:endParaRPr kumimoji="1" lang="en-US" altLang="zh-CN" dirty="0">
+              <a:solidFill>
+                <a:schemeClr val="bg2"/>
+              </a:solidFill>
+            </a:endParaRPr>
+          </a:p>
+          <a:p>
+            <a:pPr lvl="1"/>
+            <a:r>
+              <a:rPr kumimoji="1" lang="zh-CN" altLang="en-US" dirty="0">
+                <a:solidFill>
+                  <a:schemeClr val="bg2"/>
+                </a:solidFill>
+              </a:rPr>
+              <a:t>可查看</a:t>
+            </a:r>
+            <a:r>
+              <a:rPr kumimoji="1" lang="zh-CN" altLang="en-US" dirty="0">
+                <a:solidFill>
+                  <a:srgbClr val="FF0000"/>
+                </a:solidFill>
+              </a:rPr>
+              <a:t>产品</a:t>
+            </a:r>
+            <a:r>
+              <a:rPr kumimoji="1" lang="zh-CN" altLang="en-US" dirty="0">
+                <a:solidFill>
+                  <a:schemeClr val="bg2"/>
+                </a:solidFill>
+              </a:rPr>
+              <a:t>的详细信息</a:t>
+            </a:r>
+            <a:endParaRPr kumimoji="1" lang="en-US" altLang="zh-CN" dirty="0">
+              <a:solidFill>
+                <a:schemeClr val="bg2"/>
+              </a:solidFill>
+            </a:endParaRPr>
+          </a:p>
+          <a:p>
+            <a:pPr lvl="1"/>
+            <a:r>
+              <a:rPr kumimoji="1" lang="zh-CN" altLang="en-US" dirty="0">
+                <a:solidFill>
+                  <a:schemeClr val="bg2"/>
+                </a:solidFill>
+              </a:rPr>
+              <a:t>可查看</a:t>
+            </a:r>
+            <a:r>
+              <a:rPr kumimoji="1" lang="zh-CN" altLang="en-US" dirty="0">
+                <a:solidFill>
+                  <a:srgbClr val="FF0000"/>
+                </a:solidFill>
+              </a:rPr>
+              <a:t>借款人</a:t>
+            </a:r>
+            <a:r>
+              <a:rPr kumimoji="1" lang="zh-CN" altLang="en-US" dirty="0">
+                <a:solidFill>
+                  <a:schemeClr val="bg2"/>
+                </a:solidFill>
+              </a:rPr>
+              <a:t>的详细信息</a:t>
+            </a:r>
+            <a:endParaRPr kumimoji="1" lang="en-US" altLang="zh-CN" dirty="0">
+              <a:solidFill>
+                <a:schemeClr val="bg2"/>
+              </a:solidFill>
+            </a:endParaRPr>
+          </a:p>
+          <a:p>
+            <a:pPr lvl="1"/>
+            <a:r>
+              <a:rPr kumimoji="1" lang="zh-CN" altLang="en-US" dirty="0">
+                <a:solidFill>
+                  <a:schemeClr val="bg2"/>
+                </a:solidFill>
+              </a:rPr>
+              <a:t>选择</a:t>
+            </a:r>
+            <a:r>
+              <a:rPr kumimoji="1" lang="zh-CN" altLang="en-US" dirty="0">
+                <a:solidFill>
+                  <a:srgbClr val="FF0000"/>
+                </a:solidFill>
+              </a:rPr>
+              <a:t>不感兴趣</a:t>
+            </a:r>
+            <a:r>
+              <a:rPr kumimoji="1" lang="zh-CN" altLang="en-US" dirty="0">
+                <a:solidFill>
+                  <a:schemeClr val="bg2"/>
+                </a:solidFill>
+              </a:rPr>
+              <a:t>则会忽略此产品</a:t>
+            </a:r>
+            <a:endParaRPr kumimoji="1" lang="en-US" altLang="zh-CN" dirty="0">
+              <a:solidFill>
+                <a:schemeClr val="bg2"/>
+              </a:solidFill>
+            </a:endParaRPr>
+          </a:p>
+          <a:p>
+            <a:endParaRPr kumimoji="1" lang="en-US" altLang="zh-CN" dirty="0" smtClean="0">
+              <a:solidFill>
+                <a:schemeClr val="bg2"/>
+              </a:solidFill>
+            </a:endParaRPr>
+          </a:p>
+          <a:p>
+            <a:r>
+              <a:rPr kumimoji="1" lang="zh-CN" altLang="en-US" dirty="0" smtClean="0">
+                <a:solidFill>
+                  <a:schemeClr val="bg2"/>
+                </a:solidFill>
+              </a:rPr>
+              <a:t>购买产品</a:t>
+            </a:r>
+            <a:endParaRPr kumimoji="1" lang="en-US" altLang="zh-CN" dirty="0" smtClean="0">
+              <a:solidFill>
+                <a:schemeClr val="bg2"/>
+              </a:solidFill>
+            </a:endParaRPr>
+          </a:p>
+          <a:p>
+            <a:pPr lvl="1"/>
+            <a:r>
+              <a:rPr kumimoji="1" lang="zh-CN" altLang="en-US" dirty="0" smtClean="0">
+                <a:solidFill>
+                  <a:schemeClr val="bg2"/>
+                </a:solidFill>
+              </a:rPr>
+              <a:t>需要用户输入正确的</a:t>
+            </a:r>
+            <a:r>
+              <a:rPr kumimoji="1" lang="zh-CN" altLang="en-US" dirty="0" smtClean="0">
+                <a:solidFill>
+                  <a:srgbClr val="FF0000"/>
+                </a:solidFill>
+              </a:rPr>
+              <a:t>支付密码</a:t>
+            </a:r>
+            <a:endParaRPr kumimoji="1" lang="zh-CN" altLang="en-US" dirty="0">
+              <a:solidFill>
+                <a:srgbClr val="FF0000"/>
+              </a:solidFill>
+            </a:endParaRPr>
+          </a:p>
+        </p:txBody>
+      </p:sp>
+    </p:spTree>
+    <p:extLst>
+      <p:ext uri="{BB962C8B-B14F-4D97-AF65-F5344CB8AC3E}">
+        <p14:creationId xmlns:p14="http://schemas.microsoft.com/office/powerpoint/2010/main" val="699578364"/>
+      </p:ext>
+    </p:extLst>
+  </p:cSld>
+  <p:clrMapOvr>
+    <a:masterClrMapping/>
+  </p:clrMapOvr>
+  <p:timing>
+    <p:tnLst>
+      <p:par>
+        <p:cTn id="1" dur="indefinite" restart="never" nodeType="tmRoot"/>
+      </p:par>
+    </p:tnLst>
+  </p:timing>
+</p:sld>
+</file>
+
+<file path=ppt/slides/slide11.xml><?xml version="1.0" encoding="utf-8"?>
+<p:sld xmlns:a="http://schemas.openxmlformats.org/drawingml/2006/main" xmlns:r="http://schemas.openxmlformats.org/officeDocument/2006/relationships" xmlns:p="http://schemas.openxmlformats.org/presentationml/2006/main">
+  <p:cSld>
+    <p:spTree>
+      <p:nvGrpSpPr>
+        <p:cNvPr id="1" name=""/>
+        <p:cNvGrpSpPr/>
+        <p:nvPr/>
+      </p:nvGrpSpPr>
+      <p:grpSpPr>
+        <a:xfrm>
+          <a:off x="0" y="0"/>
+          <a:ext cx="0" cy="0"/>
+          <a:chOff x="0" y="0"/>
+          <a:chExt cx="0" cy="0"/>
+        </a:xfrm>
+      </p:grpSpPr>
+      <p:sp>
+        <p:nvSpPr>
+          <p:cNvPr id="2" name="标题 1"/>
+          <p:cNvSpPr>
+            <a:spLocks noGrp="1"/>
+          </p:cNvSpPr>
+          <p:nvPr>
+            <p:ph type="title"/>
+          </p:nvPr>
+        </p:nvSpPr>
+        <p:spPr/>
+        <p:txBody>
+          <a:bodyPr/>
+          <a:lstStyle/>
+          <a:p>
+            <a:r>
+              <a:rPr kumimoji="1" lang="zh-CN" altLang="en-US" dirty="0" smtClean="0">
+                <a:solidFill>
+                  <a:schemeClr val="bg2"/>
+                </a:solidFill>
+              </a:rPr>
+              <a:t>担保人模块及审核员模块</a:t>
+            </a:r>
+            <a:endParaRPr kumimoji="1" lang="zh-CN" altLang="en-US" dirty="0">
+              <a:solidFill>
+                <a:schemeClr val="bg2"/>
+              </a:solidFill>
+            </a:endParaRPr>
+          </a:p>
+        </p:txBody>
+      </p:sp>
+      <p:sp>
+        <p:nvSpPr>
+          <p:cNvPr id="3" name="内容占位符 2"/>
+          <p:cNvSpPr>
+            <a:spLocks noGrp="1"/>
+          </p:cNvSpPr>
+          <p:nvPr>
+            <p:ph idx="1"/>
+          </p:nvPr>
+        </p:nvSpPr>
+        <p:spPr>
+          <a:xfrm>
+            <a:off x="838200" y="1825625"/>
+            <a:ext cx="3374204" cy="4351338"/>
+          </a:xfrm>
+        </p:spPr>
+        <p:txBody>
+          <a:bodyPr/>
+          <a:lstStyle/>
+          <a:p>
+            <a:r>
+              <a:rPr kumimoji="1" lang="zh-CN" altLang="en-US" dirty="0" smtClean="0">
+                <a:solidFill>
+                  <a:schemeClr val="bg2"/>
+                </a:solidFill>
+              </a:rPr>
+              <a:t>担保人：</a:t>
+            </a:r>
+            <a:endParaRPr kumimoji="1" lang="en-US" altLang="zh-CN" dirty="0" smtClean="0">
+              <a:solidFill>
+                <a:schemeClr val="bg2"/>
+              </a:solidFill>
+            </a:endParaRPr>
+          </a:p>
+          <a:p>
+            <a:endParaRPr kumimoji="1" lang="en-US" altLang="zh-CN" dirty="0" smtClean="0">
+              <a:solidFill>
+                <a:schemeClr val="bg2"/>
+              </a:solidFill>
+            </a:endParaRPr>
+          </a:p>
+          <a:p>
+            <a:pPr lvl="1"/>
+            <a:r>
+              <a:rPr kumimoji="1" lang="zh-CN" altLang="en-US" dirty="0">
+                <a:solidFill>
+                  <a:schemeClr val="bg2"/>
+                </a:solidFill>
+              </a:rPr>
+              <a:t>处理</a:t>
+            </a:r>
+            <a:r>
+              <a:rPr kumimoji="1" lang="zh-CN" altLang="en-US" dirty="0">
+                <a:solidFill>
+                  <a:srgbClr val="FF0000"/>
+                </a:solidFill>
+              </a:rPr>
+              <a:t>担保请求</a:t>
+            </a:r>
+            <a:endParaRPr kumimoji="1" lang="en-US" altLang="zh-CN" dirty="0">
+              <a:solidFill>
+                <a:srgbClr val="FF0000"/>
+              </a:solidFill>
+            </a:endParaRPr>
+          </a:p>
+          <a:p>
+            <a:pPr lvl="1"/>
+            <a:endParaRPr kumimoji="1" lang="en-US" altLang="zh-CN" dirty="0">
+              <a:solidFill>
+                <a:schemeClr val="bg2"/>
+              </a:solidFill>
+            </a:endParaRPr>
+          </a:p>
+          <a:p>
+            <a:pPr lvl="1"/>
+            <a:r>
+              <a:rPr kumimoji="1" lang="zh-CN" altLang="en-US" dirty="0">
+                <a:solidFill>
+                  <a:schemeClr val="bg2"/>
+                </a:solidFill>
+              </a:rPr>
+              <a:t>处理</a:t>
+            </a:r>
+            <a:r>
+              <a:rPr kumimoji="1" lang="zh-CN" altLang="en-US" dirty="0">
+                <a:solidFill>
+                  <a:srgbClr val="FF0000"/>
+                </a:solidFill>
+              </a:rPr>
+              <a:t>逾期</a:t>
+            </a:r>
+            <a:r>
+              <a:rPr kumimoji="1" lang="zh-CN" altLang="en-US" dirty="0">
+                <a:solidFill>
+                  <a:schemeClr val="bg2"/>
+                </a:solidFill>
+              </a:rPr>
+              <a:t>记录</a:t>
+            </a:r>
+            <a:endParaRPr kumimoji="1" lang="en-US" altLang="zh-CN" dirty="0">
+              <a:solidFill>
+                <a:schemeClr val="bg2"/>
+              </a:solidFill>
+            </a:endParaRPr>
+          </a:p>
+          <a:p>
+            <a:pPr lvl="1"/>
+            <a:endParaRPr kumimoji="1" lang="en-US" altLang="zh-CN" dirty="0">
+              <a:solidFill>
+                <a:schemeClr val="bg2"/>
+              </a:solidFill>
+            </a:endParaRPr>
+          </a:p>
+          <a:p>
+            <a:pPr lvl="2"/>
+            <a:r>
+              <a:rPr kumimoji="1" lang="zh-CN" altLang="en-US" dirty="0">
+                <a:solidFill>
+                  <a:srgbClr val="FF0000"/>
+                </a:solidFill>
+              </a:rPr>
+              <a:t>冻结</a:t>
+            </a:r>
+            <a:r>
+              <a:rPr kumimoji="1" lang="zh-CN" altLang="en-US" dirty="0">
+                <a:solidFill>
+                  <a:schemeClr val="bg2"/>
+                </a:solidFill>
+              </a:rPr>
+              <a:t>银行账号</a:t>
+            </a:r>
+            <a:endParaRPr kumimoji="1" lang="en-US" altLang="zh-CN" dirty="0">
+              <a:solidFill>
+                <a:schemeClr val="bg2"/>
+              </a:solidFill>
+            </a:endParaRPr>
+          </a:p>
+          <a:p>
+            <a:pPr lvl="1"/>
+            <a:endParaRPr kumimoji="1" lang="en-US" altLang="zh-CN" dirty="0">
+              <a:solidFill>
+                <a:schemeClr val="bg2"/>
+              </a:solidFill>
+            </a:endParaRPr>
+          </a:p>
+          <a:p>
+            <a:pPr lvl="2"/>
+            <a:r>
+              <a:rPr kumimoji="1" lang="zh-CN" altLang="en-US" dirty="0">
+                <a:solidFill>
+                  <a:srgbClr val="FF0000"/>
+                </a:solidFill>
+              </a:rPr>
+              <a:t>解冻</a:t>
+            </a:r>
+            <a:r>
+              <a:rPr kumimoji="1" lang="zh-CN" altLang="en-US" dirty="0">
+                <a:solidFill>
+                  <a:schemeClr val="bg2"/>
+                </a:solidFill>
+              </a:rPr>
+              <a:t>银行账号</a:t>
+            </a:r>
+            <a:endParaRPr kumimoji="1" lang="en-US" altLang="zh-CN" dirty="0">
+              <a:solidFill>
+                <a:schemeClr val="bg2"/>
+              </a:solidFill>
+            </a:endParaRPr>
+          </a:p>
+          <a:p>
+            <a:endParaRPr kumimoji="1" lang="en-US" altLang="zh-CN" dirty="0">
+              <a:solidFill>
+                <a:schemeClr val="bg2"/>
+              </a:solidFill>
+            </a:endParaRPr>
+          </a:p>
+          <a:p>
+            <a:endParaRPr kumimoji="1" lang="zh-CN" altLang="en-US" dirty="0">
+              <a:solidFill>
+                <a:schemeClr val="bg2"/>
+              </a:solidFill>
+            </a:endParaRPr>
+          </a:p>
+        </p:txBody>
+      </p:sp>
+      <p:sp>
+        <p:nvSpPr>
+          <p:cNvPr id="4" name="内容占位符 2"/>
+          <p:cNvSpPr txBox="1">
+            <a:spLocks/>
+          </p:cNvSpPr>
+          <p:nvPr/>
+        </p:nvSpPr>
+        <p:spPr>
+          <a:xfrm>
+            <a:off x="6096000" y="1825625"/>
+            <a:ext cx="3374204" cy="4351338"/>
+          </a:xfrm>
+          <a:prstGeom prst="rect">
+            <a:avLst/>
+          </a:prstGeom>
+        </p:spPr>
+        <p:txBody>
+          <a:bodyPr vert="horz" lIns="91440" tIns="45720" rIns="91440" bIns="45720" rtlCol="0">
+            <a:normAutofit/>
+          </a:bodyPr>
+          <a:lstStyle>
+            <a:lvl1pPr marL="228600" indent="-228600" algn="l" defTabSz="914400" rtl="0" eaLnBrk="1" latinLnBrk="0" hangingPunct="1">
+              <a:lnSpc>
+                <a:spcPct val="90000"/>
+              </a:lnSpc>
+              <a:spcBef>
+                <a:spcPts val="1000"/>
+              </a:spcBef>
+              <a:buFont typeface="Arial"/>
+              <a:buChar char="•"/>
+              <a:defRPr sz="2800" kern="1200">
+                <a:solidFill>
+                  <a:schemeClr val="tx1"/>
+                </a:solidFill>
+                <a:latin typeface="+mn-lt"/>
+                <a:ea typeface="+mn-ea"/>
+                <a:cs typeface="+mn-cs"/>
+              </a:defRPr>
+            </a:lvl1pPr>
+            <a:lvl2pPr marL="685800" indent="-228600" algn="l" defTabSz="914400" rtl="0" eaLnBrk="1" latinLnBrk="0" hangingPunct="1">
+              <a:lnSpc>
+                <a:spcPct val="90000"/>
+              </a:lnSpc>
+              <a:spcBef>
+                <a:spcPts val="500"/>
+              </a:spcBef>
+              <a:buFont typeface="Arial"/>
+              <a:buChar char="•"/>
+              <a:defRPr sz="2400" kern="1200">
+                <a:solidFill>
+                  <a:schemeClr val="tx1"/>
+                </a:solidFill>
+                <a:latin typeface="+mn-lt"/>
+                <a:ea typeface="+mn-ea"/>
+                <a:cs typeface="+mn-cs"/>
+              </a:defRPr>
+            </a:lvl2pPr>
+            <a:lvl3pPr marL="1143000" indent="-228600" algn="l" defTabSz="914400" rtl="0" eaLnBrk="1" latinLnBrk="0" hangingPunct="1">
+              <a:lnSpc>
+                <a:spcPct val="90000"/>
+              </a:lnSpc>
+              <a:spcBef>
+                <a:spcPts val="500"/>
+              </a:spcBef>
+              <a:buFont typeface="Arial"/>
+              <a:buChar char="•"/>
+              <a:defRPr sz="2000" kern="1200">
+                <a:solidFill>
+                  <a:schemeClr val="tx1"/>
+                </a:solidFill>
+                <a:latin typeface="+mn-lt"/>
+                <a:ea typeface="+mn-ea"/>
+                <a:cs typeface="+mn-cs"/>
+              </a:defRPr>
+            </a:lvl3pPr>
+            <a:lvl4pPr marL="1600200" indent="-228600" algn="l" defTabSz="914400" rtl="0" eaLnBrk="1" latinLnBrk="0" hangingPunct="1">
+              <a:lnSpc>
+                <a:spcPct val="90000"/>
+              </a:lnSpc>
+              <a:spcBef>
+                <a:spcPts val="500"/>
+              </a:spcBef>
+              <a:buFont typeface="Arial"/>
+              <a:buChar char="•"/>
+              <a:defRPr sz="1800" kern="1200">
+                <a:solidFill>
+                  <a:schemeClr val="tx1"/>
+                </a:solidFill>
+                <a:latin typeface="+mn-lt"/>
+                <a:ea typeface="+mn-ea"/>
+                <a:cs typeface="+mn-cs"/>
+              </a:defRPr>
+            </a:lvl4pPr>
+            <a:lvl5pPr marL="2057400" indent="-228600" algn="l" defTabSz="914400" rtl="0" eaLnBrk="1" latinLnBrk="0" hangingPunct="1">
+              <a:lnSpc>
+                <a:spcPct val="90000"/>
+              </a:lnSpc>
+              <a:spcBef>
+                <a:spcPts val="500"/>
+              </a:spcBef>
+              <a:buFont typeface="Arial"/>
+              <a:buChar char="•"/>
+              <a:defRPr sz="1800" kern="1200">
+                <a:solidFill>
+                  <a:schemeClr val="tx1"/>
+                </a:solidFill>
+                <a:latin typeface="+mn-lt"/>
+                <a:ea typeface="+mn-ea"/>
+                <a:cs typeface="+mn-cs"/>
+              </a:defRPr>
+            </a:lvl5pPr>
+            <a:lvl6pPr marL="2514600" indent="-228600" algn="l" defTabSz="914400" rtl="0" eaLnBrk="1" latinLnBrk="0" hangingPunct="1">
+              <a:lnSpc>
+                <a:spcPct val="90000"/>
+              </a:lnSpc>
+              <a:spcBef>
+                <a:spcPts val="500"/>
+              </a:spcBef>
+              <a:buFont typeface="Arial"/>
+              <a:buChar char="•"/>
+              <a:defRPr sz="1800" kern="1200">
+                <a:solidFill>
+                  <a:schemeClr val="tx1"/>
+                </a:solidFill>
+                <a:latin typeface="+mn-lt"/>
+                <a:ea typeface="+mn-ea"/>
+                <a:cs typeface="+mn-cs"/>
+              </a:defRPr>
+            </a:lvl6pPr>
+            <a:lvl7pPr marL="2971800" indent="-228600" algn="l" defTabSz="914400" rtl="0" eaLnBrk="1" latinLnBrk="0" hangingPunct="1">
+              <a:lnSpc>
+                <a:spcPct val="90000"/>
+              </a:lnSpc>
+              <a:spcBef>
+                <a:spcPts val="500"/>
+              </a:spcBef>
+              <a:buFont typeface="Arial"/>
+              <a:buChar char="•"/>
+              <a:defRPr sz="1800" kern="1200">
+                <a:solidFill>
+                  <a:schemeClr val="tx1"/>
+                </a:solidFill>
+                <a:latin typeface="+mn-lt"/>
+                <a:ea typeface="+mn-ea"/>
+                <a:cs typeface="+mn-cs"/>
+              </a:defRPr>
+            </a:lvl7pPr>
+            <a:lvl8pPr marL="3429000" indent="-228600" algn="l" defTabSz="914400" rtl="0" eaLnBrk="1" latinLnBrk="0" hangingPunct="1">
+              <a:lnSpc>
+                <a:spcPct val="90000"/>
+              </a:lnSpc>
+              <a:spcBef>
+                <a:spcPts val="500"/>
+              </a:spcBef>
+              <a:buFont typeface="Arial"/>
+              <a:buChar char="•"/>
+              <a:defRPr sz="1800" kern="1200">
+                <a:solidFill>
+                  <a:schemeClr val="tx1"/>
+                </a:solidFill>
+                <a:latin typeface="+mn-lt"/>
+                <a:ea typeface="+mn-ea"/>
+                <a:cs typeface="+mn-cs"/>
+              </a:defRPr>
+            </a:lvl8pPr>
+            <a:lvl9pPr marL="3886200" indent="-228600" algn="l" defTabSz="914400" rtl="0" eaLnBrk="1" latinLnBrk="0" hangingPunct="1">
+              <a:lnSpc>
+                <a:spcPct val="90000"/>
+              </a:lnSpc>
+              <a:spcBef>
+                <a:spcPts val="500"/>
+              </a:spcBef>
+              <a:buFont typeface="Arial"/>
+              <a:buChar char="•"/>
+              <a:defRPr sz="1800" kern="1200">
+                <a:solidFill>
+                  <a:schemeClr val="tx1"/>
+                </a:solidFill>
+                <a:latin typeface="+mn-lt"/>
+                <a:ea typeface="+mn-ea"/>
+                <a:cs typeface="+mn-cs"/>
+              </a:defRPr>
+            </a:lvl9pPr>
+          </a:lstStyle>
+          <a:p>
+            <a:r>
+              <a:rPr kumimoji="1" lang="zh-CN" altLang="en-US" dirty="0" smtClean="0">
+                <a:solidFill>
+                  <a:schemeClr val="bg2"/>
+                </a:solidFill>
+              </a:rPr>
+              <a:t>审核员：</a:t>
+            </a:r>
+            <a:endParaRPr kumimoji="1" lang="en-US" altLang="zh-CN" dirty="0" smtClean="0">
+              <a:solidFill>
+                <a:schemeClr val="bg2"/>
+              </a:solidFill>
+            </a:endParaRPr>
+          </a:p>
+          <a:p>
+            <a:endParaRPr kumimoji="1" lang="en-US" altLang="zh-CN" dirty="0" smtClean="0">
+              <a:solidFill>
+                <a:schemeClr val="bg2"/>
+              </a:solidFill>
+            </a:endParaRPr>
+          </a:p>
+          <a:p>
+            <a:pPr lvl="1"/>
+            <a:r>
+              <a:rPr kumimoji="1" lang="zh-CN" altLang="en-US" dirty="0" smtClean="0">
+                <a:solidFill>
+                  <a:schemeClr val="bg2"/>
+                </a:solidFill>
+              </a:rPr>
+              <a:t>处理审核资料</a:t>
+            </a:r>
+            <a:endParaRPr kumimoji="1" lang="en-US" altLang="zh-CN" dirty="0" smtClean="0">
+              <a:solidFill>
+                <a:schemeClr val="bg2"/>
+              </a:solidFill>
+            </a:endParaRPr>
+          </a:p>
+          <a:p>
+            <a:pPr lvl="1"/>
+            <a:endParaRPr kumimoji="1" lang="en-US" altLang="zh-CN" dirty="0">
+              <a:solidFill>
+                <a:schemeClr val="bg2"/>
+              </a:solidFill>
+            </a:endParaRPr>
+          </a:p>
+          <a:p>
+            <a:pPr lvl="1"/>
+            <a:r>
+              <a:rPr kumimoji="1" lang="zh-CN" altLang="en-US" dirty="0" smtClean="0">
+                <a:solidFill>
+                  <a:srgbClr val="FF0000"/>
+                </a:solidFill>
+              </a:rPr>
+              <a:t>查询</a:t>
+            </a:r>
+            <a:r>
+              <a:rPr kumimoji="1" lang="zh-CN" altLang="en-US" dirty="0" smtClean="0">
+                <a:solidFill>
+                  <a:schemeClr val="bg2"/>
+                </a:solidFill>
+              </a:rPr>
+              <a:t>历史审核</a:t>
+            </a:r>
+            <a:endParaRPr kumimoji="1" lang="en-US" altLang="zh-CN" dirty="0" smtClean="0">
+              <a:solidFill>
+                <a:schemeClr val="bg2"/>
+              </a:solidFill>
+            </a:endParaRPr>
+          </a:p>
+          <a:p>
+            <a:pPr lvl="1"/>
+            <a:endParaRPr kumimoji="1" lang="en-US" altLang="zh-CN" dirty="0" smtClean="0">
+              <a:solidFill>
+                <a:schemeClr val="bg2"/>
+              </a:solidFill>
+            </a:endParaRPr>
+          </a:p>
+          <a:p>
+            <a:endParaRPr kumimoji="1" lang="en-US" altLang="zh-CN" dirty="0" smtClean="0">
+              <a:solidFill>
+                <a:schemeClr val="bg2"/>
+              </a:solidFill>
+            </a:endParaRPr>
+          </a:p>
+          <a:p>
+            <a:endParaRPr kumimoji="1" lang="zh-CN" altLang="en-US" dirty="0">
+              <a:solidFill>
+                <a:schemeClr val="bg2"/>
+              </a:solidFill>
+            </a:endParaRPr>
+          </a:p>
+        </p:txBody>
+      </p:sp>
+      <p:sp>
+        <p:nvSpPr>
+          <p:cNvPr id="5" name="文本框 4"/>
+          <p:cNvSpPr txBox="1"/>
+          <p:nvPr/>
+        </p:nvSpPr>
+        <p:spPr>
+          <a:xfrm>
+            <a:off x="2054831" y="5934423"/>
+            <a:ext cx="2382383" cy="646331"/>
+          </a:xfrm>
+          <a:prstGeom prst="rect">
+            <a:avLst/>
+          </a:prstGeom>
+          <a:noFill/>
+        </p:spPr>
+        <p:txBody>
+          <a:bodyPr wrap="none" rtlCol="0">
+            <a:spAutoFit/>
+          </a:bodyPr>
+          <a:lstStyle/>
+          <a:p>
+            <a:r>
+              <a:rPr kumimoji="1" lang="zh-CN" altLang="en-US" dirty="0" smtClean="0">
+                <a:solidFill>
+                  <a:schemeClr val="bg2"/>
+                </a:solidFill>
+              </a:rPr>
+              <a:t>担保人账号：</a:t>
+            </a:r>
+            <a:r>
+              <a:rPr kumimoji="1" lang="en-US" altLang="zh-CN" dirty="0" smtClean="0">
+                <a:solidFill>
+                  <a:schemeClr val="bg2"/>
+                </a:solidFill>
+              </a:rPr>
+              <a:t>guara01</a:t>
+            </a:r>
+          </a:p>
+          <a:p>
+            <a:r>
+              <a:rPr kumimoji="1" lang="zh-CN" altLang="en-US" dirty="0" smtClean="0">
+                <a:solidFill>
+                  <a:schemeClr val="bg2"/>
+                </a:solidFill>
+              </a:rPr>
+              <a:t>密码：</a:t>
+            </a:r>
+            <a:r>
+              <a:rPr kumimoji="1" lang="en-US" altLang="zh-CN" dirty="0" smtClean="0">
+                <a:solidFill>
+                  <a:schemeClr val="bg2"/>
+                </a:solidFill>
+              </a:rPr>
+              <a:t>000000</a:t>
+            </a:r>
+            <a:endParaRPr kumimoji="1" lang="zh-CN" altLang="en-US" dirty="0">
+              <a:solidFill>
+                <a:schemeClr val="bg2"/>
+              </a:solidFill>
+            </a:endParaRPr>
+          </a:p>
+        </p:txBody>
+      </p:sp>
+      <p:sp>
+        <p:nvSpPr>
+          <p:cNvPr id="6" name="文本框 5"/>
+          <p:cNvSpPr txBox="1"/>
+          <p:nvPr/>
+        </p:nvSpPr>
+        <p:spPr>
+          <a:xfrm>
+            <a:off x="6727861" y="5934423"/>
+            <a:ext cx="2313454" cy="646331"/>
+          </a:xfrm>
+          <a:prstGeom prst="rect">
+            <a:avLst/>
+          </a:prstGeom>
+          <a:noFill/>
+        </p:spPr>
+        <p:txBody>
+          <a:bodyPr wrap="none" rtlCol="0">
+            <a:spAutoFit/>
+          </a:bodyPr>
+          <a:lstStyle/>
+          <a:p>
+            <a:r>
+              <a:rPr kumimoji="1" lang="zh-CN" altLang="en-US" dirty="0" smtClean="0">
+                <a:solidFill>
+                  <a:schemeClr val="bg2"/>
+                </a:solidFill>
+              </a:rPr>
+              <a:t>审核员账号：</a:t>
+            </a:r>
+            <a:r>
+              <a:rPr kumimoji="1" lang="en-US" altLang="zh-CN" dirty="0" smtClean="0">
+                <a:solidFill>
+                  <a:schemeClr val="bg2"/>
+                </a:solidFill>
+              </a:rPr>
+              <a:t>audit01</a:t>
+            </a:r>
+          </a:p>
+          <a:p>
+            <a:r>
+              <a:rPr kumimoji="1" lang="zh-CN" altLang="en-US" dirty="0" smtClean="0">
+                <a:solidFill>
+                  <a:schemeClr val="bg2"/>
+                </a:solidFill>
+              </a:rPr>
+              <a:t>密码：</a:t>
+            </a:r>
+            <a:r>
+              <a:rPr kumimoji="1" lang="en-US" altLang="zh-CN" dirty="0" smtClean="0">
+                <a:solidFill>
+                  <a:schemeClr val="bg2"/>
+                </a:solidFill>
+              </a:rPr>
+              <a:t>000000</a:t>
+            </a:r>
+            <a:endParaRPr kumimoji="1" lang="zh-CN" altLang="en-US" dirty="0">
+              <a:solidFill>
+                <a:schemeClr val="bg2"/>
+              </a:solidFill>
+            </a:endParaRPr>
+          </a:p>
+        </p:txBody>
+      </p:sp>
+    </p:spTree>
+    <p:extLst>
+      <p:ext uri="{BB962C8B-B14F-4D97-AF65-F5344CB8AC3E}">
+        <p14:creationId xmlns:p14="http://schemas.microsoft.com/office/powerpoint/2010/main" val="340596423"/>
+      </p:ext>
+    </p:extLst>
+  </p:cSld>
+  <p:clrMapOvr>
+    <a:masterClrMapping/>
+  </p:clrMapOvr>
+  <p:timing>
+    <p:tnLst>
+      <p:par>
+        <p:cTn id="1" dur="indefinite" restart="never" nodeType="tmRoot"/>
+      </p:par>
+    </p:tnLst>
+  </p:timing>
+</p:sld>
+</file>
+
+<file path=ppt/slides/slide12.xml><?xml version="1.0" encoding="utf-8"?>
+<p:sld xmlns:a="http://schemas.openxmlformats.org/drawingml/2006/main" xmlns:r="http://schemas.openxmlformats.org/officeDocument/2006/relationships" xmlns:p="http://schemas.openxmlformats.org/presentationml/2006/main">
+  <p:cSld>
+    <p:spTree>
+      <p:nvGrpSpPr>
+        <p:cNvPr id="1" name=""/>
+        <p:cNvGrpSpPr/>
+        <p:nvPr/>
+      </p:nvGrpSpPr>
+      <p:grpSpPr>
+        <a:xfrm>
+          <a:off x="0" y="0"/>
+          <a:ext cx="0" cy="0"/>
+          <a:chOff x="0" y="0"/>
+          <a:chExt cx="0" cy="0"/>
+        </a:xfrm>
+      </p:grpSpPr>
+      <p:sp>
+        <p:nvSpPr>
+          <p:cNvPr id="2" name="标题 1"/>
+          <p:cNvSpPr>
+            <a:spLocks noGrp="1"/>
+          </p:cNvSpPr>
+          <p:nvPr>
+            <p:ph type="title"/>
+          </p:nvPr>
+        </p:nvSpPr>
+        <p:spPr/>
+        <p:txBody>
+          <a:bodyPr/>
+          <a:lstStyle/>
+          <a:p>
+            <a:r>
+              <a:rPr kumimoji="1" lang="zh-CN" altLang="en-US" dirty="0" smtClean="0">
+                <a:solidFill>
+                  <a:schemeClr val="bg2"/>
+                </a:solidFill>
+              </a:rPr>
               <a:t>管理员模块</a:t>
             </a:r>
             <a:endParaRPr kumimoji="1" lang="zh-CN" altLang="en-US" dirty="0">
@@ -4063,370 +4998,6 @@
 </p:sld>
 </file>
 
-<file path=ppt/slides/slide11.xml><?xml version="1.0" encoding="utf-8"?>
-<p:sld xmlns:a="http://schemas.openxmlformats.org/drawingml/2006/main" xmlns:r="http://schemas.openxmlformats.org/officeDocument/2006/relationships" xmlns:p="http://schemas.openxmlformats.org/presentationml/2006/main">
-  <p:cSld>
-    <p:spTree>
-      <p:nvGrpSpPr>
-        <p:cNvPr id="1" name=""/>
-        <p:cNvGrpSpPr/>
-        <p:nvPr/>
-      </p:nvGrpSpPr>
-      <p:grpSpPr>
-        <a:xfrm>
-          <a:off x="0" y="0"/>
-          <a:ext cx="0" cy="0"/>
-          <a:chOff x="0" y="0"/>
-          <a:chExt cx="0" cy="0"/>
-        </a:xfrm>
-      </p:grpSpPr>
-      <p:sp>
-        <p:nvSpPr>
-          <p:cNvPr id="2" name="标题 1"/>
-          <p:cNvSpPr>
-            <a:spLocks noGrp="1"/>
-          </p:cNvSpPr>
-          <p:nvPr>
-            <p:ph type="title"/>
-          </p:nvPr>
-        </p:nvSpPr>
-        <p:spPr/>
-        <p:txBody>
-          <a:bodyPr/>
-          <a:lstStyle/>
-          <a:p>
-            <a:r>
-              <a:rPr kumimoji="1" lang="zh-CN" altLang="en-US" dirty="0" smtClean="0">
-                <a:solidFill>
-                  <a:schemeClr val="bg2"/>
-                </a:solidFill>
-              </a:rPr>
-              <a:t>消息模块</a:t>
-            </a:r>
-            <a:endParaRPr kumimoji="1" lang="zh-CN" altLang="en-US" dirty="0">
-              <a:solidFill>
-                <a:schemeClr val="bg2"/>
-              </a:solidFill>
-            </a:endParaRPr>
-          </a:p>
-        </p:txBody>
-      </p:sp>
-      <p:sp>
-        <p:nvSpPr>
-          <p:cNvPr id="3" name="内容占位符 2"/>
-          <p:cNvSpPr>
-            <a:spLocks noGrp="1"/>
-          </p:cNvSpPr>
-          <p:nvPr>
-            <p:ph idx="1"/>
-          </p:nvPr>
-        </p:nvSpPr>
-        <p:spPr/>
-        <p:txBody>
-          <a:bodyPr/>
-          <a:lstStyle/>
-          <a:p>
-            <a:r>
-              <a:rPr kumimoji="1" lang="zh-CN" altLang="en-US" dirty="0" smtClean="0">
-                <a:solidFill>
-                  <a:schemeClr val="bg1"/>
-                </a:solidFill>
-              </a:rPr>
-              <a:t>查看消息</a:t>
-            </a:r>
-            <a:endParaRPr kumimoji="1" lang="en-US" altLang="zh-CN" dirty="0" smtClean="0">
-              <a:solidFill>
-                <a:schemeClr val="bg1"/>
-              </a:solidFill>
-            </a:endParaRPr>
-          </a:p>
-          <a:p>
-            <a:pPr lvl="1"/>
-            <a:r>
-              <a:rPr kumimoji="1" lang="zh-CN" altLang="en-US" dirty="0" smtClean="0">
-                <a:solidFill>
-                  <a:schemeClr val="bg1"/>
-                </a:solidFill>
-              </a:rPr>
-              <a:t>查看</a:t>
-            </a:r>
-            <a:r>
-              <a:rPr kumimoji="1" lang="zh-CN" altLang="en-US" dirty="0" smtClean="0">
-                <a:solidFill>
-                  <a:srgbClr val="FF0000"/>
-                </a:solidFill>
-              </a:rPr>
-              <a:t>普通用户</a:t>
-            </a:r>
-            <a:r>
-              <a:rPr kumimoji="1" lang="zh-CN" altLang="en-US" dirty="0" smtClean="0">
-                <a:solidFill>
-                  <a:schemeClr val="bg1"/>
-                </a:solidFill>
-              </a:rPr>
-              <a:t>消息</a:t>
-            </a:r>
-            <a:endParaRPr kumimoji="1" lang="en-US" altLang="zh-CN" dirty="0" smtClean="0">
-              <a:solidFill>
-                <a:schemeClr val="bg1"/>
-              </a:solidFill>
-            </a:endParaRPr>
-          </a:p>
-          <a:p>
-            <a:pPr lvl="1"/>
-            <a:r>
-              <a:rPr kumimoji="1" lang="zh-CN" altLang="en-US" dirty="0" smtClean="0">
-                <a:solidFill>
-                  <a:schemeClr val="bg1"/>
-                </a:solidFill>
-              </a:rPr>
-              <a:t>查看</a:t>
-            </a:r>
-            <a:r>
-              <a:rPr kumimoji="1" lang="zh-CN" altLang="en-US" dirty="0" smtClean="0">
-                <a:solidFill>
-                  <a:srgbClr val="FF0000"/>
-                </a:solidFill>
-              </a:rPr>
-              <a:t>审核员</a:t>
-            </a:r>
-            <a:r>
-              <a:rPr kumimoji="1" lang="zh-CN" altLang="en-US" dirty="0" smtClean="0">
-                <a:solidFill>
-                  <a:schemeClr val="bg1"/>
-                </a:solidFill>
-              </a:rPr>
-              <a:t>消息</a:t>
-            </a:r>
-            <a:endParaRPr kumimoji="1" lang="en-US" altLang="zh-CN" dirty="0" smtClean="0">
-              <a:solidFill>
-                <a:schemeClr val="bg1"/>
-              </a:solidFill>
-            </a:endParaRPr>
-          </a:p>
-          <a:p>
-            <a:pPr lvl="1"/>
-            <a:r>
-              <a:rPr kumimoji="1" lang="zh-CN" altLang="en-US" dirty="0" smtClean="0">
-                <a:solidFill>
-                  <a:schemeClr val="bg1"/>
-                </a:solidFill>
-              </a:rPr>
-              <a:t>查看</a:t>
-            </a:r>
-            <a:r>
-              <a:rPr kumimoji="1" lang="zh-CN" altLang="en-US" dirty="0" smtClean="0">
-                <a:solidFill>
-                  <a:srgbClr val="FF0000"/>
-                </a:solidFill>
-              </a:rPr>
-              <a:t>担保人</a:t>
-            </a:r>
-            <a:r>
-              <a:rPr kumimoji="1" lang="zh-CN" altLang="en-US" dirty="0" smtClean="0">
-                <a:solidFill>
-                  <a:schemeClr val="bg1"/>
-                </a:solidFill>
-              </a:rPr>
-              <a:t>消息</a:t>
-            </a:r>
-            <a:endParaRPr kumimoji="1" lang="en-US" altLang="zh-CN" dirty="0" smtClean="0">
-              <a:solidFill>
-                <a:schemeClr val="bg1"/>
-              </a:solidFill>
-            </a:endParaRPr>
-          </a:p>
-          <a:p>
-            <a:pPr lvl="1"/>
-            <a:r>
-              <a:rPr kumimoji="1" lang="zh-CN" altLang="en-US" dirty="0" smtClean="0">
-                <a:solidFill>
-                  <a:schemeClr val="bg1"/>
-                </a:solidFill>
-              </a:rPr>
-              <a:t>查看</a:t>
-            </a:r>
-            <a:r>
-              <a:rPr kumimoji="1" lang="zh-CN" altLang="en-US" dirty="0" smtClean="0">
-                <a:solidFill>
-                  <a:srgbClr val="FF0000"/>
-                </a:solidFill>
-              </a:rPr>
-              <a:t>管理员</a:t>
-            </a:r>
-            <a:r>
-              <a:rPr kumimoji="1" lang="zh-CN" altLang="en-US" dirty="0" smtClean="0">
-                <a:solidFill>
-                  <a:schemeClr val="bg1"/>
-                </a:solidFill>
-              </a:rPr>
-              <a:t>消息</a:t>
-            </a:r>
-            <a:endParaRPr kumimoji="1" lang="en-US" altLang="zh-CN" dirty="0" smtClean="0">
-              <a:solidFill>
-                <a:schemeClr val="bg1"/>
-              </a:solidFill>
-            </a:endParaRPr>
-          </a:p>
-          <a:p>
-            <a:endParaRPr kumimoji="1" lang="en-US" altLang="zh-CN" dirty="0" smtClean="0">
-              <a:solidFill>
-                <a:schemeClr val="bg1"/>
-              </a:solidFill>
-            </a:endParaRPr>
-          </a:p>
-          <a:p>
-            <a:r>
-              <a:rPr kumimoji="1" lang="zh-CN" altLang="en-US" dirty="0" smtClean="0">
-                <a:solidFill>
-                  <a:schemeClr val="bg1"/>
-                </a:solidFill>
-              </a:rPr>
-              <a:t>消息可标为已读</a:t>
-            </a:r>
-            <a:endParaRPr kumimoji="1" lang="zh-CN" altLang="en-US" dirty="0">
-              <a:solidFill>
-                <a:schemeClr val="bg1"/>
-              </a:solidFill>
-            </a:endParaRPr>
-          </a:p>
-        </p:txBody>
-      </p:sp>
-    </p:spTree>
-    <p:extLst>
-      <p:ext uri="{BB962C8B-B14F-4D97-AF65-F5344CB8AC3E}">
-        <p14:creationId xmlns:p14="http://schemas.microsoft.com/office/powerpoint/2010/main" val="1176617330"/>
-      </p:ext>
-    </p:extLst>
-  </p:cSld>
-  <p:clrMapOvr>
-    <a:masterClrMapping/>
-  </p:clrMapOvr>
-</p:sld>
-</file>
-
-<file path=ppt/slides/slide12.xml><?xml version="1.0" encoding="utf-8"?>
-<p:sld xmlns:a="http://schemas.openxmlformats.org/drawingml/2006/main" xmlns:r="http://schemas.openxmlformats.org/officeDocument/2006/relationships" xmlns:p="http://schemas.openxmlformats.org/presentationml/2006/main">
-  <p:cSld>
-    <p:spTree>
-      <p:nvGrpSpPr>
-        <p:cNvPr id="1" name=""/>
-        <p:cNvGrpSpPr/>
-        <p:nvPr/>
-      </p:nvGrpSpPr>
-      <p:grpSpPr>
-        <a:xfrm>
-          <a:off x="0" y="0"/>
-          <a:ext cx="0" cy="0"/>
-          <a:chOff x="0" y="0"/>
-          <a:chExt cx="0" cy="0"/>
-        </a:xfrm>
-      </p:grpSpPr>
-      <p:sp>
-        <p:nvSpPr>
-          <p:cNvPr id="2" name="标题 1"/>
-          <p:cNvSpPr>
-            <a:spLocks noGrp="1"/>
-          </p:cNvSpPr>
-          <p:nvPr>
-            <p:ph type="title"/>
-          </p:nvPr>
-        </p:nvSpPr>
-        <p:spPr/>
-        <p:txBody>
-          <a:bodyPr/>
-          <a:lstStyle/>
-          <a:p>
-            <a:r>
-              <a:rPr kumimoji="1" lang="zh-CN" altLang="en-US" dirty="0" smtClean="0">
-                <a:solidFill>
-                  <a:schemeClr val="bg2"/>
-                </a:solidFill>
-              </a:rPr>
-              <a:t>时不我贷</a:t>
-            </a:r>
-            <a:endParaRPr kumimoji="1" lang="zh-CN" altLang="en-US" dirty="0">
-              <a:solidFill>
-                <a:schemeClr val="bg2"/>
-              </a:solidFill>
-            </a:endParaRPr>
-          </a:p>
-        </p:txBody>
-      </p:sp>
-      <p:sp>
-        <p:nvSpPr>
-          <p:cNvPr id="3" name="内容占位符 2"/>
-          <p:cNvSpPr>
-            <a:spLocks noGrp="1"/>
-          </p:cNvSpPr>
-          <p:nvPr>
-            <p:ph idx="1"/>
-          </p:nvPr>
-        </p:nvSpPr>
-        <p:spPr/>
-        <p:txBody>
-          <a:bodyPr/>
-          <a:lstStyle/>
-          <a:p>
-            <a:endParaRPr kumimoji="1" lang="en-US" altLang="zh-CN" dirty="0"/>
-          </a:p>
-          <a:p>
-            <a:r>
-              <a:rPr kumimoji="1" lang="zh-CN" altLang="en-US" dirty="0" smtClean="0"/>
-              <a:t>系统演示</a:t>
-            </a:r>
-            <a:endParaRPr kumimoji="1" lang="en-US" altLang="zh-CN" dirty="0" smtClean="0"/>
-          </a:p>
-          <a:p>
-            <a:endParaRPr kumimoji="1" lang="en-US" altLang="zh-CN" dirty="0" smtClean="0"/>
-          </a:p>
-          <a:p>
-            <a:r>
-              <a:rPr kumimoji="1" lang="zh-CN" altLang="en-US" dirty="0">
-                <a:solidFill>
-                  <a:schemeClr val="bg2"/>
-                </a:solidFill>
-              </a:rPr>
-              <a:t>文档编写及分工</a:t>
-            </a:r>
-            <a:endParaRPr kumimoji="1" lang="en-US" altLang="zh-CN" dirty="0">
-              <a:solidFill>
-                <a:schemeClr val="bg2"/>
-              </a:solidFill>
-            </a:endParaRPr>
-          </a:p>
-          <a:p>
-            <a:endParaRPr kumimoji="1" lang="en-US" altLang="zh-CN" dirty="0"/>
-          </a:p>
-          <a:p>
-            <a:r>
-              <a:rPr kumimoji="1" lang="zh-CN" altLang="en-US" dirty="0" smtClean="0"/>
-              <a:t>总结</a:t>
-            </a:r>
-            <a:endParaRPr kumimoji="1" lang="zh-CN" altLang="en-US" dirty="0"/>
-          </a:p>
-        </p:txBody>
-      </p:sp>
-    </p:spTree>
-    <p:extLst>
-      <p:ext uri="{BB962C8B-B14F-4D97-AF65-F5344CB8AC3E}">
-        <p14:creationId xmlns:p14="http://schemas.microsoft.com/office/powerpoint/2010/main" val="747658332"/>
-      </p:ext>
-    </p:extLst>
-  </p:cSld>
-  <p:clrMapOvr>
-    <a:masterClrMapping/>
-  </p:clrMapOvr>
-  <p:timing>
-    <p:tnLst>
-      <p:par>
-        <p:cTn id="1" dur="indefinite" restart="never" nodeType="tmRoot"/>
-      </p:par>
-    </p:tnLst>
-  </p:timing>
-</p:sld>
-</file>
-
 <file path=ppt/slides/slide13.xml><?xml version="1.0" encoding="utf-8"?>
 <p:sld xmlns:a="http://schemas.openxmlformats.org/drawingml/2006/main" xmlns:r="http://schemas.openxmlformats.org/officeDocument/2006/relationships" xmlns:p="http://schemas.openxmlformats.org/presentationml/2006/main">
   <p:cSld>
@@ -4460,20 +5031,12 @@
           <a:lstStyle/>
           <a:p>
             <a:r>
-              <a:rPr kumimoji="1" lang="zh-CN" altLang="en-US" dirty="0">
-                <a:solidFill>
-                  <a:schemeClr val="bg2"/>
-                </a:solidFill>
-              </a:rPr>
-              <a:t>文档</a:t>
-            </a:r>
-            <a:r>
-              <a:rPr kumimoji="1" lang="zh-CN" altLang="en-US" dirty="0" smtClean="0">
-                <a:solidFill>
-                  <a:schemeClr val="bg2"/>
-                </a:solidFill>
-              </a:rPr>
-              <a:t>编写</a:t>
+              <a:rPr kumimoji="1" lang="zh-CN" altLang="en-US" dirty="0" smtClean="0">
+                <a:solidFill>
+                  <a:schemeClr val="bg2"/>
+                </a:solidFill>
+              </a:rPr>
+              <a:t>消息模块</a:t>
             </a:r>
             <a:endParaRPr kumimoji="1" lang="zh-CN" altLang="en-US" dirty="0">
               <a:solidFill>
@@ -4495,29 +5058,52 @@
         </p:nvSpPr>
         <p:spPr/>
         <p:txBody>
-          <a:bodyPr>
-            <a:normAutofit fontScale="92500" lnSpcReduction="10000"/>
-          </a:bodyPr>
-          <a:lstStyle/>
-          <a:p>
-            <a:r>
-              <a:rPr kumimoji="1" lang="zh-CN" altLang="en-US" dirty="0" smtClean="0">
-                <a:solidFill>
-                  <a:schemeClr val="bg2"/>
-                </a:solidFill>
-              </a:rPr>
-              <a:t>重要文档：</a:t>
+          <a:bodyPr/>
+          <a:lstStyle/>
+          <a:p>
+            <a:r>
+              <a:rPr kumimoji="1" lang="zh-CN" altLang="en-US" dirty="0" smtClean="0">
+                <a:solidFill>
+                  <a:schemeClr val="bg1"/>
+                </a:solidFill>
+              </a:rPr>
+              <a:t>查看消息</a:t>
             </a:r>
             <a:endParaRPr kumimoji="1" lang="en-US" altLang="zh-CN" dirty="0" smtClean="0">
               <a:solidFill>
-                <a:schemeClr val="bg2"/>
-              </a:solidFill>
-            </a:endParaRPr>
-          </a:p>
-          <a:p>
+                <a:schemeClr val="bg1"/>
+              </a:solidFill>
+            </a:endParaRPr>
+          </a:p>
+          <a:p>
+            <a:pPr lvl="1"/>
+            <a:r>
+              <a:rPr kumimoji="1" lang="zh-CN" altLang="en-US" dirty="0" smtClean="0">
+                <a:solidFill>
+                  <a:schemeClr val="bg1"/>
+                </a:solidFill>
+              </a:rPr>
+              <a:t>查看</a:t>
+            </a:r>
+            <a:r>
+              <a:rPr kumimoji="1" lang="zh-CN" altLang="en-US" dirty="0" smtClean="0">
+                <a:solidFill>
+                  <a:srgbClr val="FF0000"/>
+                </a:solidFill>
+              </a:rPr>
+              <a:t>普通用户</a:t>
+            </a:r>
+            <a:r>
+              <a:rPr kumimoji="1" lang="zh-CN" altLang="en-US" dirty="0" smtClean="0">
+                <a:solidFill>
+                  <a:schemeClr val="bg1"/>
+                </a:solidFill>
+              </a:rPr>
+              <a:t>消息</a:t>
+            </a:r>
             <a:endParaRPr kumimoji="1" lang="en-US" altLang="zh-CN" dirty="0" smtClean="0">
               <a:solidFill>
-                <a:schemeClr val="bg2"/>
+                <a:schemeClr val="bg1"/>
               </a:solidFill>
             </a:endParaRPr>
           </a:p>
@@ -4526,22 +5112,62 @@
             <a:r>
               <a:rPr kumimoji="1" lang="zh-CN" altLang="en-US" dirty="0" smtClean="0">
                 <a:solidFill>
-                  <a:schemeClr val="bg2"/>
-                </a:solidFill>
-              </a:rPr>
-              <a:t>需求文档（戈峰）</a:t>
+                  <a:schemeClr val="bg1"/>
+                </a:solidFill>
+              </a:rPr>
+              <a:t>查看</a:t>
+            </a:r>
+            <a:r>
+              <a:rPr kumimoji="1" lang="zh-CN" altLang="en-US" dirty="0" smtClean="0">
+                <a:solidFill>
+                  <a:srgbClr val="FF0000"/>
+                </a:solidFill>
+              </a:rPr>
+              <a:t>审核员</a:t>
+            </a:r>
+            <a:r>
+              <a:rPr kumimoji="1" lang="zh-CN" altLang="en-US" dirty="0" smtClean="0">
+                <a:solidFill>
+                  <a:schemeClr val="bg1"/>
+                </a:solidFill>
+              </a:rPr>
+              <a:t>消息</a:t>
             </a:r>
             <a:endParaRPr kumimoji="1" lang="en-US" altLang="zh-CN" dirty="0" smtClean="0">
               <a:solidFill>
-                <a:schemeClr val="bg2"/>
+                <a:schemeClr val="bg1"/>
               </a:solidFill>
             </a:endParaRPr>
           </a:p>
           <a:p>
             <a:pPr lvl="1"/>
+            <a:r>
+              <a:rPr kumimoji="1" lang="zh-CN" altLang="en-US" dirty="0" smtClean="0">
+                <a:solidFill>
+                  <a:schemeClr val="bg1"/>
+                </a:solidFill>
+              </a:rPr>
+              <a:t>查看</a:t>
+            </a:r>
+            <a:r>
+              <a:rPr kumimoji="1" lang="zh-CN" altLang="en-US" dirty="0" smtClean="0">
+                <a:solidFill>
+                  <a:srgbClr val="FF0000"/>
+                </a:solidFill>
+              </a:rPr>
+              <a:t>担保人</a:t>
+            </a:r>
+            <a:r>
+              <a:rPr kumimoji="1" lang="zh-CN" altLang="en-US" dirty="0" smtClean="0">
+                <a:solidFill>
+                  <a:schemeClr val="bg1"/>
+                </a:solidFill>
+              </a:rPr>
+              <a:t>消息</a:t>
+            </a:r>
             <a:endParaRPr kumimoji="1" lang="en-US" altLang="zh-CN" dirty="0" smtClean="0">
               <a:solidFill>
-                <a:schemeClr val="bg2"/>
+                <a:schemeClr val="bg1"/>
               </a:solidFill>
             </a:endParaRPr>
           </a:p>
@@ -4550,110 +5176,52 @@
             <a:r>
               <a:rPr kumimoji="1" lang="zh-CN" altLang="en-US" dirty="0" smtClean="0">
                 <a:solidFill>
-                  <a:schemeClr val="bg2"/>
-                </a:solidFill>
-              </a:rPr>
-              <a:t>设计文档（高转明、钟宇轩、许家乐）</a:t>
+                  <a:schemeClr val="bg1"/>
+                </a:solidFill>
+              </a:rPr>
+              <a:t>查看</a:t>
+            </a:r>
+            <a:r>
+              <a:rPr kumimoji="1" lang="zh-CN" altLang="en-US" dirty="0" smtClean="0">
+                <a:solidFill>
+                  <a:srgbClr val="FF0000"/>
+                </a:solidFill>
+              </a:rPr>
+              <a:t>管理员</a:t>
+            </a:r>
+            <a:r>
+              <a:rPr kumimoji="1" lang="zh-CN" altLang="en-US" dirty="0" smtClean="0">
+                <a:solidFill>
+                  <a:schemeClr val="bg1"/>
+                </a:solidFill>
+              </a:rPr>
+              <a:t>消息</a:t>
             </a:r>
             <a:endParaRPr kumimoji="1" lang="en-US" altLang="zh-CN" dirty="0" smtClean="0">
               <a:solidFill>
-                <a:schemeClr val="bg2"/>
-              </a:solidFill>
-            </a:endParaRPr>
-          </a:p>
-          <a:p>
-            <a:pPr lvl="1"/>
+                <a:schemeClr val="bg1"/>
+              </a:solidFill>
+            </a:endParaRPr>
+          </a:p>
+          <a:p>
             <a:endParaRPr kumimoji="1" lang="en-US" altLang="zh-CN" dirty="0" smtClean="0">
               <a:solidFill>
-                <a:schemeClr val="bg2"/>
-              </a:solidFill>
-            </a:endParaRPr>
-          </a:p>
-          <a:p>
-            <a:pPr lvl="2"/>
-            <a:r>
-              <a:rPr kumimoji="1" lang="zh-CN" altLang="en-US" dirty="0" smtClean="0">
-                <a:solidFill>
-                  <a:schemeClr val="bg2"/>
-                </a:solidFill>
-              </a:rPr>
-              <a:t>概要设计文档（高转明）</a:t>
-            </a:r>
-            <a:endParaRPr kumimoji="1" lang="en-US" altLang="zh-CN" dirty="0" smtClean="0">
-              <a:solidFill>
-                <a:schemeClr val="bg2"/>
-              </a:solidFill>
-            </a:endParaRPr>
-          </a:p>
-          <a:p>
-            <a:pPr lvl="2"/>
-            <a:endParaRPr kumimoji="1" lang="en-US" altLang="zh-CN" dirty="0" smtClean="0">
-              <a:solidFill>
-                <a:schemeClr val="bg2"/>
-              </a:solidFill>
-            </a:endParaRPr>
-          </a:p>
-          <a:p>
-            <a:pPr lvl="2"/>
-            <a:r>
-              <a:rPr kumimoji="1" lang="zh-CN" altLang="en-US" dirty="0" smtClean="0">
-                <a:solidFill>
-                  <a:schemeClr val="bg2"/>
-                </a:solidFill>
-              </a:rPr>
-              <a:t>详细设计（钟宇轩）</a:t>
-            </a:r>
-            <a:endParaRPr kumimoji="1" lang="en-US" altLang="zh-CN" dirty="0" smtClean="0">
-              <a:solidFill>
-                <a:schemeClr val="bg2"/>
-              </a:solidFill>
-            </a:endParaRPr>
-          </a:p>
-          <a:p>
-            <a:pPr lvl="1"/>
-            <a:endParaRPr kumimoji="1" lang="en-US" altLang="zh-CN" dirty="0" smtClean="0">
-              <a:solidFill>
-                <a:schemeClr val="bg2"/>
-              </a:solidFill>
-            </a:endParaRPr>
-          </a:p>
-          <a:p>
-            <a:pPr lvl="3"/>
-            <a:r>
-              <a:rPr kumimoji="1" lang="zh-CN" altLang="en-US" dirty="0" smtClean="0">
-                <a:solidFill>
-                  <a:schemeClr val="bg2"/>
-                </a:solidFill>
-              </a:rPr>
-              <a:t>接口设计（许家乐）</a:t>
-            </a:r>
-            <a:endParaRPr kumimoji="1" lang="en-US" altLang="zh-CN" dirty="0" smtClean="0">
-              <a:solidFill>
-                <a:schemeClr val="bg2"/>
-              </a:solidFill>
-            </a:endParaRPr>
-          </a:p>
-          <a:p>
-            <a:pPr lvl="1"/>
-            <a:endParaRPr kumimoji="1" lang="en-US" altLang="zh-CN" dirty="0" smtClean="0">
-              <a:solidFill>
-                <a:schemeClr val="bg2"/>
-              </a:solidFill>
-            </a:endParaRPr>
-          </a:p>
-          <a:p>
-            <a:pPr lvl="3"/>
-            <a:r>
-              <a:rPr kumimoji="1" lang="zh-CN" altLang="en-US" dirty="0" smtClean="0">
-                <a:solidFill>
-                  <a:schemeClr val="bg2"/>
-                </a:solidFill>
-              </a:rPr>
-              <a:t>数据模型（许家乐）</a:t>
-            </a:r>
-            <a:endParaRPr kumimoji="1" lang="en-US" altLang="zh-CN" dirty="0" smtClean="0">
-              <a:solidFill>
-                <a:schemeClr val="bg2"/>
+                <a:schemeClr val="bg1"/>
+              </a:solidFill>
+            </a:endParaRPr>
+          </a:p>
+          <a:p>
+            <a:r>
+              <a:rPr kumimoji="1" lang="zh-CN" altLang="en-US" dirty="0" smtClean="0">
+                <a:solidFill>
+                  <a:schemeClr val="bg1"/>
+                </a:solidFill>
+              </a:rPr>
+              <a:t>消息可标为已读</a:t>
+            </a:r>
+            <a:endParaRPr kumimoji="1" lang="zh-CN" altLang="en-US" dirty="0">
+              <a:solidFill>
+                <a:schemeClr val="bg1"/>
               </a:solidFill>
             </a:endParaRPr>
           </a:p>
@@ -4662,7 +5230,7 @@
     </p:spTree>
     <p:extLst>
       <p:ext uri="{BB962C8B-B14F-4D97-AF65-F5344CB8AC3E}">
-        <p14:creationId xmlns:p14="http://schemas.microsoft.com/office/powerpoint/2010/main" val="1127113033"/>
+        <p14:creationId xmlns:p14="http://schemas.microsoft.com/office/powerpoint/2010/main" val="1176617330"/>
       </p:ext>
     </p:extLst>
   </p:cSld>
@@ -4708,6 +5276,391 @@
         </p:nvSpPr>
         <p:spPr/>
         <p:txBody>
+          <a:bodyPr/>
+          <a:lstStyle/>
+          <a:p>
+            <a:r>
+              <a:rPr kumimoji="1" lang="zh-CN" altLang="en-US" dirty="0" smtClean="0">
+                <a:solidFill>
+                  <a:schemeClr val="bg2"/>
+                </a:solidFill>
+              </a:rPr>
+              <a:t>时不我贷</a:t>
+            </a:r>
+            <a:endParaRPr kumimoji="1" lang="zh-CN" altLang="en-US" dirty="0">
+              <a:solidFill>
+                <a:schemeClr val="bg2"/>
+              </a:solidFill>
+            </a:endParaRPr>
+          </a:p>
+        </p:txBody>
+      </p:sp>
+      <p:sp>
+        <p:nvSpPr>
+          <p:cNvPr id="3" name="内容占位符 2"/>
+          <p:cNvSpPr>
+            <a:spLocks noGrp="1"/>
+          </p:cNvSpPr>
+          <p:nvPr>
+            <p:ph idx="1"/>
+          </p:nvPr>
+        </p:nvSpPr>
+        <p:spPr/>
+        <p:txBody>
+          <a:bodyPr/>
+          <a:lstStyle/>
+          <a:p>
+            <a:r>
+              <a:rPr kumimoji="1" lang="zh-CN" altLang="en-US" dirty="0" smtClean="0"/>
+              <a:t>课题背景</a:t>
+            </a:r>
+            <a:endParaRPr kumimoji="1" lang="en-US" altLang="zh-CN" dirty="0" smtClean="0"/>
+          </a:p>
+          <a:p>
+            <a:endParaRPr kumimoji="1" lang="en-US" altLang="zh-CN" dirty="0" smtClean="0"/>
+          </a:p>
+          <a:p>
+            <a:r>
+              <a:rPr kumimoji="1" lang="zh-CN" altLang="en-US" dirty="0"/>
+              <a:t>系统演示</a:t>
+            </a:r>
+            <a:endParaRPr kumimoji="1" lang="en-US" altLang="zh-CN" dirty="0"/>
+          </a:p>
+          <a:p>
+            <a:endParaRPr kumimoji="1" lang="en-US" altLang="zh-CN" dirty="0" smtClean="0"/>
+          </a:p>
+          <a:p>
+            <a:r>
+              <a:rPr kumimoji="1" lang="zh-CN" altLang="en-US" dirty="0" smtClean="0">
+                <a:solidFill>
+                  <a:schemeClr val="bg2"/>
+                </a:solidFill>
+              </a:rPr>
+              <a:t>文档编写及分工</a:t>
+            </a:r>
+            <a:endParaRPr kumimoji="1" lang="en-US" altLang="zh-CN" dirty="0" smtClean="0">
+              <a:solidFill>
+                <a:schemeClr val="bg2"/>
+              </a:solidFill>
+            </a:endParaRPr>
+          </a:p>
+          <a:p>
+            <a:endParaRPr kumimoji="1" lang="en-US" altLang="zh-CN" dirty="0">
+              <a:solidFill>
+                <a:schemeClr val="bg2"/>
+              </a:solidFill>
+            </a:endParaRPr>
+          </a:p>
+          <a:p>
+            <a:r>
+              <a:rPr kumimoji="1" lang="zh-CN" altLang="en-US" dirty="0" smtClean="0"/>
+              <a:t>总结</a:t>
+            </a:r>
+            <a:endParaRPr kumimoji="1" lang="zh-CN" altLang="en-US" dirty="0"/>
+          </a:p>
+        </p:txBody>
+      </p:sp>
+    </p:spTree>
+    <p:extLst>
+      <p:ext uri="{BB962C8B-B14F-4D97-AF65-F5344CB8AC3E}">
+        <p14:creationId xmlns:p14="http://schemas.microsoft.com/office/powerpoint/2010/main" val="74901388"/>
+      </p:ext>
+    </p:extLst>
+  </p:cSld>
+  <p:clrMapOvr>
+    <a:masterClrMapping/>
+  </p:clrMapOvr>
+  <p:timing>
+    <p:tnLst>
+      <p:par>
+        <p:cTn id="1" dur="indefinite" restart="never" nodeType="tmRoot"/>
+      </p:par>
+    </p:tnLst>
+  </p:timing>
+</p:sld>
+</file>
+
+<file path=ppt/slides/slide15.xml><?xml version="1.0" encoding="utf-8"?>
+<p:sld xmlns:a="http://schemas.openxmlformats.org/drawingml/2006/main" xmlns:r="http://schemas.openxmlformats.org/officeDocument/2006/relationships" xmlns:p="http://schemas.openxmlformats.org/presentationml/2006/main">
+  <p:cSld>
+    <p:spTree>
+      <p:nvGrpSpPr>
+        <p:cNvPr id="1" name=""/>
+        <p:cNvGrpSpPr/>
+        <p:nvPr/>
+      </p:nvGrpSpPr>
+      <p:grpSpPr>
+        <a:xfrm>
+          <a:off x="0" y="0"/>
+          <a:ext cx="0" cy="0"/>
+          <a:chOff x="0" y="0"/>
+          <a:chExt cx="0" cy="0"/>
+        </a:xfrm>
+      </p:grpSpPr>
+      <p:sp>
+        <p:nvSpPr>
+          <p:cNvPr id="2" name="标题 1"/>
+          <p:cNvSpPr>
+            <a:spLocks noGrp="1"/>
+          </p:cNvSpPr>
+          <p:nvPr>
+            <p:ph type="title"/>
+          </p:nvPr>
+        </p:nvSpPr>
+        <p:spPr/>
+        <p:txBody>
+          <a:bodyPr/>
+          <a:lstStyle/>
+          <a:p>
+            <a:r>
+              <a:rPr kumimoji="1" lang="zh-CN" altLang="en-US" dirty="0">
+                <a:solidFill>
+                  <a:schemeClr val="bg2"/>
+                </a:solidFill>
+              </a:rPr>
+              <a:t>文档</a:t>
+            </a:r>
+            <a:r>
+              <a:rPr kumimoji="1" lang="zh-CN" altLang="en-US" dirty="0" smtClean="0">
+                <a:solidFill>
+                  <a:schemeClr val="bg2"/>
+                </a:solidFill>
+              </a:rPr>
+              <a:t>编写</a:t>
+            </a:r>
+            <a:endParaRPr kumimoji="1" lang="zh-CN" altLang="en-US" dirty="0">
+              <a:solidFill>
+                <a:schemeClr val="bg2"/>
+              </a:solidFill>
+            </a:endParaRPr>
+          </a:p>
+        </p:txBody>
+      </p:sp>
+      <p:sp>
+        <p:nvSpPr>
+          <p:cNvPr id="3" name="内容占位符 2"/>
+          <p:cNvSpPr>
+            <a:spLocks noGrp="1"/>
+          </p:cNvSpPr>
+          <p:nvPr>
+            <p:ph idx="1"/>
+          </p:nvPr>
+        </p:nvSpPr>
+        <p:spPr/>
+        <p:txBody>
+          <a:bodyPr>
+            <a:normAutofit fontScale="92500" lnSpcReduction="10000"/>
+          </a:bodyPr>
+          <a:lstStyle/>
+          <a:p>
+            <a:r>
+              <a:rPr kumimoji="1" lang="zh-CN" altLang="en-US" dirty="0" smtClean="0">
+                <a:solidFill>
+                  <a:schemeClr val="bg2"/>
+                </a:solidFill>
+              </a:rPr>
+              <a:t>重要文档：</a:t>
+            </a:r>
+            <a:endParaRPr kumimoji="1" lang="en-US" altLang="zh-CN" dirty="0" smtClean="0">
+              <a:solidFill>
+                <a:schemeClr val="bg2"/>
+              </a:solidFill>
+            </a:endParaRPr>
+          </a:p>
+          <a:p>
+            <a:endParaRPr kumimoji="1" lang="en-US" altLang="zh-CN" dirty="0" smtClean="0">
+              <a:solidFill>
+                <a:schemeClr val="bg2"/>
+              </a:solidFill>
+            </a:endParaRPr>
+          </a:p>
+          <a:p>
+            <a:pPr lvl="1"/>
+            <a:r>
+              <a:rPr kumimoji="1" lang="zh-CN" altLang="en-US" dirty="0" smtClean="0">
+                <a:solidFill>
+                  <a:schemeClr val="bg2"/>
+                </a:solidFill>
+              </a:rPr>
+              <a:t>需求文档（戈峰）</a:t>
+            </a:r>
+            <a:endParaRPr kumimoji="1" lang="en-US" altLang="zh-CN" dirty="0" smtClean="0">
+              <a:solidFill>
+                <a:schemeClr val="bg2"/>
+              </a:solidFill>
+            </a:endParaRPr>
+          </a:p>
+          <a:p>
+            <a:pPr lvl="1"/>
+            <a:endParaRPr kumimoji="1" lang="en-US" altLang="zh-CN" dirty="0" smtClean="0">
+              <a:solidFill>
+                <a:schemeClr val="bg2"/>
+              </a:solidFill>
+            </a:endParaRPr>
+          </a:p>
+          <a:p>
+            <a:pPr lvl="1"/>
+            <a:r>
+              <a:rPr kumimoji="1" lang="zh-CN" altLang="en-US" dirty="0" smtClean="0">
+                <a:solidFill>
+                  <a:schemeClr val="bg2"/>
+                </a:solidFill>
+              </a:rPr>
+              <a:t>设计文档（高转明、钟宇轩、许家乐）</a:t>
+            </a:r>
+            <a:endParaRPr kumimoji="1" lang="en-US" altLang="zh-CN" dirty="0" smtClean="0">
+              <a:solidFill>
+                <a:schemeClr val="bg2"/>
+              </a:solidFill>
+            </a:endParaRPr>
+          </a:p>
+          <a:p>
+            <a:pPr lvl="1"/>
+            <a:endParaRPr kumimoji="1" lang="en-US" altLang="zh-CN" dirty="0" smtClean="0">
+              <a:solidFill>
+                <a:schemeClr val="bg2"/>
+              </a:solidFill>
+            </a:endParaRPr>
+          </a:p>
+          <a:p>
+            <a:pPr lvl="2"/>
+            <a:r>
+              <a:rPr kumimoji="1" lang="zh-CN" altLang="en-US" dirty="0" smtClean="0">
+                <a:solidFill>
+                  <a:schemeClr val="bg2"/>
+                </a:solidFill>
+              </a:rPr>
+              <a:t>概要设计文档（高转明）</a:t>
+            </a:r>
+            <a:endParaRPr kumimoji="1" lang="en-US" altLang="zh-CN" dirty="0" smtClean="0">
+              <a:solidFill>
+                <a:schemeClr val="bg2"/>
+              </a:solidFill>
+            </a:endParaRPr>
+          </a:p>
+          <a:p>
+            <a:pPr lvl="2"/>
+            <a:endParaRPr kumimoji="1" lang="en-US" altLang="zh-CN" dirty="0" smtClean="0">
+              <a:solidFill>
+                <a:schemeClr val="bg2"/>
+              </a:solidFill>
+            </a:endParaRPr>
+          </a:p>
+          <a:p>
+            <a:pPr lvl="2"/>
+            <a:r>
+              <a:rPr kumimoji="1" lang="zh-CN" altLang="en-US" dirty="0" smtClean="0">
+                <a:solidFill>
+                  <a:schemeClr val="bg2"/>
+                </a:solidFill>
+              </a:rPr>
+              <a:t>详细设计（钟宇轩）</a:t>
+            </a:r>
+            <a:endParaRPr kumimoji="1" lang="en-US" altLang="zh-CN" dirty="0" smtClean="0">
+              <a:solidFill>
+                <a:schemeClr val="bg2"/>
+              </a:solidFill>
+            </a:endParaRPr>
+          </a:p>
+          <a:p>
+            <a:pPr lvl="1"/>
+            <a:endParaRPr kumimoji="1" lang="en-US" altLang="zh-CN" dirty="0" smtClean="0">
+              <a:solidFill>
+                <a:schemeClr val="bg2"/>
+              </a:solidFill>
+            </a:endParaRPr>
+          </a:p>
+          <a:p>
+            <a:pPr lvl="3"/>
+            <a:r>
+              <a:rPr kumimoji="1" lang="zh-CN" altLang="en-US" dirty="0" smtClean="0">
+                <a:solidFill>
+                  <a:schemeClr val="bg2"/>
+                </a:solidFill>
+              </a:rPr>
+              <a:t>接口设计（许家乐）</a:t>
+            </a:r>
+            <a:endParaRPr kumimoji="1" lang="en-US" altLang="zh-CN" dirty="0" smtClean="0">
+              <a:solidFill>
+                <a:schemeClr val="bg2"/>
+              </a:solidFill>
+            </a:endParaRPr>
+          </a:p>
+          <a:p>
+            <a:pPr lvl="1"/>
+            <a:endParaRPr kumimoji="1" lang="en-US" altLang="zh-CN" dirty="0" smtClean="0">
+              <a:solidFill>
+                <a:schemeClr val="bg2"/>
+              </a:solidFill>
+            </a:endParaRPr>
+          </a:p>
+          <a:p>
+            <a:pPr lvl="3"/>
+            <a:r>
+              <a:rPr kumimoji="1" lang="zh-CN" altLang="en-US" dirty="0" smtClean="0">
+                <a:solidFill>
+                  <a:schemeClr val="bg2"/>
+                </a:solidFill>
+              </a:rPr>
+              <a:t>数据模型（许家乐）</a:t>
+            </a:r>
+            <a:endParaRPr kumimoji="1" lang="en-US" altLang="zh-CN" dirty="0" smtClean="0">
+              <a:solidFill>
+                <a:schemeClr val="bg2"/>
+              </a:solidFill>
+            </a:endParaRPr>
+          </a:p>
+        </p:txBody>
+      </p:sp>
+    </p:spTree>
+    <p:extLst>
+      <p:ext uri="{BB962C8B-B14F-4D97-AF65-F5344CB8AC3E}">
+        <p14:creationId xmlns:p14="http://schemas.microsoft.com/office/powerpoint/2010/main" val="1127113033"/>
+      </p:ext>
+    </p:extLst>
+  </p:cSld>
+  <p:clrMapOvr>
+    <a:masterClrMapping/>
+  </p:clrMapOvr>
+  <p:timing>
+    <p:tnLst>
+      <p:par>
+        <p:cTn id="1" dur="indefinite" restart="never" nodeType="tmRoot"/>
+      </p:par>
+    </p:tnLst>
+  </p:timing>
+</p:sld>
+</file>
+
+<file path=ppt/slides/slide16.xml><?xml version="1.0" encoding="utf-8"?>
+<p:sld xmlns:a="http://schemas.openxmlformats.org/drawingml/2006/main" xmlns:r="http://schemas.openxmlformats.org/officeDocument/2006/relationships" xmlns:p="http://schemas.openxmlformats.org/presentationml/2006/main">
+  <p:cSld>
+    <p:spTree>
+      <p:nvGrpSpPr>
+        <p:cNvPr id="1" name=""/>
+        <p:cNvGrpSpPr/>
+        <p:nvPr/>
+      </p:nvGrpSpPr>
+      <p:grpSpPr>
+        <a:xfrm>
+          <a:off x="0" y="0"/>
+          <a:ext cx="0" cy="0"/>
+          <a:chOff x="0" y="0"/>
+          <a:chExt cx="0" cy="0"/>
+        </a:xfrm>
+      </p:grpSpPr>
+      <p:sp>
+        <p:nvSpPr>
+          <p:cNvPr id="2" name="标题 1"/>
+          <p:cNvSpPr>
+            <a:spLocks noGrp="1"/>
+          </p:cNvSpPr>
+          <p:nvPr>
+            <p:ph type="title"/>
+          </p:nvPr>
+        </p:nvSpPr>
+        <p:spPr/>
+        <p:txBody>
           <a:bodyPr>
             <a:normAutofit/>
           </a:bodyPr>
@@ -4997,7 +5950,7 @@
 </p:sld>
 </file>
 
-<file path=ppt/slides/slide15.xml><?xml version="1.0" encoding="utf-8"?>
+<file path=ppt/slides/slide17.xml><?xml version="1.0" encoding="utf-8"?>
 <p:sld xmlns:a="http://schemas.openxmlformats.org/drawingml/2006/main" xmlns:r="http://schemas.openxmlformats.org/officeDocument/2006/relationships" xmlns:p="http://schemas.openxmlformats.org/presentationml/2006/main">
   <p:cSld>
     <p:spTree>
@@ -5350,7 +6303,7 @@
 </p:sld>
 </file>
 
-<file path=ppt/slides/slide16.xml><?xml version="1.0" encoding="utf-8"?>
+<file path=ppt/slides/slide18.xml><?xml version="1.0" encoding="utf-8"?>
 <p:sld xmlns:a="http://schemas.openxmlformats.org/drawingml/2006/main" xmlns:r="http://schemas.openxmlformats.org/officeDocument/2006/relationships" xmlns:p="http://schemas.openxmlformats.org/presentationml/2006/main">
   <p:cSld>
     <p:spTree>
@@ -5748,7 +6701,7 @@
 </p:sld>
 </file>
 
-<file path=ppt/slides/slide17.xml><?xml version="1.0" encoding="utf-8"?>
+<file path=ppt/slides/slide19.xml><?xml version="1.0" encoding="utf-8"?>
 <p:sld xmlns:a="http://schemas.openxmlformats.org/drawingml/2006/main" xmlns:r="http://schemas.openxmlformats.org/officeDocument/2006/relationships" xmlns:p="http://schemas.openxmlformats.org/presentationml/2006/main">
   <p:cSld>
     <p:spTree>
@@ -6012,607 +6965,6 @@
 </p:sld>
 </file>
 
-<file path=ppt/slides/slide18.xml><?xml version="1.0" encoding="utf-8"?>
-<p:sld xmlns:a="http://schemas.openxmlformats.org/drawingml/2006/main" xmlns:r="http://schemas.openxmlformats.org/officeDocument/2006/relationships" xmlns:p="http://schemas.openxmlformats.org/presentationml/2006/main">
-  <p:cSld>
-    <p:spTree>
-      <p:nvGrpSpPr>
-        <p:cNvPr id="1" name=""/>
-        <p:cNvGrpSpPr/>
-        <p:nvPr/>
-      </p:nvGrpSpPr>
-      <p:grpSpPr>
-        <a:xfrm>
-          <a:off x="0" y="0"/>
-          <a:ext cx="0" cy="0"/>
-          <a:chOff x="0" y="0"/>
-          <a:chExt cx="0" cy="0"/>
-        </a:xfrm>
-      </p:grpSpPr>
-      <p:sp>
-        <p:nvSpPr>
-          <p:cNvPr id="2" name="标题 1"/>
-          <p:cNvSpPr>
-            <a:spLocks noGrp="1"/>
-          </p:cNvSpPr>
-          <p:nvPr>
-            <p:ph type="title"/>
-          </p:nvPr>
-        </p:nvSpPr>
-        <p:spPr/>
-        <p:txBody>
-          <a:bodyPr/>
-          <a:lstStyle/>
-          <a:p>
-            <a:r>
-              <a:rPr kumimoji="1" lang="zh-CN" altLang="en-US" dirty="0" smtClean="0">
-                <a:solidFill>
-                  <a:schemeClr val="bg2"/>
-                </a:solidFill>
-              </a:rPr>
-              <a:t>戈峰</a:t>
-            </a:r>
-            <a:endParaRPr kumimoji="1" lang="zh-CN" altLang="en-US" dirty="0">
-              <a:solidFill>
-                <a:schemeClr val="bg2"/>
-              </a:solidFill>
-            </a:endParaRPr>
-          </a:p>
-        </p:txBody>
-      </p:sp>
-      <p:sp>
-        <p:nvSpPr>
-          <p:cNvPr id="3" name="内容占位符 2"/>
-          <p:cNvSpPr>
-            <a:spLocks noGrp="1"/>
-          </p:cNvSpPr>
-          <p:nvPr>
-            <p:ph idx="1"/>
-          </p:nvPr>
-        </p:nvSpPr>
-        <p:spPr/>
-        <p:txBody>
-          <a:bodyPr/>
-          <a:lstStyle/>
-          <a:p>
-            <a:r>
-              <a:rPr kumimoji="1" lang="zh-CN" altLang="en-US" dirty="0" smtClean="0">
-                <a:solidFill>
-                  <a:schemeClr val="bg2"/>
-                </a:solidFill>
-              </a:rPr>
-              <a:t>负责需求文档的</a:t>
-            </a:r>
-            <a:r>
-              <a:rPr kumimoji="1" lang="zh-CN" altLang="en-US" dirty="0" smtClean="0">
-                <a:solidFill>
-                  <a:srgbClr val="FF0000"/>
-                </a:solidFill>
-              </a:rPr>
-              <a:t>统筹</a:t>
-            </a:r>
-            <a:r>
-              <a:rPr kumimoji="1" lang="zh-CN" altLang="en-US" dirty="0" smtClean="0">
-                <a:solidFill>
-                  <a:schemeClr val="bg2"/>
-                </a:solidFill>
-              </a:rPr>
-              <a:t>与编写；</a:t>
-            </a:r>
-            <a:endParaRPr kumimoji="1" lang="en-US" altLang="zh-CN" dirty="0" smtClean="0">
-              <a:solidFill>
-                <a:schemeClr val="bg2"/>
-              </a:solidFill>
-            </a:endParaRPr>
-          </a:p>
-          <a:p>
-            <a:endParaRPr kumimoji="1" lang="en-US" altLang="zh-CN" dirty="0">
-              <a:solidFill>
-                <a:schemeClr val="bg2"/>
-              </a:solidFill>
-            </a:endParaRPr>
-          </a:p>
-          <a:p>
-            <a:r>
-              <a:rPr kumimoji="1" lang="zh-CN" altLang="en-US" dirty="0" smtClean="0">
-                <a:solidFill>
-                  <a:schemeClr val="bg2"/>
-                </a:solidFill>
-              </a:rPr>
-              <a:t>参与详细设计文档相关模块的编写；</a:t>
-            </a:r>
-            <a:endParaRPr kumimoji="1" lang="en-US" altLang="zh-CN" dirty="0" smtClean="0">
-              <a:solidFill>
-                <a:schemeClr val="bg2"/>
-              </a:solidFill>
-            </a:endParaRPr>
-          </a:p>
-          <a:p>
-            <a:endParaRPr kumimoji="1" lang="en-US" altLang="zh-CN" dirty="0">
-              <a:solidFill>
-                <a:schemeClr val="bg2"/>
-              </a:solidFill>
-            </a:endParaRPr>
-          </a:p>
-          <a:p>
-            <a:r>
-              <a:rPr kumimoji="1" lang="zh-CN" altLang="en-US" dirty="0" smtClean="0">
-                <a:solidFill>
-                  <a:schemeClr val="bg2"/>
-                </a:solidFill>
-              </a:rPr>
-              <a:t>负责后端代码的</a:t>
-            </a:r>
-            <a:r>
-              <a:rPr kumimoji="1" lang="zh-CN" altLang="en-US" dirty="0" smtClean="0">
-                <a:solidFill>
-                  <a:srgbClr val="FF0000"/>
-                </a:solidFill>
-              </a:rPr>
-              <a:t>用户认证</a:t>
-            </a:r>
-            <a:r>
-              <a:rPr kumimoji="1" lang="zh-CN" altLang="en-US" dirty="0" smtClean="0">
-                <a:solidFill>
-                  <a:schemeClr val="bg2"/>
-                </a:solidFill>
-              </a:rPr>
-              <a:t>模块、</a:t>
-            </a:r>
-            <a:r>
-              <a:rPr kumimoji="1" lang="zh-CN" altLang="en-US" dirty="0" smtClean="0">
-                <a:solidFill>
-                  <a:srgbClr val="FF0000"/>
-                </a:solidFill>
-              </a:rPr>
-              <a:t>管理员</a:t>
-            </a:r>
-            <a:r>
-              <a:rPr kumimoji="1" lang="zh-CN" altLang="en-US" dirty="0" smtClean="0">
-                <a:solidFill>
-                  <a:schemeClr val="bg2"/>
-                </a:solidFill>
-              </a:rPr>
-              <a:t>模块、</a:t>
-            </a:r>
-            <a:r>
-              <a:rPr kumimoji="1" lang="zh-CN" altLang="en-US" dirty="0" smtClean="0">
-                <a:solidFill>
-                  <a:srgbClr val="FF0000"/>
-                </a:solidFill>
-              </a:rPr>
-              <a:t>投资者</a:t>
-            </a:r>
-            <a:r>
-              <a:rPr kumimoji="1" lang="zh-CN" altLang="en-US" dirty="0" smtClean="0">
-                <a:solidFill>
-                  <a:schemeClr val="bg2"/>
-                </a:solidFill>
-              </a:rPr>
-              <a:t>模块；</a:t>
-            </a:r>
-            <a:endParaRPr kumimoji="1" lang="en-US" altLang="zh-CN" dirty="0" smtClean="0">
-              <a:solidFill>
-                <a:schemeClr val="bg2"/>
-              </a:solidFill>
-            </a:endParaRPr>
-          </a:p>
-          <a:p>
-            <a:endParaRPr kumimoji="1" lang="en-US" altLang="zh-CN" dirty="0">
-              <a:solidFill>
-                <a:schemeClr val="bg2"/>
-              </a:solidFill>
-            </a:endParaRPr>
-          </a:p>
-          <a:p>
-            <a:r>
-              <a:rPr kumimoji="1" lang="zh-CN" altLang="en-US" dirty="0" smtClean="0">
-                <a:solidFill>
-                  <a:schemeClr val="bg2"/>
-                </a:solidFill>
-              </a:rPr>
-              <a:t>负责项目整体的</a:t>
-            </a:r>
-            <a:r>
-              <a:rPr kumimoji="1" lang="zh-CN" altLang="en-US" dirty="0" smtClean="0">
-                <a:solidFill>
-                  <a:srgbClr val="FF0000"/>
-                </a:solidFill>
-              </a:rPr>
-              <a:t>统筹</a:t>
-            </a:r>
-            <a:r>
-              <a:rPr kumimoji="1" lang="zh-CN" altLang="en-US" dirty="0" smtClean="0">
-                <a:solidFill>
-                  <a:schemeClr val="bg2"/>
-                </a:solidFill>
-              </a:rPr>
-              <a:t>。</a:t>
-            </a:r>
-            <a:endParaRPr kumimoji="1" lang="zh-CN" altLang="en-US" dirty="0">
-              <a:solidFill>
-                <a:schemeClr val="bg2"/>
-              </a:solidFill>
-            </a:endParaRPr>
-          </a:p>
-        </p:txBody>
-      </p:sp>
-    </p:spTree>
-    <p:extLst>
-      <p:ext uri="{BB962C8B-B14F-4D97-AF65-F5344CB8AC3E}">
-        <p14:creationId xmlns:p14="http://schemas.microsoft.com/office/powerpoint/2010/main" val="568411732"/>
-      </p:ext>
-    </p:extLst>
-  </p:cSld>
-  <p:clrMapOvr>
-    <a:masterClrMapping/>
-  </p:clrMapOvr>
-  <p:timing>
-    <p:tnLst>
-      <p:par>
-        <p:cTn id="1" dur="indefinite" restart="never" nodeType="tmRoot"/>
-      </p:par>
-    </p:tnLst>
-  </p:timing>
-</p:sld>
-</file>
-
-<file path=ppt/slides/slide19.xml><?xml version="1.0" encoding="utf-8"?>
-<p:sld xmlns:a="http://schemas.openxmlformats.org/drawingml/2006/main" xmlns:r="http://schemas.openxmlformats.org/officeDocument/2006/relationships" xmlns:p="http://schemas.openxmlformats.org/presentationml/2006/main">
-  <p:cSld>
-    <p:spTree>
-      <p:nvGrpSpPr>
-        <p:cNvPr id="1" name=""/>
-        <p:cNvGrpSpPr/>
-        <p:nvPr/>
-      </p:nvGrpSpPr>
-      <p:grpSpPr>
-        <a:xfrm>
-          <a:off x="0" y="0"/>
-          <a:ext cx="0" cy="0"/>
-          <a:chOff x="0" y="0"/>
-          <a:chExt cx="0" cy="0"/>
-        </a:xfrm>
-      </p:grpSpPr>
-      <p:sp>
-        <p:nvSpPr>
-          <p:cNvPr id="7" name="标题 6"/>
-          <p:cNvSpPr>
-            <a:spLocks noGrp="1"/>
-          </p:cNvSpPr>
-          <p:nvPr>
-            <p:ph type="title"/>
-          </p:nvPr>
-        </p:nvSpPr>
-        <p:spPr/>
-        <p:txBody>
-          <a:bodyPr/>
-          <a:lstStyle/>
-          <a:p>
-            <a:r>
-              <a:rPr kumimoji="1" lang="zh-CN" altLang="en-US" dirty="0" smtClean="0">
-                <a:solidFill>
-                  <a:schemeClr val="bg2"/>
-                </a:solidFill>
-              </a:rPr>
-              <a:t>高转明</a:t>
-            </a:r>
-            <a:endParaRPr kumimoji="1" lang="zh-CN" altLang="en-US" dirty="0">
-              <a:solidFill>
-                <a:schemeClr val="bg2"/>
-              </a:solidFill>
-            </a:endParaRPr>
-          </a:p>
-        </p:txBody>
-      </p:sp>
-      <p:sp>
-        <p:nvSpPr>
-          <p:cNvPr id="8" name="内容占位符 7"/>
-          <p:cNvSpPr>
-            <a:spLocks noGrp="1"/>
-          </p:cNvSpPr>
-          <p:nvPr>
-            <p:ph idx="1"/>
-          </p:nvPr>
-        </p:nvSpPr>
-        <p:spPr>
-          <a:xfrm>
-            <a:off x="657546" y="1825624"/>
-            <a:ext cx="10696254" cy="4605997"/>
-          </a:xfrm>
-        </p:spPr>
-        <p:txBody>
-          <a:bodyPr>
-            <a:normAutofit lnSpcReduction="10000"/>
-          </a:bodyPr>
-          <a:lstStyle/>
-          <a:p>
-            <a:r>
-              <a:rPr kumimoji="1" lang="zh-CN" altLang="en-US" dirty="0">
-                <a:solidFill>
-                  <a:schemeClr val="bg2"/>
-                </a:solidFill>
-              </a:rPr>
-              <a:t>参与</a:t>
-            </a:r>
-            <a:r>
-              <a:rPr kumimoji="1" lang="zh-CN" altLang="en-US" dirty="0">
-                <a:solidFill>
-                  <a:srgbClr val="FF0000"/>
-                </a:solidFill>
-              </a:rPr>
-              <a:t>需求分析</a:t>
-            </a:r>
-            <a:r>
-              <a:rPr kumimoji="1" lang="zh-CN" altLang="en-US" dirty="0">
-                <a:solidFill>
-                  <a:schemeClr val="bg2"/>
-                </a:solidFill>
-              </a:rPr>
-              <a:t>并编写需求文档相关</a:t>
-            </a:r>
-            <a:r>
-              <a:rPr kumimoji="1" lang="zh-CN" altLang="en-US" dirty="0" smtClean="0">
-                <a:solidFill>
-                  <a:schemeClr val="bg2"/>
-                </a:solidFill>
-              </a:rPr>
-              <a:t>部分；</a:t>
-            </a:r>
-            <a:endParaRPr kumimoji="1" lang="en-US" altLang="zh-CN" dirty="0" smtClean="0">
-              <a:solidFill>
-                <a:schemeClr val="bg2"/>
-              </a:solidFill>
-            </a:endParaRPr>
-          </a:p>
-          <a:p>
-            <a:endParaRPr kumimoji="1" lang="en-US" altLang="zh-CN" dirty="0">
-              <a:solidFill>
-                <a:schemeClr val="bg2"/>
-              </a:solidFill>
-            </a:endParaRPr>
-          </a:p>
-          <a:p>
-            <a:r>
-              <a:rPr kumimoji="1" lang="zh-CN" altLang="en-US" dirty="0">
-                <a:solidFill>
-                  <a:schemeClr val="bg2"/>
-                </a:solidFill>
-              </a:rPr>
-              <a:t>负责</a:t>
-            </a:r>
-            <a:r>
-              <a:rPr kumimoji="1" lang="zh-CN" altLang="en-US" dirty="0">
-                <a:solidFill>
-                  <a:srgbClr val="FF0000"/>
-                </a:solidFill>
-              </a:rPr>
-              <a:t>概要设计</a:t>
-            </a:r>
-            <a:r>
-              <a:rPr kumimoji="1" lang="zh-CN" altLang="en-US" dirty="0">
-                <a:solidFill>
-                  <a:schemeClr val="bg2"/>
-                </a:solidFill>
-              </a:rPr>
-              <a:t>和</a:t>
-            </a:r>
-            <a:r>
-              <a:rPr kumimoji="1" lang="zh-CN" altLang="en-US" dirty="0">
-                <a:solidFill>
-                  <a:srgbClr val="FF0000"/>
-                </a:solidFill>
-              </a:rPr>
-              <a:t>详细设计</a:t>
-            </a:r>
-            <a:r>
-              <a:rPr kumimoji="1" lang="zh-CN" altLang="en-US" dirty="0">
-                <a:solidFill>
-                  <a:schemeClr val="bg2"/>
-                </a:solidFill>
-              </a:rPr>
-              <a:t>并编写概要设计文档、详细设计文档的的相关</a:t>
-            </a:r>
-            <a:r>
-              <a:rPr kumimoji="1" lang="zh-CN" altLang="en-US" dirty="0" smtClean="0">
-                <a:solidFill>
-                  <a:schemeClr val="bg2"/>
-                </a:solidFill>
-              </a:rPr>
-              <a:t>部分；</a:t>
-            </a:r>
-            <a:endParaRPr kumimoji="1" lang="en-US" altLang="zh-CN" dirty="0" smtClean="0">
-              <a:solidFill>
-                <a:schemeClr val="bg2"/>
-              </a:solidFill>
-            </a:endParaRPr>
-          </a:p>
-          <a:p>
-            <a:endParaRPr kumimoji="1" lang="en-US" altLang="zh-CN" dirty="0">
-              <a:solidFill>
-                <a:schemeClr val="bg2"/>
-              </a:solidFill>
-            </a:endParaRPr>
-          </a:p>
-          <a:p>
-            <a:r>
-              <a:rPr kumimoji="1" lang="zh-CN" altLang="en-US" dirty="0">
-                <a:solidFill>
-                  <a:schemeClr val="bg2"/>
-                </a:solidFill>
-              </a:rPr>
-              <a:t>负责后端代码的</a:t>
-            </a:r>
-            <a:r>
-              <a:rPr kumimoji="1" lang="zh-CN" altLang="en-US" dirty="0">
-                <a:solidFill>
-                  <a:srgbClr val="FF0000"/>
-                </a:solidFill>
-              </a:rPr>
-              <a:t>账号</a:t>
-            </a:r>
-            <a:r>
-              <a:rPr kumimoji="1" lang="zh-CN" altLang="en-US" dirty="0">
-                <a:solidFill>
-                  <a:schemeClr val="bg2"/>
-                </a:solidFill>
-              </a:rPr>
-              <a:t>模块、</a:t>
-            </a:r>
-            <a:r>
-              <a:rPr kumimoji="1" lang="zh-CN" altLang="en-US" dirty="0">
-                <a:solidFill>
-                  <a:srgbClr val="FF0000"/>
-                </a:solidFill>
-              </a:rPr>
-              <a:t>借款人</a:t>
-            </a:r>
-            <a:r>
-              <a:rPr kumimoji="1" lang="zh-CN" altLang="en-US" dirty="0">
-                <a:solidFill>
-                  <a:schemeClr val="bg2"/>
-                </a:solidFill>
-              </a:rPr>
-              <a:t>模块及</a:t>
-            </a:r>
-            <a:r>
-              <a:rPr kumimoji="1" lang="zh-CN" altLang="en-US" dirty="0">
-                <a:solidFill>
-                  <a:srgbClr val="FF0000"/>
-                </a:solidFill>
-              </a:rPr>
-              <a:t>用户资料</a:t>
-            </a:r>
-            <a:r>
-              <a:rPr kumimoji="1" lang="zh-CN" altLang="en-US" dirty="0" smtClean="0">
-                <a:solidFill>
-                  <a:schemeClr val="bg2"/>
-                </a:solidFill>
-              </a:rPr>
-              <a:t>模块；</a:t>
-            </a:r>
-            <a:endParaRPr kumimoji="1" lang="en-US" altLang="zh-CN" dirty="0" smtClean="0">
-              <a:solidFill>
-                <a:schemeClr val="bg2"/>
-              </a:solidFill>
-            </a:endParaRPr>
-          </a:p>
-          <a:p>
-            <a:endParaRPr kumimoji="1" lang="en-US" altLang="zh-CN" dirty="0">
-              <a:solidFill>
-                <a:schemeClr val="bg2"/>
-              </a:solidFill>
-            </a:endParaRPr>
-          </a:p>
-          <a:p>
-            <a:r>
-              <a:rPr kumimoji="1" lang="zh-CN" altLang="en-US" dirty="0">
-                <a:solidFill>
-                  <a:schemeClr val="bg2"/>
-                </a:solidFill>
-              </a:rPr>
-              <a:t>完成</a:t>
-            </a:r>
-            <a:r>
-              <a:rPr kumimoji="1" lang="en-US" altLang="zh-CN" dirty="0">
-                <a:solidFill>
-                  <a:schemeClr val="bg2"/>
-                </a:solidFill>
-              </a:rPr>
-              <a:t>Nginx</a:t>
-            </a:r>
-            <a:r>
-              <a:rPr kumimoji="1" lang="zh-CN" altLang="en-US" dirty="0">
-                <a:solidFill>
-                  <a:srgbClr val="FF0000"/>
-                </a:solidFill>
-              </a:rPr>
-              <a:t>服务器</a:t>
-            </a:r>
-            <a:r>
-              <a:rPr kumimoji="1" lang="zh-CN" altLang="en-US" dirty="0">
-                <a:solidFill>
-                  <a:schemeClr val="bg2"/>
-                </a:solidFill>
-              </a:rPr>
-              <a:t>配置</a:t>
-            </a:r>
-            <a:r>
-              <a:rPr kumimoji="1" lang="zh-CN" altLang="en-US" dirty="0" smtClean="0">
-                <a:solidFill>
-                  <a:schemeClr val="bg2"/>
-                </a:solidFill>
-              </a:rPr>
-              <a:t>；</a:t>
-            </a:r>
-            <a:endParaRPr kumimoji="1" lang="en-US" altLang="zh-CN" dirty="0" smtClean="0">
-              <a:solidFill>
-                <a:schemeClr val="bg2"/>
-              </a:solidFill>
-            </a:endParaRPr>
-          </a:p>
-          <a:p>
-            <a:endParaRPr kumimoji="1" lang="en-US" altLang="zh-CN" dirty="0">
-              <a:solidFill>
-                <a:schemeClr val="bg2"/>
-              </a:solidFill>
-            </a:endParaRPr>
-          </a:p>
-          <a:p>
-            <a:r>
-              <a:rPr kumimoji="1" lang="zh-CN" altLang="en-US" dirty="0">
-                <a:solidFill>
-                  <a:schemeClr val="bg2"/>
-                </a:solidFill>
-              </a:rPr>
-              <a:t>协助前端编写消息页面并调整</a:t>
-            </a:r>
-            <a:r>
-              <a:rPr kumimoji="1" lang="zh-CN" altLang="en-US" dirty="0">
-                <a:solidFill>
-                  <a:srgbClr val="FF0000"/>
-                </a:solidFill>
-              </a:rPr>
-              <a:t>页面样式</a:t>
-            </a:r>
-            <a:r>
-              <a:rPr kumimoji="1" lang="zh-CN" altLang="en-US" dirty="0">
-                <a:solidFill>
-                  <a:schemeClr val="bg2"/>
-                </a:solidFill>
-              </a:rPr>
-              <a:t>。</a:t>
-            </a:r>
-          </a:p>
-          <a:p>
-            <a:endParaRPr kumimoji="1" lang="zh-CN" altLang="en-US" dirty="0">
-              <a:solidFill>
-                <a:schemeClr val="bg2"/>
-              </a:solidFill>
-            </a:endParaRPr>
-          </a:p>
-        </p:txBody>
-      </p:sp>
-    </p:spTree>
-    <p:extLst>
-      <p:ext uri="{BB962C8B-B14F-4D97-AF65-F5344CB8AC3E}">
-        <p14:creationId xmlns:p14="http://schemas.microsoft.com/office/powerpoint/2010/main" val="608419655"/>
-      </p:ext>
-    </p:extLst>
-  </p:cSld>
-  <p:clrMapOvr>
-    <a:masterClrMapping/>
-  </p:clrMapOvr>
-  <p:timing>
-    <p:tnLst>
-      <p:par>
-        <p:cTn id="1" dur="indefinite" restart="never" nodeType="tmRoot"/>
-      </p:par>
-    </p:tnLst>
-  </p:timing>
-</p:sld>
-</file>
-
 <file path=ppt/slides/slide2.xml><?xml version="1.0" encoding="utf-8"?>
 <p:sld xmlns:a="http://schemas.openxmlformats.org/drawingml/2006/main" xmlns:r="http://schemas.openxmlformats.org/officeDocument/2006/relationships" xmlns:p="http://schemas.openxmlformats.org/presentationml/2006/main">
   <p:cSld>
@@ -6675,6 +7027,21 @@
         <p:txBody>
           <a:bodyPr/>
           <a:lstStyle/>
+          <a:p>
+            <a:r>
+              <a:rPr kumimoji="1" lang="zh-CN" altLang="en-US" dirty="0" smtClean="0">
+                <a:solidFill>
+                  <a:schemeClr val="bg2"/>
+                </a:solidFill>
+              </a:rPr>
+              <a:t>课题背景</a:t>
+            </a:r>
+            <a:endParaRPr kumimoji="1" lang="en-US" altLang="zh-CN" dirty="0" smtClean="0">
+              <a:solidFill>
+                <a:schemeClr val="bg2"/>
+              </a:solidFill>
+            </a:endParaRPr>
+          </a:p>
           <a:p>
             <a:endParaRPr kumimoji="1" lang="en-US" altLang="zh-CN" dirty="0" smtClean="0"/>
           </a:p>
@@ -6793,7 +7160,7 @@
                   <a:schemeClr val="bg2"/>
                 </a:solidFill>
               </a:rPr>
-              <a:t>许家乐</a:t>
+              <a:t>戈峰</a:t>
             </a:r>
             <a:endParaRPr kumimoji="1" lang="zh-CN" altLang="en-US" dirty="0">
               <a:solidFill>
@@ -6819,20 +7186,28 @@
           <a:lstStyle/>
           <a:p>
             <a:r>
-              <a:rPr kumimoji="1" lang="zh-CN" altLang="en-US" dirty="0">
-                <a:solidFill>
-                  <a:schemeClr val="bg2"/>
-                </a:solidFill>
-              </a:rPr>
-              <a:t>参与需求分析并编写需求文档相关部分</a:t>
-            </a:r>
-            <a:r>
-              <a:rPr kumimoji="1" lang="zh-CN" altLang="en-US" dirty="0" smtClean="0">
-                <a:solidFill>
-                  <a:schemeClr val="bg2"/>
-                </a:solidFill>
-              </a:rPr>
-              <a:t>；</a:t>
+              <a:rPr kumimoji="1" lang="zh-CN" altLang="en-US" dirty="0" smtClean="0">
+                <a:solidFill>
+                  <a:schemeClr val="bg2"/>
+                </a:solidFill>
+              </a:rPr>
+              <a:t>负责需求文档的</a:t>
+            </a:r>
+            <a:r>
+              <a:rPr kumimoji="1" lang="zh-CN" altLang="en-US" dirty="0" smtClean="0">
+                <a:solidFill>
+                  <a:srgbClr val="FF0000"/>
+                </a:solidFill>
+              </a:rPr>
+              <a:t>统筹</a:t>
+            </a:r>
+            <a:r>
+              <a:rPr kumimoji="1" lang="zh-CN" altLang="en-US" dirty="0" smtClean="0">
+                <a:solidFill>
+                  <a:schemeClr val="bg2"/>
+                </a:solidFill>
+              </a:rPr>
+              <a:t>与编写；</a:t>
             </a:r>
             <a:endParaRPr kumimoji="1" lang="en-US" altLang="zh-CN" dirty="0" smtClean="0">
               <a:solidFill>
@@ -6841,6 +7216,21 @@
             </a:endParaRPr>
           </a:p>
           <a:p>
+            <a:endParaRPr kumimoji="1" lang="en-US" altLang="zh-CN" dirty="0">
+              <a:solidFill>
+                <a:schemeClr val="bg2"/>
+              </a:solidFill>
+            </a:endParaRPr>
+          </a:p>
+          <a:p>
+            <a:r>
+              <a:rPr kumimoji="1" lang="zh-CN" altLang="en-US" dirty="0" smtClean="0">
+                <a:solidFill>
+                  <a:schemeClr val="bg2"/>
+                </a:solidFill>
+              </a:rPr>
+              <a:t>参与详细设计文档相关模块的编写；</a:t>
+            </a:r>
             <a:endParaRPr kumimoji="1" lang="en-US" altLang="zh-CN" dirty="0" smtClean="0">
               <a:solidFill>
                 <a:schemeClr val="bg2"/>
@@ -6848,53 +7238,68 @@
             </a:endParaRPr>
           </a:p>
           <a:p>
-            <a:r>
-              <a:rPr kumimoji="1" lang="zh-CN" altLang="en-US" dirty="0" smtClean="0">
-                <a:solidFill>
-                  <a:schemeClr val="bg2"/>
-                </a:solidFill>
-              </a:rPr>
-              <a:t>负责</a:t>
-            </a:r>
-            <a:r>
-              <a:rPr kumimoji="1" lang="zh-CN" altLang="en-US" dirty="0">
-                <a:solidFill>
-                  <a:schemeClr val="bg2"/>
-                </a:solidFill>
-              </a:rPr>
-              <a:t>详细设计中的</a:t>
-            </a:r>
-            <a:r>
-              <a:rPr kumimoji="1" lang="zh-CN" altLang="en-US" dirty="0">
+            <a:endParaRPr kumimoji="1" lang="en-US" altLang="zh-CN" dirty="0">
+              <a:solidFill>
+                <a:schemeClr val="bg2"/>
+              </a:solidFill>
+            </a:endParaRPr>
+          </a:p>
+          <a:p>
+            <a:r>
+              <a:rPr kumimoji="1" lang="zh-CN" altLang="en-US" dirty="0" smtClean="0">
+                <a:solidFill>
+                  <a:schemeClr val="bg2"/>
+                </a:solidFill>
+              </a:rPr>
+              <a:t>负责后端代码的</a:t>
+            </a:r>
+            <a:r>
+              <a:rPr kumimoji="1" lang="zh-CN" altLang="en-US" dirty="0" smtClean="0">
                 <a:solidFill>
                   <a:srgbClr val="FF0000"/>
                 </a:solidFill>
               </a:rPr>
-              <a:t>数据模型</a:t>
-            </a:r>
-            <a:r>
-              <a:rPr kumimoji="1" lang="zh-CN" altLang="en-US" dirty="0">
-                <a:solidFill>
-                  <a:schemeClr val="bg2"/>
-                </a:solidFill>
-              </a:rPr>
-              <a:t>和</a:t>
-            </a:r>
-            <a:r>
-              <a:rPr kumimoji="1" lang="zh-CN" altLang="en-US" dirty="0">
+              <a:t>用户认证</a:t>
+            </a:r>
+            <a:r>
+              <a:rPr kumimoji="1" lang="zh-CN" altLang="en-US" dirty="0" smtClean="0">
+                <a:solidFill>
+                  <a:schemeClr val="bg2"/>
+                </a:solidFill>
+              </a:rPr>
+              <a:t>模块、</a:t>
+            </a:r>
+            <a:r>
+              <a:rPr kumimoji="1" lang="zh-CN" altLang="en-US" dirty="0" smtClean="0">
                 <a:solidFill>
                   <a:srgbClr val="FF0000"/>
                 </a:solidFill>
               </a:rPr>
-              <a:t>接口设计</a:t>
-            </a:r>
-            <a:r>
-              <a:rPr kumimoji="1" lang="zh-CN" altLang="en-US" dirty="0" smtClean="0">
-                <a:solidFill>
-                  <a:schemeClr val="bg2"/>
-                </a:solidFill>
-              </a:rPr>
-              <a:t>；</a:t>
+              <a:t>管理员</a:t>
+            </a:r>
+            <a:r>
+              <a:rPr kumimoji="1" lang="zh-CN" altLang="en-US" dirty="0" smtClean="0">
+                <a:solidFill>
+                  <a:schemeClr val="bg2"/>
+                </a:solidFill>
+              </a:rPr>
+              <a:t>模块、</a:t>
+            </a:r>
+            <a:r>
+              <a:rPr kumimoji="1" lang="zh-CN" altLang="en-US" dirty="0" smtClean="0">
+                <a:solidFill>
+                  <a:srgbClr val="FF0000"/>
+                </a:solidFill>
+              </a:rPr>
+              <a:t>投资者</a:t>
+            </a:r>
+            <a:r>
+              <a:rPr kumimoji="1" lang="zh-CN" altLang="en-US" dirty="0" smtClean="0">
+                <a:solidFill>
+                  <a:schemeClr val="bg2"/>
+                </a:solidFill>
+              </a:rPr>
+              <a:t>模块；</a:t>
             </a:r>
             <a:endParaRPr kumimoji="1" lang="en-US" altLang="zh-CN" dirty="0" smtClean="0">
               <a:solidFill>
@@ -6903,122 +7308,49 @@
             </a:endParaRPr>
           </a:p>
           <a:p>
-            <a:endParaRPr kumimoji="1" lang="en-US" altLang="zh-CN" dirty="0" smtClean="0">
-              <a:solidFill>
-                <a:schemeClr val="bg2"/>
-              </a:solidFill>
-            </a:endParaRPr>
-          </a:p>
-          <a:p>
-            <a:r>
-              <a:rPr kumimoji="1" lang="zh-CN" altLang="en-US" dirty="0" smtClean="0">
-                <a:solidFill>
-                  <a:schemeClr val="bg2"/>
-                </a:solidFill>
-              </a:rPr>
-              <a:t>负责</a:t>
-            </a:r>
-            <a:r>
-              <a:rPr kumimoji="1" lang="zh-CN" altLang="en-US" dirty="0">
-                <a:solidFill>
-                  <a:schemeClr val="bg2"/>
-                </a:solidFill>
-              </a:rPr>
-              <a:t>后端的</a:t>
-            </a:r>
-            <a:r>
-              <a:rPr kumimoji="1" lang="zh-CN" altLang="en-US" dirty="0">
+            <a:endParaRPr kumimoji="1" lang="en-US" altLang="zh-CN" dirty="0">
+              <a:solidFill>
+                <a:schemeClr val="bg2"/>
+              </a:solidFill>
+            </a:endParaRPr>
+          </a:p>
+          <a:p>
+            <a:r>
+              <a:rPr kumimoji="1" lang="zh-CN" altLang="en-US" dirty="0" smtClean="0">
+                <a:solidFill>
+                  <a:schemeClr val="bg2"/>
+                </a:solidFill>
+              </a:rPr>
+              <a:t>负责项目整体的</a:t>
+            </a:r>
+            <a:r>
+              <a:rPr kumimoji="1" lang="zh-CN" altLang="en-US" dirty="0" smtClean="0">
                 <a:solidFill>
                   <a:srgbClr val="FF0000"/>
                 </a:solidFill>
               </a:rPr>
-              <a:t>征信审核</a:t>
-            </a:r>
-            <a:r>
-              <a:rPr kumimoji="1" lang="zh-CN" altLang="en-US" dirty="0">
-                <a:solidFill>
-                  <a:schemeClr val="bg2"/>
-                </a:solidFill>
-              </a:rPr>
-              <a:t>模块、</a:t>
-            </a:r>
-            <a:r>
-              <a:rPr kumimoji="1" lang="zh-CN" altLang="en-US" dirty="0">
-                <a:solidFill>
-                  <a:srgbClr val="FF0000"/>
-                </a:solidFill>
-              </a:rPr>
-              <a:t>消息</a:t>
-            </a:r>
-            <a:r>
-              <a:rPr kumimoji="1" lang="zh-CN" altLang="en-US" dirty="0">
-                <a:solidFill>
-                  <a:schemeClr val="bg2"/>
-                </a:solidFill>
-              </a:rPr>
-              <a:t>模块、</a:t>
-            </a:r>
-            <a:r>
-              <a:rPr kumimoji="1" lang="zh-CN" altLang="en-US" dirty="0">
-                <a:solidFill>
-                  <a:srgbClr val="FF0000"/>
-                </a:solidFill>
-              </a:rPr>
-              <a:t>平台</a:t>
-            </a:r>
-            <a:r>
-              <a:rPr kumimoji="1" lang="zh-CN" altLang="en-US" dirty="0">
-                <a:solidFill>
-                  <a:schemeClr val="bg2"/>
-                </a:solidFill>
-              </a:rPr>
-              <a:t>模块</a:t>
-            </a:r>
-            <a:r>
-              <a:rPr kumimoji="1" lang="zh-CN" altLang="en-US" dirty="0" smtClean="0">
-                <a:solidFill>
-                  <a:schemeClr val="bg2"/>
-                </a:solidFill>
-              </a:rPr>
-              <a:t>；</a:t>
-            </a:r>
-            <a:endParaRPr kumimoji="1" lang="en-US" altLang="zh-CN" dirty="0" smtClean="0">
-              <a:solidFill>
-                <a:schemeClr val="bg2"/>
-              </a:solidFill>
-            </a:endParaRPr>
-          </a:p>
-          <a:p>
-            <a:endParaRPr kumimoji="1" lang="en-US" altLang="zh-CN" dirty="0" smtClean="0">
-              <a:solidFill>
-                <a:schemeClr val="bg2"/>
-              </a:solidFill>
-            </a:endParaRPr>
-          </a:p>
-          <a:p>
-            <a:r>
-              <a:rPr kumimoji="1" lang="zh-CN" altLang="en-US" dirty="0" smtClean="0">
-                <a:solidFill>
-                  <a:schemeClr val="bg2"/>
-                </a:solidFill>
-              </a:rPr>
-              <a:t>负责</a:t>
-            </a:r>
-            <a:r>
-              <a:rPr kumimoji="1" lang="zh-CN" altLang="en-US" dirty="0">
-                <a:solidFill>
-                  <a:schemeClr val="bg2"/>
-                </a:solidFill>
-              </a:rPr>
-              <a:t>前端的样式调整。</a:t>
-            </a:r>
+              <a:t>统筹</a:t>
+            </a:r>
+            <a:r>
+              <a:rPr kumimoji="1" lang="zh-CN" altLang="en-US" dirty="0" smtClean="0">
+                <a:solidFill>
+                  <a:schemeClr val="bg2"/>
+                </a:solidFill>
+              </a:rPr>
+              <a:t>。</a:t>
+            </a:r>
+            <a:endParaRPr kumimoji="1" lang="zh-CN" altLang="en-US" dirty="0">
+              <a:solidFill>
+                <a:schemeClr val="bg2"/>
+              </a:solidFill>
+            </a:endParaRPr>
           </a:p>
         </p:txBody>
       </p:sp>
     </p:spTree>
     <p:extLst>
       <p:ext uri="{BB962C8B-B14F-4D97-AF65-F5344CB8AC3E}">
-        <p14:creationId xmlns:p14="http://schemas.microsoft.com/office/powerpoint/2010/main" val="411062777"/>
+        <p14:creationId xmlns:p14="http://schemas.microsoft.com/office/powerpoint/2010/main" val="568411732"/>
       </p:ext>
     </p:extLst>
   </p:cSld>
@@ -7054,7 +7386,7 @@
       </p:grpSpPr>
       <p:sp>
         <p:nvSpPr>
-          <p:cNvPr id="2" name="标题 1"/>
+          <p:cNvPr id="7" name="标题 6"/>
           <p:cNvSpPr>
             <a:spLocks noGrp="1"/>
           </p:cNvSpPr>
@@ -7073,7 +7405,7 @@
                   <a:schemeClr val="bg2"/>
                 </a:solidFill>
               </a:rPr>
-              <a:t>谷明政</a:t>
+              <a:t>高转明</a:t>
             </a:r>
             <a:endParaRPr kumimoji="1" lang="zh-CN" altLang="en-US" dirty="0">
               <a:solidFill>
@@ -7085,7 +7417,7 @@
       </p:sp>
       <p:sp>
         <p:nvSpPr>
-          <p:cNvPr id="3" name="内容占位符 2"/>
+          <p:cNvPr id="8" name="内容占位符 7"/>
           <p:cNvSpPr>
             <a:spLocks noGrp="1"/>
           </p:cNvSpPr>
@@ -7093,17 +7425,20 @@
             <p:ph idx="1"/>
           </p:nvPr>
         </p:nvSpPr>
-        <p:spPr/>
-        <p:txBody>
-          <a:bodyPr/>
-          <a:lstStyle/>
-          <a:p>
-            <a:pPr marL="342900" indent="-342900">
-              <a:buFont typeface="Arial" panose="020B0604020202020204" pitchFamily="34" charset="0"/>
-              <a:buChar char="•"/>
-            </a:pPr>
-            <a:r>
-              <a:rPr lang="zh-CN" altLang="en-US" dirty="0">
+        <p:spPr>
+          <a:xfrm>
+            <a:off x="657546" y="1825624"/>
+            <a:ext cx="10696254" cy="4605997"/>
+          </a:xfrm>
+        </p:spPr>
+        <p:txBody>
+          <a:bodyPr>
+            <a:normAutofit lnSpcReduction="10000"/>
+          </a:bodyPr>
+          <a:lstStyle/>
+          <a:p>
+            <a:r>
+              <a:rPr kumimoji="1" lang="zh-CN" altLang="en-US" dirty="0">
                 <a:solidFill>
                   <a:schemeClr val="bg2"/>
                 </a:solidFill>
@@ -7111,7 +7446,7 @@
               <a:t>参与</a:t>
             </a:r>
             <a:r>
-              <a:rPr lang="zh-CN" altLang="en-US" dirty="0">
+              <a:rPr kumimoji="1" lang="zh-CN" altLang="en-US" dirty="0">
                 <a:solidFill>
                   <a:srgbClr val="FF0000"/>
                 </a:solidFill>
@@ -7119,272 +7454,244 @@
               <a:t>需求分析</a:t>
             </a:r>
             <a:r>
-              <a:rPr lang="zh-CN" altLang="en-US" dirty="0">
-                <a:solidFill>
-                  <a:schemeClr val="bg2"/>
-                </a:solidFill>
-              </a:rPr>
-              <a:t>并编写需求文档相关部分</a:t>
-            </a:r>
-            <a:r>
-              <a:rPr lang="zh-CN" altLang="en-US" dirty="0" smtClean="0">
+              <a:rPr kumimoji="1" lang="zh-CN" altLang="en-US" dirty="0">
+                <a:solidFill>
+                  <a:schemeClr val="bg2"/>
+                </a:solidFill>
+              </a:rPr>
+              <a:t>并编写需求文档相关</a:t>
+            </a:r>
+            <a:r>
+              <a:rPr kumimoji="1" lang="zh-CN" altLang="en-US" dirty="0" smtClean="0">
+                <a:solidFill>
+                  <a:schemeClr val="bg2"/>
+                </a:solidFill>
+              </a:rPr>
+              <a:t>部分；</a:t>
+            </a:r>
+            <a:endParaRPr kumimoji="1" lang="en-US" altLang="zh-CN" dirty="0" smtClean="0">
+              <a:solidFill>
+                <a:schemeClr val="bg2"/>
+              </a:solidFill>
+            </a:endParaRPr>
+          </a:p>
+          <a:p>
+            <a:endParaRPr kumimoji="1" lang="en-US" altLang="zh-CN" dirty="0">
+              <a:solidFill>
+                <a:schemeClr val="bg2"/>
+              </a:solidFill>
+            </a:endParaRPr>
+          </a:p>
+          <a:p>
+            <a:r>
+              <a:rPr kumimoji="1" lang="zh-CN" altLang="en-US" dirty="0">
+                <a:solidFill>
+                  <a:schemeClr val="bg2"/>
+                </a:solidFill>
+              </a:rPr>
+              <a:t>负责</a:t>
+            </a:r>
+            <a:r>
+              <a:rPr kumimoji="1" lang="zh-CN" altLang="en-US" dirty="0">
+                <a:solidFill>
+                  <a:srgbClr val="FF0000"/>
+                </a:solidFill>
+              </a:rPr>
+              <a:t>概要设计</a:t>
+            </a:r>
+            <a:r>
+              <a:rPr kumimoji="1" lang="zh-CN" altLang="en-US" dirty="0">
+                <a:solidFill>
+                  <a:schemeClr val="bg2"/>
+                </a:solidFill>
+              </a:rPr>
+              <a:t>和</a:t>
+            </a:r>
+            <a:r>
+              <a:rPr kumimoji="1" lang="zh-CN" altLang="en-US" dirty="0">
+                <a:solidFill>
+                  <a:srgbClr val="FF0000"/>
+                </a:solidFill>
+              </a:rPr>
+              <a:t>详细设计</a:t>
+            </a:r>
+            <a:r>
+              <a:rPr kumimoji="1" lang="zh-CN" altLang="en-US" dirty="0">
+                <a:solidFill>
+                  <a:schemeClr val="bg2"/>
+                </a:solidFill>
+              </a:rPr>
+              <a:t>并编写概要设计文档、详细设计文档的的相关</a:t>
+            </a:r>
+            <a:r>
+              <a:rPr kumimoji="1" lang="zh-CN" altLang="en-US" dirty="0" smtClean="0">
+                <a:solidFill>
+                  <a:schemeClr val="bg2"/>
+                </a:solidFill>
+              </a:rPr>
+              <a:t>部分；</a:t>
+            </a:r>
+            <a:endParaRPr kumimoji="1" lang="en-US" altLang="zh-CN" dirty="0" smtClean="0">
+              <a:solidFill>
+                <a:schemeClr val="bg2"/>
+              </a:solidFill>
+            </a:endParaRPr>
+          </a:p>
+          <a:p>
+            <a:endParaRPr kumimoji="1" lang="en-US" altLang="zh-CN" dirty="0">
+              <a:solidFill>
+                <a:schemeClr val="bg2"/>
+              </a:solidFill>
+            </a:endParaRPr>
+          </a:p>
+          <a:p>
+            <a:r>
+              <a:rPr kumimoji="1" lang="zh-CN" altLang="en-US" dirty="0">
+                <a:solidFill>
+                  <a:schemeClr val="bg2"/>
+                </a:solidFill>
+              </a:rPr>
+              <a:t>负责后端代码的</a:t>
+            </a:r>
+            <a:r>
+              <a:rPr kumimoji="1" lang="zh-CN" altLang="en-US" dirty="0">
+                <a:solidFill>
+                  <a:srgbClr val="FF0000"/>
+                </a:solidFill>
+              </a:rPr>
+              <a:t>账号</a:t>
+            </a:r>
+            <a:r>
+              <a:rPr kumimoji="1" lang="zh-CN" altLang="en-US" dirty="0">
+                <a:solidFill>
+                  <a:schemeClr val="bg2"/>
+                </a:solidFill>
+              </a:rPr>
+              <a:t>模块、</a:t>
+            </a:r>
+            <a:r>
+              <a:rPr kumimoji="1" lang="zh-CN" altLang="en-US" dirty="0">
+                <a:solidFill>
+                  <a:srgbClr val="FF0000"/>
+                </a:solidFill>
+              </a:rPr>
+              <a:t>借款人</a:t>
+            </a:r>
+            <a:r>
+              <a:rPr kumimoji="1" lang="zh-CN" altLang="en-US" dirty="0">
+                <a:solidFill>
+                  <a:schemeClr val="bg2"/>
+                </a:solidFill>
+              </a:rPr>
+              <a:t>模块及</a:t>
+            </a:r>
+            <a:r>
+              <a:rPr kumimoji="1" lang="zh-CN" altLang="en-US" dirty="0">
+                <a:solidFill>
+                  <a:srgbClr val="FF0000"/>
+                </a:solidFill>
+              </a:rPr>
+              <a:t>用户资料</a:t>
+            </a:r>
+            <a:r>
+              <a:rPr kumimoji="1" lang="zh-CN" altLang="en-US" dirty="0" smtClean="0">
+                <a:solidFill>
+                  <a:schemeClr val="bg2"/>
+                </a:solidFill>
+              </a:rPr>
+              <a:t>模块；</a:t>
+            </a:r>
+            <a:endParaRPr kumimoji="1" lang="en-US" altLang="zh-CN" dirty="0" smtClean="0">
+              <a:solidFill>
+                <a:schemeClr val="bg2"/>
+              </a:solidFill>
+            </a:endParaRPr>
+          </a:p>
+          <a:p>
+            <a:endParaRPr kumimoji="1" lang="en-US" altLang="zh-CN" dirty="0">
+              <a:solidFill>
+                <a:schemeClr val="bg2"/>
+              </a:solidFill>
+            </a:endParaRPr>
+          </a:p>
+          <a:p>
+            <a:r>
+              <a:rPr kumimoji="1" lang="zh-CN" altLang="en-US" dirty="0">
+                <a:solidFill>
+                  <a:schemeClr val="bg2"/>
+                </a:solidFill>
+              </a:rPr>
+              <a:t>完成</a:t>
+            </a:r>
+            <a:r>
+              <a:rPr kumimoji="1" lang="en-US" altLang="zh-CN" dirty="0">
+                <a:solidFill>
+                  <a:schemeClr val="bg2"/>
+                </a:solidFill>
+              </a:rPr>
+              <a:t>Nginx</a:t>
+            </a:r>
+            <a:r>
+              <a:rPr kumimoji="1" lang="zh-CN" altLang="en-US" dirty="0">
+                <a:solidFill>
+                  <a:srgbClr val="FF0000"/>
+                </a:solidFill>
+              </a:rPr>
+              <a:t>服务器</a:t>
+            </a:r>
+            <a:r>
+              <a:rPr kumimoji="1" lang="zh-CN" altLang="en-US" dirty="0">
+                <a:solidFill>
+                  <a:schemeClr val="bg2"/>
+                </a:solidFill>
+              </a:rPr>
+              <a:t>配置</a:t>
+            </a:r>
+            <a:r>
+              <a:rPr kumimoji="1" lang="zh-CN" altLang="en-US" dirty="0" smtClean="0">
                 <a:solidFill>
                   <a:schemeClr val="bg2"/>
                 </a:solidFill>
               </a:rPr>
               <a:t>；</a:t>
             </a:r>
-            <a:endParaRPr lang="en-US" altLang="zh-CN" dirty="0" smtClean="0">
-              <a:solidFill>
-                <a:schemeClr val="bg2"/>
-              </a:solidFill>
-            </a:endParaRPr>
-          </a:p>
-          <a:p>
-            <a:pPr marL="342900" indent="-342900">
-              <a:buFont typeface="Arial" panose="020B0604020202020204" pitchFamily="34" charset="0"/>
-              <a:buChar char="•"/>
-            </a:pPr>
-            <a:endParaRPr lang="zh-CN" altLang="en-US" dirty="0">
-              <a:solidFill>
-                <a:schemeClr val="bg2"/>
-              </a:solidFill>
-            </a:endParaRPr>
-          </a:p>
-          <a:p>
-            <a:pPr marL="342900" indent="-342900">
-              <a:buFont typeface="Arial" panose="020B0604020202020204" pitchFamily="34" charset="0"/>
-              <a:buChar char="•"/>
-            </a:pPr>
-            <a:r>
-              <a:rPr lang="zh-CN" altLang="en-US" dirty="0" smtClean="0">
-                <a:solidFill>
-                  <a:schemeClr val="bg2"/>
-                </a:solidFill>
-              </a:rPr>
-              <a:t>主要负责前后</a:t>
-            </a:r>
-            <a:r>
-              <a:rPr lang="zh-CN" altLang="en-US" dirty="0">
-                <a:solidFill>
-                  <a:schemeClr val="bg2"/>
-                </a:solidFill>
-              </a:rPr>
-              <a:t>端接口</a:t>
-            </a:r>
-            <a:r>
-              <a:rPr lang="zh-CN" altLang="en-US" dirty="0">
+            <a:endParaRPr kumimoji="1" lang="en-US" altLang="zh-CN" dirty="0" smtClean="0">
+              <a:solidFill>
+                <a:schemeClr val="bg2"/>
+              </a:solidFill>
+            </a:endParaRPr>
+          </a:p>
+          <a:p>
+            <a:endParaRPr kumimoji="1" lang="en-US" altLang="zh-CN" dirty="0">
+              <a:solidFill>
+                <a:schemeClr val="bg2"/>
+              </a:solidFill>
+            </a:endParaRPr>
+          </a:p>
+          <a:p>
+            <a:r>
+              <a:rPr kumimoji="1" lang="zh-CN" altLang="en-US" dirty="0">
+                <a:solidFill>
+                  <a:schemeClr val="bg2"/>
+                </a:solidFill>
+              </a:rPr>
+              <a:t>协助前端编写消息页面并调整</a:t>
+            </a:r>
+            <a:r>
+              <a:rPr kumimoji="1" lang="zh-CN" altLang="en-US" dirty="0">
                 <a:solidFill>
                   <a:srgbClr val="FF0000"/>
                 </a:solidFill>
               </a:rPr>
-              <a:t>联调</a:t>
-            </a:r>
-            <a:r>
-              <a:rPr lang="zh-CN" altLang="en-US" dirty="0">
-                <a:solidFill>
-                  <a:schemeClr val="bg2"/>
-                </a:solidFill>
-              </a:rPr>
-              <a:t>，包含联调所需的配置</a:t>
-            </a:r>
-            <a:r>
-              <a:rPr lang="zh-CN" altLang="en-US" dirty="0" smtClean="0">
-                <a:solidFill>
-                  <a:schemeClr val="bg2"/>
-                </a:solidFill>
-              </a:rPr>
-              <a:t>工作以及各页面的联调</a:t>
-            </a:r>
-            <a:r>
-              <a:rPr lang="zh-CN" altLang="en-US" dirty="0">
-                <a:solidFill>
-                  <a:schemeClr val="bg2"/>
-                </a:solidFill>
-              </a:rPr>
-              <a:t>代码</a:t>
-            </a:r>
-            <a:r>
-              <a:rPr lang="zh-CN" altLang="en-US" dirty="0" smtClean="0">
+              <a:t>页面样式</a:t>
+            </a:r>
+            <a:r>
+              <a:rPr kumimoji="1" lang="zh-CN" altLang="en-US" dirty="0">
                 <a:solidFill>
                   <a:schemeClr val="bg2"/>
                 </a:solidFill>
               </a:rPr>
               <a:t>。</a:t>
-            </a:r>
-            <a:endParaRPr lang="en-US" altLang="zh-CN" dirty="0" smtClean="0">
-              <a:solidFill>
-                <a:schemeClr val="bg2"/>
-              </a:solidFill>
-            </a:endParaRPr>
-          </a:p>
-          <a:p>
-            <a:pPr marL="342900" indent="-342900">
-              <a:buFont typeface="Arial" panose="020B0604020202020204" pitchFamily="34" charset="0"/>
-              <a:buChar char="•"/>
-            </a:pPr>
-            <a:endParaRPr lang="zh-CN" altLang="en-US" dirty="0">
-              <a:solidFill>
-                <a:schemeClr val="bg2"/>
-              </a:solidFill>
-            </a:endParaRPr>
-          </a:p>
-          <a:p>
-            <a:pPr marL="342900" indent="-342900">
-              <a:buFont typeface="Arial" panose="020B0604020202020204" pitchFamily="34" charset="0"/>
-              <a:buChar char="•"/>
-            </a:pPr>
-            <a:r>
-              <a:rPr lang="zh-CN" altLang="en-US" dirty="0">
-                <a:solidFill>
-                  <a:schemeClr val="bg2"/>
-                </a:solidFill>
-              </a:rPr>
-              <a:t>负责前端的</a:t>
-            </a:r>
-            <a:r>
-              <a:rPr lang="zh-CN" altLang="en-US" dirty="0">
-                <a:solidFill>
-                  <a:srgbClr val="FF0000"/>
-                </a:solidFill>
-              </a:rPr>
-              <a:t>基础样式</a:t>
-            </a:r>
-            <a:r>
-              <a:rPr lang="zh-CN" altLang="en-US" dirty="0">
-                <a:solidFill>
-                  <a:schemeClr val="bg2"/>
-                </a:solidFill>
-              </a:rPr>
-              <a:t>和功能的设计，包含普通用户的</a:t>
-            </a:r>
-            <a:r>
-              <a:rPr lang="zh-CN" altLang="en-US" dirty="0">
-                <a:solidFill>
-                  <a:srgbClr val="FF0000"/>
-                </a:solidFill>
-              </a:rPr>
-              <a:t>借款</a:t>
-            </a:r>
-            <a:r>
-              <a:rPr lang="zh-CN" altLang="en-US" dirty="0">
-                <a:solidFill>
-                  <a:schemeClr val="bg2"/>
-                </a:solidFill>
-              </a:rPr>
-              <a:t>页面、</a:t>
-            </a:r>
-            <a:r>
-              <a:rPr lang="zh-CN" altLang="en-US" dirty="0">
-                <a:solidFill>
-                  <a:srgbClr val="FF0000"/>
-                </a:solidFill>
-              </a:rPr>
-              <a:t>产品</a:t>
-            </a:r>
-            <a:r>
-              <a:rPr lang="zh-CN" altLang="en-US" dirty="0">
-                <a:solidFill>
-                  <a:schemeClr val="bg2"/>
-                </a:solidFill>
-              </a:rPr>
-              <a:t>页面、</a:t>
-            </a:r>
-            <a:r>
-              <a:rPr lang="zh-CN" altLang="en-US" dirty="0">
-                <a:solidFill>
-                  <a:srgbClr val="FF0000"/>
-                </a:solidFill>
-              </a:rPr>
-              <a:t>还款</a:t>
-            </a:r>
-            <a:r>
-              <a:rPr lang="zh-CN" altLang="en-US" dirty="0">
-                <a:solidFill>
-                  <a:schemeClr val="bg2"/>
-                </a:solidFill>
-              </a:rPr>
-              <a:t>页面、</a:t>
-            </a:r>
-            <a:r>
-              <a:rPr lang="zh-CN" altLang="en-US" dirty="0">
-                <a:solidFill>
-                  <a:srgbClr val="FF0000"/>
-                </a:solidFill>
-              </a:rPr>
-              <a:t>资金流转记录</a:t>
-            </a:r>
-            <a:r>
-              <a:rPr lang="zh-CN" altLang="en-US" dirty="0">
-                <a:solidFill>
-                  <a:schemeClr val="bg2"/>
-                </a:solidFill>
-              </a:rPr>
-              <a:t>界面、</a:t>
-            </a:r>
-            <a:r>
-              <a:rPr lang="zh-CN" altLang="en-US" dirty="0">
-                <a:solidFill>
-                  <a:srgbClr val="FF0000"/>
-                </a:solidFill>
-              </a:rPr>
-              <a:t>个人征信</a:t>
-            </a:r>
-            <a:r>
-              <a:rPr lang="zh-CN" altLang="en-US" dirty="0">
-                <a:solidFill>
-                  <a:schemeClr val="bg2"/>
-                </a:solidFill>
-              </a:rPr>
-              <a:t>页面以及</a:t>
-            </a:r>
-            <a:r>
-              <a:rPr lang="zh-CN" altLang="en-US" dirty="0">
-                <a:solidFill>
-                  <a:srgbClr val="FF0000"/>
-                </a:solidFill>
-              </a:rPr>
-              <a:t>消息</a:t>
-            </a:r>
-            <a:r>
-              <a:rPr lang="zh-CN" altLang="en-US" dirty="0">
-                <a:solidFill>
-                  <a:schemeClr val="bg2"/>
-                </a:solidFill>
-              </a:rPr>
-              <a:t>界面；担保人的</a:t>
-            </a:r>
-            <a:r>
-              <a:rPr lang="zh-CN" altLang="en-US" dirty="0">
-                <a:solidFill>
-                  <a:srgbClr val="FF0000"/>
-                </a:solidFill>
-              </a:rPr>
-              <a:t>担保请求</a:t>
-            </a:r>
-            <a:r>
-              <a:rPr lang="zh-CN" altLang="en-US" dirty="0">
-                <a:solidFill>
-                  <a:schemeClr val="bg2"/>
-                </a:solidFill>
-              </a:rPr>
-              <a:t>页面；审核员的</a:t>
-            </a:r>
-            <a:r>
-              <a:rPr lang="zh-CN" altLang="en-US" dirty="0">
-                <a:solidFill>
-                  <a:srgbClr val="FF0000"/>
-                </a:solidFill>
-              </a:rPr>
-              <a:t>审核</a:t>
-            </a:r>
-            <a:r>
-              <a:rPr lang="zh-CN" altLang="en-US" dirty="0">
-                <a:solidFill>
-                  <a:schemeClr val="bg2"/>
-                </a:solidFill>
-              </a:rPr>
-              <a:t>界面和所有审核信息界面；管理员的用户页面、产品页面和操作日志界面。</a:t>
             </a:r>
           </a:p>
           <a:p>
@@ -7399,7 +7706,7 @@
     </p:spTree>
     <p:extLst>
       <p:ext uri="{BB962C8B-B14F-4D97-AF65-F5344CB8AC3E}">
-        <p14:creationId xmlns:p14="http://schemas.microsoft.com/office/powerpoint/2010/main" val="1801601024"/>
+        <p14:creationId xmlns:p14="http://schemas.microsoft.com/office/powerpoint/2010/main" val="608419655"/>
       </p:ext>
     </p:extLst>
   </p:cSld>
@@ -7454,7 +7761,7 @@
                   <a:schemeClr val="bg2"/>
                 </a:solidFill>
               </a:rPr>
-              <a:t>钟宇轩</a:t>
+              <a:t>许家乐</a:t>
             </a:r>
             <a:endParaRPr kumimoji="1" lang="zh-CN" altLang="en-US" dirty="0">
               <a:solidFill>
@@ -7480,99 +7787,99 @@
           <a:lstStyle/>
           <a:p>
             <a:r>
-              <a:rPr lang="zh-CN" altLang="en-US" dirty="0">
-                <a:solidFill>
-                  <a:schemeClr val="bg2"/>
-                </a:solidFill>
-              </a:rPr>
-              <a:t>参与</a:t>
-            </a:r>
-            <a:r>
-              <a:rPr lang="zh-CN" altLang="en-US" dirty="0">
+              <a:rPr kumimoji="1" lang="zh-CN" altLang="en-US" dirty="0">
+                <a:solidFill>
+                  <a:schemeClr val="bg2"/>
+                </a:solidFill>
+              </a:rPr>
+              <a:t>参与需求分析并编写需求文档相关部分</a:t>
+            </a:r>
+            <a:r>
+              <a:rPr kumimoji="1" lang="zh-CN" altLang="en-US" dirty="0" smtClean="0">
+                <a:solidFill>
+                  <a:schemeClr val="bg2"/>
+                </a:solidFill>
+              </a:rPr>
+              <a:t>；</a:t>
+            </a:r>
+            <a:endParaRPr kumimoji="1" lang="en-US" altLang="zh-CN" dirty="0" smtClean="0">
+              <a:solidFill>
+                <a:schemeClr val="bg2"/>
+              </a:solidFill>
+            </a:endParaRPr>
+          </a:p>
+          <a:p>
+            <a:endParaRPr kumimoji="1" lang="en-US" altLang="zh-CN" dirty="0" smtClean="0">
+              <a:solidFill>
+                <a:schemeClr val="bg2"/>
+              </a:solidFill>
+            </a:endParaRPr>
+          </a:p>
+          <a:p>
+            <a:r>
+              <a:rPr kumimoji="1" lang="zh-CN" altLang="en-US" dirty="0" smtClean="0">
+                <a:solidFill>
+                  <a:schemeClr val="bg2"/>
+                </a:solidFill>
+              </a:rPr>
+              <a:t>负责</a:t>
+            </a:r>
+            <a:r>
+              <a:rPr kumimoji="1" lang="zh-CN" altLang="en-US" dirty="0">
+                <a:solidFill>
+                  <a:schemeClr val="bg2"/>
+                </a:solidFill>
+              </a:rPr>
+              <a:t>详细设计中的</a:t>
+            </a:r>
+            <a:r>
+              <a:rPr kumimoji="1" lang="zh-CN" altLang="en-US" dirty="0">
                 <a:solidFill>
                   <a:srgbClr val="FF0000"/>
                 </a:solidFill>
               </a:rPr>
-              <a:t>需求分析</a:t>
-            </a:r>
-            <a:r>
-              <a:rPr lang="zh-CN" altLang="en-US" dirty="0">
-                <a:solidFill>
-                  <a:schemeClr val="bg2"/>
-                </a:solidFill>
-              </a:rPr>
-              <a:t>讨论及文档</a:t>
-            </a:r>
-            <a:r>
-              <a:rPr lang="zh-CN" altLang="en-US" dirty="0" smtClean="0">
-                <a:solidFill>
-                  <a:schemeClr val="bg2"/>
-                </a:solidFill>
-              </a:rPr>
-              <a:t>编写</a:t>
-            </a:r>
-            <a:endParaRPr lang="en-US" altLang="zh-CN" dirty="0" smtClean="0">
-              <a:solidFill>
-                <a:schemeClr val="bg2"/>
-              </a:solidFill>
-            </a:endParaRPr>
-          </a:p>
-          <a:p>
-            <a:endParaRPr lang="en-US" altLang="zh-CN" dirty="0">
-              <a:solidFill>
-                <a:schemeClr val="bg2"/>
-              </a:solidFill>
-            </a:endParaRPr>
-          </a:p>
-          <a:p>
-            <a:r>
-              <a:rPr lang="zh-CN" altLang="en-US" dirty="0">
-                <a:solidFill>
-                  <a:schemeClr val="bg2"/>
-                </a:solidFill>
-              </a:rPr>
-              <a:t>参与</a:t>
-            </a:r>
-            <a:r>
-              <a:rPr lang="zh-CN" altLang="en-US" dirty="0">
+              <a:t>数据模型</a:t>
+            </a:r>
+            <a:r>
+              <a:rPr kumimoji="1" lang="zh-CN" altLang="en-US" dirty="0">
+                <a:solidFill>
+                  <a:schemeClr val="bg2"/>
+                </a:solidFill>
+              </a:rPr>
+              <a:t>和</a:t>
+            </a:r>
+            <a:r>
+              <a:rPr kumimoji="1" lang="zh-CN" altLang="en-US" dirty="0">
                 <a:solidFill>
                   <a:srgbClr val="FF0000"/>
                 </a:solidFill>
               </a:rPr>
-              <a:t>概要设计</a:t>
-            </a:r>
-            <a:r>
-              <a:rPr lang="zh-CN" altLang="en-US" dirty="0">
-                <a:solidFill>
-                  <a:schemeClr val="bg2"/>
-                </a:solidFill>
-              </a:rPr>
-              <a:t>文档</a:t>
-            </a:r>
-            <a:r>
-              <a:rPr lang="zh-CN" altLang="en-US" dirty="0" smtClean="0">
-                <a:solidFill>
-                  <a:schemeClr val="bg2"/>
-                </a:solidFill>
-              </a:rPr>
-              <a:t>编写</a:t>
-            </a:r>
-            <a:endParaRPr lang="en-US" altLang="zh-CN" dirty="0" smtClean="0">
-              <a:solidFill>
-                <a:schemeClr val="bg2"/>
-              </a:solidFill>
-            </a:endParaRPr>
-          </a:p>
-          <a:p>
-            <a:endParaRPr lang="en-US" altLang="zh-CN" dirty="0">
-              <a:solidFill>
-                <a:schemeClr val="bg2"/>
-              </a:solidFill>
-            </a:endParaRPr>
-          </a:p>
-          <a:p>
-            <a:r>
-              <a:rPr lang="zh-CN" altLang="en-US" dirty="0">
+              <a:t>接口设计</a:t>
+            </a:r>
+            <a:r>
+              <a:rPr kumimoji="1" lang="zh-CN" altLang="en-US" dirty="0" smtClean="0">
+                <a:solidFill>
+                  <a:schemeClr val="bg2"/>
+                </a:solidFill>
+              </a:rPr>
+              <a:t>；</a:t>
+            </a:r>
+            <a:endParaRPr kumimoji="1" lang="en-US" altLang="zh-CN" dirty="0" smtClean="0">
+              <a:solidFill>
+                <a:schemeClr val="bg2"/>
+              </a:solidFill>
+            </a:endParaRPr>
+          </a:p>
+          <a:p>
+            <a:endParaRPr kumimoji="1" lang="en-US" altLang="zh-CN" dirty="0" smtClean="0">
+              <a:solidFill>
+                <a:schemeClr val="bg2"/>
+              </a:solidFill>
+            </a:endParaRPr>
+          </a:p>
+          <a:p>
+            <a:r>
+              <a:rPr kumimoji="1" lang="zh-CN" altLang="en-US" dirty="0" smtClean="0">
                 <a:solidFill>
                   <a:schemeClr val="bg2"/>
                 </a:solidFill>
@@ -7580,134 +7887,106 @@
               <a:t>负责</a:t>
             </a:r>
             <a:r>
-              <a:rPr lang="zh-CN" altLang="en-US" dirty="0">
+              <a:rPr kumimoji="1" lang="zh-CN" altLang="en-US" dirty="0">
+                <a:solidFill>
+                  <a:schemeClr val="bg2"/>
+                </a:solidFill>
+              </a:rPr>
+              <a:t>后端的</a:t>
+            </a:r>
+            <a:r>
+              <a:rPr kumimoji="1" lang="zh-CN" altLang="en-US" dirty="0">
                 <a:solidFill>
                   <a:srgbClr val="FF0000"/>
                 </a:solidFill>
               </a:rPr>
-              <a:t>详细设计</a:t>
-            </a:r>
-            <a:r>
-              <a:rPr lang="zh-CN" altLang="en-US" dirty="0">
-                <a:solidFill>
-                  <a:schemeClr val="bg2"/>
-                </a:solidFill>
-              </a:rPr>
-              <a:t>文档</a:t>
-            </a:r>
-            <a:r>
-              <a:rPr lang="zh-CN" altLang="en-US" dirty="0" smtClean="0">
-                <a:solidFill>
-                  <a:schemeClr val="bg2"/>
-                </a:solidFill>
-              </a:rPr>
-              <a:t>编写</a:t>
-            </a:r>
-            <a:endParaRPr lang="en-US" altLang="zh-CN" dirty="0" smtClean="0">
-              <a:solidFill>
-                <a:schemeClr val="bg2"/>
-              </a:solidFill>
-            </a:endParaRPr>
-          </a:p>
-          <a:p>
-            <a:endParaRPr lang="en-US" altLang="zh-CN" dirty="0">
-              <a:solidFill>
-                <a:schemeClr val="bg2"/>
-              </a:solidFill>
-            </a:endParaRPr>
-          </a:p>
-          <a:p>
-            <a:r>
-              <a:rPr lang="zh-CN" altLang="en-US" dirty="0">
-                <a:solidFill>
-                  <a:schemeClr val="bg2"/>
-                </a:solidFill>
-              </a:rPr>
-              <a:t>参与平台前端页面以及与后台交互的开发：</a:t>
-            </a:r>
-            <a:endParaRPr lang="en-US" altLang="zh-CN" dirty="0">
-              <a:solidFill>
-                <a:schemeClr val="bg2"/>
-              </a:solidFill>
-            </a:endParaRPr>
-          </a:p>
-          <a:p>
-            <a:pPr lvl="1"/>
-            <a:r>
-              <a:rPr lang="zh-CN" altLang="en-US" dirty="0">
-                <a:solidFill>
-                  <a:schemeClr val="bg2"/>
-                </a:solidFill>
-              </a:rPr>
-              <a:t>主要参与负责的页面：</a:t>
-            </a:r>
-            <a:r>
-              <a:rPr lang="zh-CN" altLang="en-US" dirty="0">
+              <a:t>征信审核</a:t>
+            </a:r>
+            <a:r>
+              <a:rPr kumimoji="1" lang="zh-CN" altLang="en-US" dirty="0">
+                <a:solidFill>
+                  <a:schemeClr val="bg2"/>
+                </a:solidFill>
+              </a:rPr>
+              <a:t>模块、</a:t>
+            </a:r>
+            <a:r>
+              <a:rPr kumimoji="1" lang="zh-CN" altLang="en-US" dirty="0">
                 <a:solidFill>
                   <a:srgbClr val="FF0000"/>
                 </a:solidFill>
               </a:rPr>
-              <a:t>提现</a:t>
-            </a:r>
-            <a:r>
-              <a:rPr lang="zh-CN" altLang="en-US" dirty="0">
-                <a:solidFill>
-                  <a:schemeClr val="bg2"/>
-                </a:solidFill>
-              </a:rPr>
-              <a:t>页面，</a:t>
-            </a:r>
-            <a:r>
-              <a:rPr lang="zh-CN" altLang="en-US" dirty="0">
+              <a:t>消息</a:t>
+            </a:r>
+            <a:r>
+              <a:rPr kumimoji="1" lang="zh-CN" altLang="en-US" dirty="0">
+                <a:solidFill>
+                  <a:schemeClr val="bg2"/>
+                </a:solidFill>
+              </a:rPr>
+              <a:t>模块、</a:t>
+            </a:r>
+            <a:r>
+              <a:rPr kumimoji="1" lang="zh-CN" altLang="en-US" dirty="0">
                 <a:solidFill>
                   <a:srgbClr val="FF0000"/>
                 </a:solidFill>
               </a:rPr>
-              <a:t>充值</a:t>
-            </a:r>
-            <a:r>
-              <a:rPr lang="zh-CN" altLang="en-US" dirty="0">
-                <a:solidFill>
-                  <a:schemeClr val="bg2"/>
-                </a:solidFill>
-              </a:rPr>
-              <a:t>页面，</a:t>
-            </a:r>
-            <a:r>
-              <a:rPr lang="zh-CN" altLang="en-US" dirty="0">
-                <a:solidFill>
-                  <a:srgbClr val="FF0000"/>
-                </a:solidFill>
-              </a:rPr>
-              <a:t>审核员</a:t>
-            </a:r>
-            <a:r>
-              <a:rPr lang="zh-CN" altLang="en-US" dirty="0">
-                <a:solidFill>
-                  <a:schemeClr val="bg2"/>
-                </a:solidFill>
-              </a:rPr>
-              <a:t>页面，部分页面的调试</a:t>
-            </a:r>
-            <a:endParaRPr lang="en-US" altLang="zh-CN" dirty="0">
-              <a:solidFill>
-                <a:schemeClr val="bg2"/>
-              </a:solidFill>
-            </a:endParaRPr>
-          </a:p>
-          <a:p>
-            <a:endParaRPr kumimoji="1" lang="zh-CN" altLang="en-US" dirty="0">
-              <a:solidFill>
-                <a:schemeClr val="bg2"/>
-              </a:solidFill>
-            </a:endParaRPr>
+              <a:t>平台</a:t>
+            </a:r>
+            <a:r>
+              <a:rPr kumimoji="1" lang="zh-CN" altLang="en-US" dirty="0">
+                <a:solidFill>
+                  <a:schemeClr val="bg2"/>
+                </a:solidFill>
+              </a:rPr>
+              <a:t>模块</a:t>
+            </a:r>
+            <a:r>
+              <a:rPr kumimoji="1" lang="zh-CN" altLang="en-US" dirty="0" smtClean="0">
+                <a:solidFill>
+                  <a:schemeClr val="bg2"/>
+                </a:solidFill>
+              </a:rPr>
+              <a:t>；</a:t>
+            </a:r>
+            <a:endParaRPr kumimoji="1" lang="en-US" altLang="zh-CN" dirty="0" smtClean="0">
+              <a:solidFill>
+                <a:schemeClr val="bg2"/>
+              </a:solidFill>
+            </a:endParaRPr>
+          </a:p>
+          <a:p>
+            <a:endParaRPr kumimoji="1" lang="en-US" altLang="zh-CN" dirty="0" smtClean="0">
+              <a:solidFill>
+                <a:schemeClr val="bg2"/>
+              </a:solidFill>
+            </a:endParaRPr>
+          </a:p>
+          <a:p>
+            <a:r>
+              <a:rPr kumimoji="1" lang="zh-CN" altLang="en-US" dirty="0" smtClean="0">
+                <a:solidFill>
+                  <a:schemeClr val="bg2"/>
+                </a:solidFill>
+              </a:rPr>
+              <a:t>负责</a:t>
+            </a:r>
+            <a:r>
+              <a:rPr kumimoji="1" lang="zh-CN" altLang="en-US" dirty="0">
+                <a:solidFill>
+                  <a:schemeClr val="bg2"/>
+                </a:solidFill>
+              </a:rPr>
+              <a:t>前端的样式调整。</a:t>
+            </a:r>
           </a:p>
         </p:txBody>
       </p:sp>
     </p:spTree>
     <p:extLst>
       <p:ext uri="{BB962C8B-B14F-4D97-AF65-F5344CB8AC3E}">
-        <p14:creationId xmlns:p14="http://schemas.microsoft.com/office/powerpoint/2010/main" val="1896111482"/>
+        <p14:creationId xmlns:p14="http://schemas.microsoft.com/office/powerpoint/2010/main" val="411062777"/>
       </p:ext>
     </p:extLst>
   </p:cSld>
@@ -7762,7 +8041,7 @@
                   <a:schemeClr val="bg2"/>
                 </a:solidFill>
               </a:rPr>
-              <a:t>吴淦民</a:t>
+              <a:t>谷明政</a:t>
             </a:r>
             <a:endParaRPr kumimoji="1" lang="zh-CN" altLang="en-US" dirty="0">
               <a:solidFill>
@@ -7787,13 +8066,17 @@
           <a:bodyPr/>
           <a:lstStyle/>
           <a:p>
+            <a:pPr marL="342900" indent="-342900">
+              <a:buFont typeface="Arial" panose="020B0604020202020204" pitchFamily="34" charset="0"/>
+              <a:buChar char="•"/>
+            </a:pPr>
             <a:r>
               <a:rPr lang="zh-CN" altLang="en-US" dirty="0">
                 <a:solidFill>
                   <a:schemeClr val="bg2"/>
                 </a:solidFill>
               </a:rPr>
-              <a:t>参与需求分析并编写需求分析文档</a:t>
+              <a:t>参与</a:t>
             </a:r>
             <a:r>
               <a:rPr lang="zh-CN" altLang="en-US" dirty="0">
@@ -7801,7 +8084,7 @@
                   <a:srgbClr val="FF0000"/>
                 </a:solidFill>
               </a:rPr>
-              <a:t>借款人提现</a:t>
+              <a:t>需求分析</a:t>
             </a:r>
             <a:r>
               <a:rPr lang="zh-CN" altLang="en-US" dirty="0">
@@ -7809,15 +8092,69 @@
                   <a:schemeClr val="bg2"/>
                 </a:solidFill>
               </a:rPr>
-              <a:t>和投资人</a:t>
+              <a:t>并编写需求文档相关部分</a:t>
+            </a:r>
+            <a:r>
+              <a:rPr lang="zh-CN" altLang="en-US" dirty="0" smtClean="0">
+                <a:solidFill>
+                  <a:schemeClr val="bg2"/>
+                </a:solidFill>
+              </a:rPr>
+              <a:t>；</a:t>
+            </a:r>
+            <a:endParaRPr lang="en-US" altLang="zh-CN" dirty="0" smtClean="0">
+              <a:solidFill>
+                <a:schemeClr val="bg2"/>
+              </a:solidFill>
+            </a:endParaRPr>
+          </a:p>
+          <a:p>
+            <a:pPr marL="342900" indent="-342900">
+              <a:buFont typeface="Arial" panose="020B0604020202020204" pitchFamily="34" charset="0"/>
+              <a:buChar char="•"/>
+            </a:pPr>
+            <a:endParaRPr lang="zh-CN" altLang="en-US" dirty="0">
+              <a:solidFill>
+                <a:schemeClr val="bg2"/>
+              </a:solidFill>
+            </a:endParaRPr>
+          </a:p>
+          <a:p>
+            <a:pPr marL="342900" indent="-342900">
+              <a:buFont typeface="Arial" panose="020B0604020202020204" pitchFamily="34" charset="0"/>
+              <a:buChar char="•"/>
+            </a:pPr>
+            <a:r>
+              <a:rPr lang="zh-CN" altLang="en-US" dirty="0" smtClean="0">
+                <a:solidFill>
+                  <a:schemeClr val="bg2"/>
+                </a:solidFill>
+              </a:rPr>
+              <a:t>主要负责前后</a:t>
             </a:r>
             <a:r>
               <a:rPr lang="zh-CN" altLang="en-US" dirty="0">
                 <a:solidFill>
+                  <a:schemeClr val="bg2"/>
+                </a:solidFill>
+              </a:rPr>
+              <a:t>端接口</a:t>
+            </a:r>
+            <a:r>
+              <a:rPr lang="zh-CN" altLang="en-US" dirty="0">
+                <a:solidFill>
                   <a:srgbClr val="FF0000"/>
                 </a:solidFill>
               </a:rPr>
-              <a:t>充值</a:t>
+              <a:t>联调</a:t>
+            </a:r>
+            <a:r>
+              <a:rPr lang="zh-CN" altLang="en-US" dirty="0">
+                <a:solidFill>
+                  <a:schemeClr val="bg2"/>
+                </a:solidFill>
+              </a:rPr>
+              <a:t>，包含联调所需的配置</a:t>
             </a:r>
             <a:r>
               <a:rPr lang="zh-CN" altLang="en-US" dirty="0" smtClean="0">
@@ -7825,7 +8162,23 @@
                   <a:schemeClr val="bg2"/>
                 </a:solidFill>
               </a:rPr>
-              <a:t>部分；</a:t>
+              <a:t>工作以及各页面的联调</a:t>
+            </a:r>
+            <a:r>
+              <a:rPr lang="zh-CN" altLang="en-US" dirty="0">
+                <a:solidFill>
+                  <a:schemeClr val="bg2"/>
+                </a:solidFill>
+              </a:rPr>
+              <a:t>代码</a:t>
+            </a:r>
+            <a:r>
+              <a:rPr lang="zh-CN" altLang="en-US" dirty="0" smtClean="0">
+                <a:solidFill>
+                  <a:schemeClr val="bg2"/>
+                </a:solidFill>
+              </a:rPr>
+              <a:t>。</a:t>
             </a:r>
             <a:endParaRPr lang="en-US" altLang="zh-CN" dirty="0" smtClean="0">
               <a:solidFill>
@@ -7834,20 +8187,28 @@
             </a:endParaRPr>
           </a:p>
           <a:p>
-            <a:endParaRPr lang="en-US" altLang="zh-CN" dirty="0">
-              <a:solidFill>
-                <a:schemeClr val="bg2"/>
-              </a:solidFill>
-            </a:endParaRPr>
-          </a:p>
-          <a:p>
+            <a:pPr marL="342900" indent="-342900">
+              <a:buFont typeface="Arial" panose="020B0604020202020204" pitchFamily="34" charset="0"/>
+              <a:buChar char="•"/>
+            </a:pPr>
+            <a:endParaRPr lang="zh-CN" altLang="en-US" dirty="0">
+              <a:solidFill>
+                <a:schemeClr val="bg2"/>
+              </a:solidFill>
+            </a:endParaRPr>
+          </a:p>
+          <a:p>
+            <a:pPr marL="342900" indent="-342900">
+              <a:buFont typeface="Arial" panose="020B0604020202020204" pitchFamily="34" charset="0"/>
+              <a:buChar char="•"/>
+            </a:pPr>
             <a:r>
               <a:rPr lang="zh-CN" altLang="en-US" dirty="0">
                 <a:solidFill>
                   <a:schemeClr val="bg2"/>
                 </a:solidFill>
               </a:rPr>
-              <a:t>负责编写概要设计文档中的</a:t>
+              <a:t>负责前端的</a:t>
             </a:r>
             <a:r>
               <a:rPr lang="zh-CN" altLang="en-US" dirty="0">
@@ -7855,7 +8216,7 @@
                   <a:srgbClr val="FF0000"/>
                 </a:solidFill>
               </a:rPr>
-              <a:t>模块划分</a:t>
+              <a:t>基础样式</a:t>
             </a:r>
             <a:r>
               <a:rPr lang="zh-CN" altLang="en-US" dirty="0">
@@ -7863,45 +8224,31 @@
                   <a:schemeClr val="bg2"/>
                 </a:solidFill>
               </a:rPr>
-              <a:t>部分的</a:t>
-            </a:r>
-            <a:r>
-              <a:rPr lang="zh-CN" altLang="en-US" dirty="0" smtClean="0">
-                <a:solidFill>
-                  <a:schemeClr val="bg2"/>
-                </a:solidFill>
-              </a:rPr>
-              <a:t>文档；</a:t>
-            </a:r>
-            <a:endParaRPr lang="en-US" altLang="zh-CN" dirty="0" smtClean="0">
-              <a:solidFill>
-                <a:schemeClr val="bg2"/>
-              </a:solidFill>
-            </a:endParaRPr>
-          </a:p>
-          <a:p>
-            <a:endParaRPr lang="en-US" altLang="zh-CN" dirty="0">
-              <a:solidFill>
-                <a:schemeClr val="bg2"/>
-              </a:solidFill>
-            </a:endParaRPr>
-          </a:p>
-          <a:p>
+              <a:t>和功能的设计，包含普通用户的</a:t>
+            </a:r>
             <a:r>
               <a:rPr lang="zh-CN" altLang="en-US" dirty="0">
                 <a:solidFill>
-                  <a:schemeClr val="bg2"/>
-                </a:solidFill>
-              </a:rPr>
-              <a:t>负责后端</a:t>
+                  <a:srgbClr val="FF0000"/>
+                </a:solidFill>
+              </a:rPr>
+              <a:t>借款</a:t>
             </a:r>
             <a:r>
               <a:rPr lang="zh-CN" altLang="en-US" dirty="0">
                 <a:solidFill>
+                  <a:schemeClr val="bg2"/>
+                </a:solidFill>
+              </a:rPr>
+              <a:t>页面、</a:t>
+            </a:r>
+            <a:r>
+              <a:rPr lang="zh-CN" altLang="en-US" dirty="0">
+                <a:solidFill>
                   <a:srgbClr val="FF0000"/>
                 </a:solidFill>
               </a:rPr>
-              <a:t>担保人</a:t>
+              <a:t>产品</a:t>
             </a:r>
             <a:r>
               <a:rPr lang="zh-CN" altLang="en-US" dirty="0">
@@ -7909,45 +8256,31 @@
                   <a:schemeClr val="bg2"/>
                 </a:solidFill>
               </a:rPr>
-              <a:t>模块的部分</a:t>
-            </a:r>
-            <a:r>
-              <a:rPr lang="zh-CN" altLang="en-US" dirty="0" smtClean="0">
-                <a:solidFill>
-                  <a:schemeClr val="bg2"/>
-                </a:solidFill>
-              </a:rPr>
-              <a:t>编码；</a:t>
-            </a:r>
-            <a:endParaRPr lang="en-US" altLang="zh-CN" dirty="0" smtClean="0">
-              <a:solidFill>
-                <a:schemeClr val="bg2"/>
-              </a:solidFill>
-            </a:endParaRPr>
-          </a:p>
-          <a:p>
-            <a:endParaRPr lang="en-US" altLang="zh-CN" dirty="0">
-              <a:solidFill>
-                <a:schemeClr val="bg2"/>
-              </a:solidFill>
-            </a:endParaRPr>
-          </a:p>
-          <a:p>
+              <a:t>页面、</a:t>
+            </a:r>
             <a:r>
               <a:rPr lang="zh-CN" altLang="en-US" dirty="0">
                 <a:solidFill>
-                  <a:schemeClr val="bg2"/>
-                </a:solidFill>
-              </a:rPr>
-              <a:t>负责</a:t>
+                  <a:srgbClr val="FF0000"/>
+                </a:solidFill>
+              </a:rPr>
+              <a:t>还款</a:t>
             </a:r>
             <a:r>
               <a:rPr lang="zh-CN" altLang="en-US" dirty="0">
                 <a:solidFill>
+                  <a:schemeClr val="bg2"/>
+                </a:solidFill>
+              </a:rPr>
+              <a:t>页面、</a:t>
+            </a:r>
+            <a:r>
+              <a:rPr lang="zh-CN" altLang="en-US" dirty="0">
+                <a:solidFill>
                   <a:srgbClr val="FF0000"/>
                 </a:solidFill>
               </a:rPr>
-              <a:t>文档管理</a:t>
+              <a:t>资金流转记录</a:t>
             </a:r>
             <a:r>
               <a:rPr lang="zh-CN" altLang="en-US" dirty="0">
@@ -7955,13 +8288,72 @@
                   <a:schemeClr val="bg2"/>
                 </a:solidFill>
               </a:rPr>
-              <a:t>。</a:t>
-            </a:r>
-            <a:endParaRPr lang="en-US" altLang="zh-CN" dirty="0">
-              <a:solidFill>
-                <a:schemeClr val="bg2"/>
-              </a:solidFill>
-            </a:endParaRPr>
+              <a:t>界面、</a:t>
+            </a:r>
+            <a:r>
+              <a:rPr lang="zh-CN" altLang="en-US" dirty="0">
+                <a:solidFill>
+                  <a:srgbClr val="FF0000"/>
+                </a:solidFill>
+              </a:rPr>
+              <a:t>个人征信</a:t>
+            </a:r>
+            <a:r>
+              <a:rPr lang="zh-CN" altLang="en-US" dirty="0">
+                <a:solidFill>
+                  <a:schemeClr val="bg2"/>
+                </a:solidFill>
+              </a:rPr>
+              <a:t>页面以及</a:t>
+            </a:r>
+            <a:r>
+              <a:rPr lang="zh-CN" altLang="en-US" dirty="0">
+                <a:solidFill>
+                  <a:srgbClr val="FF0000"/>
+                </a:solidFill>
+              </a:rPr>
+              <a:t>消息</a:t>
+            </a:r>
+            <a:r>
+              <a:rPr lang="zh-CN" altLang="en-US" dirty="0">
+                <a:solidFill>
+                  <a:schemeClr val="bg2"/>
+                </a:solidFill>
+              </a:rPr>
+              <a:t>界面；担保人的</a:t>
+            </a:r>
+            <a:r>
+              <a:rPr lang="zh-CN" altLang="en-US" dirty="0">
+                <a:solidFill>
+                  <a:srgbClr val="FF0000"/>
+                </a:solidFill>
+              </a:rPr>
+              <a:t>担保请求</a:t>
+            </a:r>
+            <a:r>
+              <a:rPr lang="zh-CN" altLang="en-US" dirty="0">
+                <a:solidFill>
+                  <a:schemeClr val="bg2"/>
+                </a:solidFill>
+              </a:rPr>
+              <a:t>页面；审核员的</a:t>
+            </a:r>
+            <a:r>
+              <a:rPr lang="zh-CN" altLang="en-US" dirty="0">
+                <a:solidFill>
+                  <a:srgbClr val="FF0000"/>
+                </a:solidFill>
+              </a:rPr>
+              <a:t>审核</a:t>
+            </a:r>
+            <a:r>
+              <a:rPr lang="zh-CN" altLang="en-US" dirty="0">
+                <a:solidFill>
+                  <a:schemeClr val="bg2"/>
+                </a:solidFill>
+              </a:rPr>
+              <a:t>界面和所有审核信息界面；管理员的用户页面、产品页面和操作日志界面。</a:t>
+            </a:r>
           </a:p>
           <a:p>
             <a:endParaRPr kumimoji="1" lang="zh-CN" altLang="en-US" dirty="0">
@@ -7975,7 +8367,7 @@
     </p:spTree>
     <p:extLst>
       <p:ext uri="{BB962C8B-B14F-4D97-AF65-F5344CB8AC3E}">
-        <p14:creationId xmlns:p14="http://schemas.microsoft.com/office/powerpoint/2010/main" val="383240911"/>
+        <p14:creationId xmlns:p14="http://schemas.microsoft.com/office/powerpoint/2010/main" val="1801601024"/>
       </p:ext>
     </p:extLst>
   </p:cSld>
@@ -8030,7 +8422,7 @@
                   <a:schemeClr val="bg2"/>
                 </a:solidFill>
               </a:rPr>
-              <a:t>孙文</a:t>
+              <a:t>钟宇轩</a:t>
             </a:r>
             <a:endParaRPr kumimoji="1" lang="zh-CN" altLang="en-US" dirty="0">
               <a:solidFill>
@@ -8077,7 +8469,7 @@
                   <a:schemeClr val="bg2"/>
                 </a:solidFill>
               </a:rPr>
-              <a:t>并编写需求文档部分</a:t>
+              <a:t>讨论及文档</a:t>
             </a:r>
             <a:r>
               <a:rPr lang="zh-CN" altLang="en-US" dirty="0" smtClean="0">
@@ -8085,7 +8477,7 @@
                   <a:schemeClr val="bg2"/>
                 </a:solidFill>
               </a:rPr>
-              <a:t>内容</a:t>
+              <a:t>编写</a:t>
             </a:r>
             <a:endParaRPr lang="en-US" altLang="zh-CN" dirty="0" smtClean="0">
               <a:solidFill>
@@ -8094,7 +8486,7 @@
             </a:endParaRPr>
           </a:p>
           <a:p>
-            <a:endParaRPr lang="zh-CN" altLang="en-US" dirty="0">
+            <a:endParaRPr lang="en-US" altLang="zh-CN" dirty="0">
               <a:solidFill>
                 <a:schemeClr val="bg2"/>
               </a:solidFill>
@@ -8107,7 +8499,23 @@
                   <a:schemeClr val="bg2"/>
                 </a:solidFill>
               </a:rPr>
-              <a:t>负责测试</a:t>
+              <a:t>参与</a:t>
+            </a:r>
+            <a:r>
+              <a:rPr lang="zh-CN" altLang="en-US" dirty="0">
+                <a:solidFill>
+                  <a:srgbClr val="FF0000"/>
+                </a:solidFill>
+              </a:rPr>
+              <a:t>概要设计</a:t>
+            </a:r>
+            <a:r>
+              <a:rPr lang="zh-CN" altLang="en-US" dirty="0">
+                <a:solidFill>
+                  <a:schemeClr val="bg2"/>
+                </a:solidFill>
+              </a:rPr>
+              <a:t>文档</a:t>
             </a:r>
             <a:r>
               <a:rPr lang="zh-CN" altLang="en-US" dirty="0" smtClean="0">
@@ -8115,8 +8523,54 @@
                   <a:schemeClr val="bg2"/>
                 </a:solidFill>
               </a:rPr>
+              <a:t>编写</a:t>
+            </a:r>
+            <a:endParaRPr lang="en-US" altLang="zh-CN" dirty="0" smtClean="0">
+              <a:solidFill>
+                <a:schemeClr val="bg2"/>
+              </a:solidFill>
+            </a:endParaRPr>
+          </a:p>
+          <a:p>
+            <a:endParaRPr lang="en-US" altLang="zh-CN" dirty="0">
+              <a:solidFill>
+                <a:schemeClr val="bg2"/>
+              </a:solidFill>
+            </a:endParaRPr>
+          </a:p>
+          <a:p>
+            <a:r>
+              <a:rPr lang="zh-CN" altLang="en-US" dirty="0">
+                <a:solidFill>
+                  <a:schemeClr val="bg2"/>
+                </a:solidFill>
+              </a:rPr>
+              <a:t>负责</a:t>
+            </a:r>
+            <a:r>
+              <a:rPr lang="zh-CN" altLang="en-US" dirty="0">
+                <a:solidFill>
+                  <a:srgbClr val="FF0000"/>
+                </a:solidFill>
+              </a:rPr>
+              <a:t>详细设计</a:t>
+            </a:r>
+            <a:r>
+              <a:rPr lang="zh-CN" altLang="en-US" dirty="0">
+                <a:solidFill>
+                  <a:schemeClr val="bg2"/>
+                </a:solidFill>
+              </a:rPr>
               <a:t>文档</a:t>
             </a:r>
+            <a:r>
+              <a:rPr lang="zh-CN" altLang="en-US" dirty="0" smtClean="0">
+                <a:solidFill>
+                  <a:schemeClr val="bg2"/>
+                </a:solidFill>
+              </a:rPr>
+              <a:t>编写</a:t>
+            </a:r>
             <a:endParaRPr lang="en-US" altLang="zh-CN" dirty="0" smtClean="0">
               <a:solidFill>
                 <a:schemeClr val="bg2"/>
@@ -8124,7 +8578,7 @@
             </a:endParaRPr>
           </a:p>
           <a:p>
-            <a:endParaRPr lang="zh-CN" altLang="en-US" dirty="0">
+            <a:endParaRPr lang="en-US" altLang="zh-CN" dirty="0">
               <a:solidFill>
                 <a:schemeClr val="bg2"/>
               </a:solidFill>
@@ -8137,15 +8591,31 @@
                   <a:schemeClr val="bg2"/>
                 </a:solidFill>
               </a:rPr>
-              <a:t>负责前端页面</a:t>
-            </a:r>
+              <a:t>参与平台前端页面以及与后台交互的开发：</a:t>
+            </a:r>
+            <a:endParaRPr lang="en-US" altLang="zh-CN" dirty="0">
+              <a:solidFill>
+                <a:schemeClr val="bg2"/>
+              </a:solidFill>
+            </a:endParaRPr>
+          </a:p>
+          <a:p>
+            <a:pPr lvl="1"/>
             <a:r>
               <a:rPr lang="zh-CN" altLang="en-US" dirty="0">
                 <a:solidFill>
+                  <a:schemeClr val="bg2"/>
+                </a:solidFill>
+              </a:rPr>
+              <a:t>主要参与负责的页面：</a:t>
+            </a:r>
+            <a:r>
+              <a:rPr lang="zh-CN" altLang="en-US" dirty="0">
+                <a:solidFill>
                   <a:srgbClr val="FF0000"/>
                 </a:solidFill>
               </a:rPr>
-              <a:t>新建借款</a:t>
+              <a:t>提现</a:t>
             </a:r>
             <a:r>
               <a:rPr lang="zh-CN" altLang="en-US" dirty="0">
@@ -8153,7 +8623,7 @@
                   <a:schemeClr val="bg2"/>
                 </a:solidFill>
               </a:rPr>
-              <a:t>、</a:t>
+              <a:t>页面，</a:t>
             </a:r>
             <a:r>
               <a:rPr lang="zh-CN" altLang="en-US" dirty="0">
@@ -8161,7 +8631,7 @@
                   <a:srgbClr val="FF0000"/>
                 </a:solidFill>
               </a:rPr>
-              <a:t>支付界面</a:t>
+              <a:t>充值</a:t>
             </a:r>
             <a:r>
               <a:rPr lang="zh-CN" altLang="en-US" dirty="0">
@@ -8169,8 +8639,29 @@
                   <a:schemeClr val="bg2"/>
                 </a:solidFill>
               </a:rPr>
-              <a:t>等页面的编写</a:t>
-            </a:r>
+              <a:t>页面，</a:t>
+            </a:r>
+            <a:r>
+              <a:rPr lang="zh-CN" altLang="en-US" dirty="0">
+                <a:solidFill>
+                  <a:srgbClr val="FF0000"/>
+                </a:solidFill>
+              </a:rPr>
+              <a:t>审核员</a:t>
+            </a:r>
+            <a:r>
+              <a:rPr lang="zh-CN" altLang="en-US" dirty="0">
+                <a:solidFill>
+                  <a:schemeClr val="bg2"/>
+                </a:solidFill>
+              </a:rPr>
+              <a:t>页面，部分页面的调试</a:t>
+            </a:r>
+            <a:endParaRPr lang="en-US" altLang="zh-CN" dirty="0">
+              <a:solidFill>
+                <a:schemeClr val="bg2"/>
+              </a:solidFill>
+            </a:endParaRPr>
           </a:p>
           <a:p>
             <a:endParaRPr kumimoji="1" lang="zh-CN" altLang="en-US" dirty="0">
@@ -8184,7 +8675,7 @@
     </p:spTree>
     <p:extLst>
       <p:ext uri="{BB962C8B-B14F-4D97-AF65-F5344CB8AC3E}">
-        <p14:creationId xmlns:p14="http://schemas.microsoft.com/office/powerpoint/2010/main" val="1223912608"/>
+        <p14:creationId xmlns:p14="http://schemas.microsoft.com/office/powerpoint/2010/main" val="1896111482"/>
       </p:ext>
     </p:extLst>
   </p:cSld>
@@ -8239,7 +8730,7 @@
                   <a:schemeClr val="bg2"/>
                 </a:solidFill>
               </a:rPr>
-              <a:t>林钊</a:t>
+              <a:t>吴淦民</a:t>
             </a:r>
             <a:endParaRPr kumimoji="1" lang="zh-CN" altLang="en-US" dirty="0">
               <a:solidFill>
@@ -8270,7 +8761,7 @@
                   <a:schemeClr val="bg2"/>
                 </a:solidFill>
               </a:rPr>
-              <a:t>参与</a:t>
+              <a:t>参与需求分析并编写需求分析文档</a:t>
             </a:r>
             <a:r>
               <a:rPr lang="zh-CN" altLang="en-US" dirty="0">
@@ -8278,7 +8769,7 @@
                   <a:srgbClr val="FF0000"/>
                 </a:solidFill>
               </a:rPr>
-              <a:t>需求设计</a:t>
+              <a:t>借款人提现</a:t>
             </a:r>
             <a:r>
               <a:rPr lang="zh-CN" altLang="en-US" dirty="0">
@@ -8286,7 +8777,15 @@
                   <a:schemeClr val="bg2"/>
                 </a:solidFill>
               </a:rPr>
-              <a:t>并编写需求文档相关</a:t>
+              <a:t>和投资人</a:t>
+            </a:r>
+            <a:r>
+              <a:rPr lang="zh-CN" altLang="en-US" dirty="0">
+                <a:solidFill>
+                  <a:srgbClr val="FF0000"/>
+                </a:solidFill>
+              </a:rPr>
+              <a:t>充值</a:t>
             </a:r>
             <a:r>
               <a:rPr lang="zh-CN" altLang="en-US" dirty="0" smtClean="0">
@@ -8294,7 +8793,7 @@
                   <a:schemeClr val="bg2"/>
                 </a:solidFill>
               </a:rPr>
-              <a:t>部分</a:t>
+              <a:t>部分；</a:t>
             </a:r>
             <a:endParaRPr lang="en-US" altLang="zh-CN" dirty="0" smtClean="0">
               <a:solidFill>
@@ -8303,7 +8802,7 @@
             </a:endParaRPr>
           </a:p>
           <a:p>
-            <a:endParaRPr lang="zh-CN" altLang="en-US" dirty="0">
+            <a:endParaRPr lang="en-US" altLang="zh-CN" dirty="0">
               <a:solidFill>
                 <a:schemeClr val="bg2"/>
               </a:solidFill>
@@ -8316,7 +8815,7 @@
                   <a:schemeClr val="bg2"/>
                 </a:solidFill>
               </a:rPr>
-              <a:t>负责前端原型设计并设计</a:t>
+              <a:t>负责编写概要设计文档中的</a:t>
             </a:r>
             <a:r>
               <a:rPr lang="zh-CN" altLang="en-US" dirty="0">
@@ -8324,24 +8823,78 @@
                   <a:srgbClr val="FF0000"/>
                 </a:solidFill>
               </a:rPr>
-              <a:t>前端</a:t>
+              <a:t>模块划分</a:t>
+            </a:r>
+            <a:r>
+              <a:rPr lang="zh-CN" altLang="en-US" dirty="0">
+                <a:solidFill>
+                  <a:schemeClr val="bg2"/>
+                </a:solidFill>
+              </a:rPr>
+              <a:t>部分的</a:t>
             </a:r>
             <a:r>
               <a:rPr lang="zh-CN" altLang="en-US" dirty="0" smtClean="0">
                 <a:solidFill>
+                  <a:schemeClr val="bg2"/>
+                </a:solidFill>
+              </a:rPr>
+              <a:t>文档；</a:t>
+            </a:r>
+            <a:endParaRPr lang="en-US" altLang="zh-CN" dirty="0" smtClean="0">
+              <a:solidFill>
+                <a:schemeClr val="bg2"/>
+              </a:solidFill>
+            </a:endParaRPr>
+          </a:p>
+          <a:p>
+            <a:endParaRPr lang="en-US" altLang="zh-CN" dirty="0">
+              <a:solidFill>
+                <a:schemeClr val="bg2"/>
+              </a:solidFill>
+            </a:endParaRPr>
+          </a:p>
+          <a:p>
+            <a:r>
+              <a:rPr lang="zh-CN" altLang="en-US" dirty="0">
+                <a:solidFill>
+                  <a:schemeClr val="bg2"/>
+                </a:solidFill>
+              </a:rPr>
+              <a:t>负责后端</a:t>
+            </a:r>
+            <a:r>
+              <a:rPr lang="zh-CN" altLang="en-US" dirty="0">
+                <a:solidFill>
                   <a:srgbClr val="FF0000"/>
                 </a:solidFill>
               </a:rPr>
-              <a:t>原型</a:t>
+              <a:t>担保人</a:t>
+            </a:r>
+            <a:r>
+              <a:rPr lang="zh-CN" altLang="en-US" dirty="0">
+                <a:solidFill>
+                  <a:schemeClr val="bg2"/>
+                </a:solidFill>
+              </a:rPr>
+              <a:t>模块的部分</a:t>
+            </a:r>
+            <a:r>
+              <a:rPr lang="zh-CN" altLang="en-US" dirty="0" smtClean="0">
+                <a:solidFill>
+                  <a:schemeClr val="bg2"/>
+                </a:solidFill>
+              </a:rPr>
+              <a:t>编码；</a:t>
             </a:r>
             <a:endParaRPr lang="en-US" altLang="zh-CN" dirty="0" smtClean="0">
               <a:solidFill>
-                <a:srgbClr val="FF0000"/>
-              </a:solidFill>
-            </a:endParaRPr>
-          </a:p>
-          <a:p>
-            <a:endParaRPr lang="zh-CN" altLang="en-US" dirty="0">
+                <a:schemeClr val="bg2"/>
+              </a:solidFill>
+            </a:endParaRPr>
+          </a:p>
+          <a:p>
+            <a:endParaRPr lang="en-US" altLang="zh-CN" dirty="0">
               <a:solidFill>
                 <a:schemeClr val="bg2"/>
               </a:solidFill>
@@ -8354,7 +8907,7 @@
                   <a:schemeClr val="bg2"/>
                 </a:solidFill>
               </a:rPr>
-              <a:t>负责前端，进行前端任务分配，构造前端</a:t>
+              <a:t>负责</a:t>
             </a:r>
             <a:r>
               <a:rPr lang="zh-CN" altLang="en-US" dirty="0">
@@ -8362,7 +8915,7 @@
                   <a:srgbClr val="FF0000"/>
                 </a:solidFill>
               </a:rPr>
-              <a:t>框架</a:t>
+              <a:t>文档管理</a:t>
             </a:r>
             <a:r>
               <a:rPr lang="zh-CN" altLang="en-US" dirty="0">
@@ -8370,46 +8923,13 @@
                   <a:schemeClr val="bg2"/>
                 </a:solidFill>
               </a:rPr>
-              <a:t>，编写登陆、注册、用户主页面等</a:t>
-            </a:r>
-            <a:r>
-              <a:rPr lang="zh-CN" altLang="en-US" dirty="0" smtClean="0">
-                <a:solidFill>
-                  <a:schemeClr val="bg2"/>
-                </a:solidFill>
-              </a:rPr>
-              <a:t>页面</a:t>
-            </a:r>
-            <a:endParaRPr lang="en-US" altLang="zh-CN" dirty="0" smtClean="0">
-              <a:solidFill>
-                <a:schemeClr val="bg2"/>
-              </a:solidFill>
-            </a:endParaRPr>
-          </a:p>
-          <a:p>
-            <a:endParaRPr lang="zh-CN" altLang="en-US" dirty="0">
-              <a:solidFill>
-                <a:schemeClr val="bg2"/>
-              </a:solidFill>
-            </a:endParaRPr>
-          </a:p>
-          <a:p>
-            <a:r>
-              <a:rPr lang="zh-CN" altLang="en-US" dirty="0">
-                <a:solidFill>
-                  <a:schemeClr val="bg2"/>
-                </a:solidFill>
-              </a:rPr>
-              <a:t>协助进行前后端</a:t>
-            </a:r>
-            <a:r>
-              <a:rPr lang="zh-CN" altLang="en-US" dirty="0">
-                <a:solidFill>
-                  <a:srgbClr val="FF0000"/>
-                </a:solidFill>
-              </a:rPr>
-              <a:t>联调</a:t>
-            </a:r>
+              <a:t>。</a:t>
+            </a:r>
+            <a:endParaRPr lang="en-US" altLang="zh-CN" dirty="0">
+              <a:solidFill>
+                <a:schemeClr val="bg2"/>
+              </a:solidFill>
+            </a:endParaRPr>
           </a:p>
           <a:p>
             <a:endParaRPr kumimoji="1" lang="zh-CN" altLang="en-US" dirty="0">
@@ -8423,7 +8943,7 @@
     </p:spTree>
     <p:extLst>
       <p:ext uri="{BB962C8B-B14F-4D97-AF65-F5344CB8AC3E}">
-        <p14:creationId xmlns:p14="http://schemas.microsoft.com/office/powerpoint/2010/main" val="2143367354"/>
+        <p14:creationId xmlns:p14="http://schemas.microsoft.com/office/powerpoint/2010/main" val="383240911"/>
       </p:ext>
     </p:extLst>
   </p:cSld>
@@ -8478,7 +8998,7 @@
                   <a:schemeClr val="bg2"/>
                 </a:solidFill>
               </a:rPr>
-              <a:t>时不我贷</a:t>
+              <a:t>孙文</a:t>
             </a:r>
             <a:endParaRPr kumimoji="1" lang="zh-CN" altLang="en-US" dirty="0">
               <a:solidFill>
@@ -8503,37 +9023,124 @@
           <a:bodyPr/>
           <a:lstStyle/>
           <a:p>
-            <a:endParaRPr kumimoji="1" lang="en-US" altLang="zh-CN" dirty="0" smtClean="0"/>
-          </a:p>
-          <a:p>
-            <a:r>
-              <a:rPr kumimoji="1" lang="zh-CN" altLang="en-US" dirty="0" smtClean="0"/>
-              <a:t>文档编写及分工</a:t>
-            </a:r>
-            <a:endParaRPr kumimoji="1" lang="en-US" altLang="zh-CN" dirty="0" smtClean="0"/>
-          </a:p>
-          <a:p>
-            <a:endParaRPr kumimoji="1" lang="en-US" altLang="zh-CN" dirty="0"/>
-          </a:p>
-          <a:p>
-            <a:r>
-              <a:rPr kumimoji="1" lang="zh-CN" altLang="en-US" dirty="0" smtClean="0"/>
-              <a:t>系统演示</a:t>
-            </a:r>
-            <a:endParaRPr kumimoji="1" lang="en-US" altLang="zh-CN" dirty="0" smtClean="0"/>
-          </a:p>
-          <a:p>
-            <a:endParaRPr kumimoji="1" lang="en-US" altLang="zh-CN" dirty="0"/>
-          </a:p>
-          <a:p>
-            <a:r>
-              <a:rPr kumimoji="1" lang="zh-CN" altLang="en-US" dirty="0" smtClean="0">
-                <a:solidFill>
-                  <a:schemeClr val="bg2"/>
-                </a:solidFill>
-              </a:rPr>
-              <a:t>总结</a:t>
-            </a:r>
+            <a:r>
+              <a:rPr lang="zh-CN" altLang="en-US" dirty="0">
+                <a:solidFill>
+                  <a:schemeClr val="bg2"/>
+                </a:solidFill>
+              </a:rPr>
+              <a:t>参与</a:t>
+            </a:r>
+            <a:r>
+              <a:rPr lang="zh-CN" altLang="en-US" dirty="0">
+                <a:solidFill>
+                  <a:srgbClr val="FF0000"/>
+                </a:solidFill>
+              </a:rPr>
+              <a:t>需求分析</a:t>
+            </a:r>
+            <a:r>
+              <a:rPr lang="zh-CN" altLang="en-US" dirty="0">
+                <a:solidFill>
+                  <a:schemeClr val="bg2"/>
+                </a:solidFill>
+              </a:rPr>
+              <a:t>并编写需求文档部分</a:t>
+            </a:r>
+            <a:r>
+              <a:rPr lang="zh-CN" altLang="en-US" dirty="0" smtClean="0">
+                <a:solidFill>
+                  <a:schemeClr val="bg2"/>
+                </a:solidFill>
+              </a:rPr>
+              <a:t>内容</a:t>
+            </a:r>
+            <a:endParaRPr lang="en-US" altLang="zh-CN" dirty="0" smtClean="0">
+              <a:solidFill>
+                <a:schemeClr val="bg2"/>
+              </a:solidFill>
+            </a:endParaRPr>
+          </a:p>
+          <a:p>
+            <a:endParaRPr lang="zh-CN" altLang="en-US" dirty="0">
+              <a:solidFill>
+                <a:schemeClr val="bg2"/>
+              </a:solidFill>
+            </a:endParaRPr>
+          </a:p>
+          <a:p>
+            <a:r>
+              <a:rPr lang="zh-CN" altLang="en-US" dirty="0">
+                <a:solidFill>
+                  <a:schemeClr val="bg2"/>
+                </a:solidFill>
+              </a:rPr>
+              <a:t>负责测试</a:t>
+            </a:r>
+            <a:r>
+              <a:rPr lang="zh-CN" altLang="en-US" dirty="0" smtClean="0">
+                <a:solidFill>
+                  <a:schemeClr val="bg2"/>
+                </a:solidFill>
+              </a:rPr>
+              <a:t>文档</a:t>
+            </a:r>
+            <a:endParaRPr lang="en-US" altLang="zh-CN" dirty="0" smtClean="0">
+              <a:solidFill>
+                <a:schemeClr val="bg2"/>
+              </a:solidFill>
+            </a:endParaRPr>
+          </a:p>
+          <a:p>
+            <a:endParaRPr lang="zh-CN" altLang="en-US" dirty="0">
+              <a:solidFill>
+                <a:schemeClr val="bg2"/>
+              </a:solidFill>
+            </a:endParaRPr>
+          </a:p>
+          <a:p>
+            <a:r>
+              <a:rPr lang="zh-CN" altLang="en-US" dirty="0">
+                <a:solidFill>
+                  <a:schemeClr val="bg2"/>
+                </a:solidFill>
+              </a:rPr>
+              <a:t>负责前端页面</a:t>
+            </a:r>
+            <a:r>
+              <a:rPr lang="zh-CN" altLang="en-US" dirty="0">
+                <a:solidFill>
+                  <a:srgbClr val="FF0000"/>
+                </a:solidFill>
+              </a:rPr>
+              <a:t>新建借款</a:t>
+            </a:r>
+            <a:r>
+              <a:rPr lang="zh-CN" altLang="en-US" dirty="0">
+                <a:solidFill>
+                  <a:schemeClr val="bg2"/>
+                </a:solidFill>
+              </a:rPr>
+              <a:t>、</a:t>
+            </a:r>
+            <a:r>
+              <a:rPr lang="zh-CN" altLang="en-US" dirty="0">
+                <a:solidFill>
+                  <a:srgbClr val="FF0000"/>
+                </a:solidFill>
+              </a:rPr>
+              <a:t>支付界面</a:t>
+            </a:r>
+            <a:r>
+              <a:rPr lang="zh-CN" altLang="en-US" dirty="0">
+                <a:solidFill>
+                  <a:schemeClr val="bg2"/>
+                </a:solidFill>
+              </a:rPr>
+              <a:t>等页面的编写</a:t>
+            </a:r>
+          </a:p>
+          <a:p>
             <a:endParaRPr kumimoji="1" lang="zh-CN" altLang="en-US" dirty="0">
               <a:solidFill>
                 <a:schemeClr val="bg2"/>
@@ -8545,7 +9152,7 @@
     </p:spTree>
     <p:extLst>
       <p:ext uri="{BB962C8B-B14F-4D97-AF65-F5344CB8AC3E}">
-        <p14:creationId xmlns:p14="http://schemas.microsoft.com/office/powerpoint/2010/main" val="619555155"/>
+        <p14:creationId xmlns:p14="http://schemas.microsoft.com/office/powerpoint/2010/main" val="1223912608"/>
       </p:ext>
     </p:extLst>
   </p:cSld>
@@ -8563,6 +9170,378 @@
 </file>
 
 <file path=ppt/slides/slide27.xml><?xml version="1.0" encoding="utf-8"?>
+<p:sld xmlns:a="http://schemas.openxmlformats.org/drawingml/2006/main" xmlns:r="http://schemas.openxmlformats.org/officeDocument/2006/relationships" xmlns:p="http://schemas.openxmlformats.org/presentationml/2006/main">
+  <p:cSld>
+    <p:spTree>
+      <p:nvGrpSpPr>
+        <p:cNvPr id="1" name=""/>
+        <p:cNvGrpSpPr/>
+        <p:nvPr/>
+      </p:nvGrpSpPr>
+      <p:grpSpPr>
+        <a:xfrm>
+          <a:off x="0" y="0"/>
+          <a:ext cx="0" cy="0"/>
+          <a:chOff x="0" y="0"/>
+          <a:chExt cx="0" cy="0"/>
+        </a:xfrm>
+      </p:grpSpPr>
+      <p:sp>
+        <p:nvSpPr>
+          <p:cNvPr id="2" name="标题 1"/>
+          <p:cNvSpPr>
+            <a:spLocks noGrp="1"/>
+          </p:cNvSpPr>
+          <p:nvPr>
+            <p:ph type="title"/>
+          </p:nvPr>
+        </p:nvSpPr>
+        <p:spPr/>
+        <p:txBody>
+          <a:bodyPr/>
+          <a:lstStyle/>
+          <a:p>
+            <a:r>
+              <a:rPr kumimoji="1" lang="zh-CN" altLang="en-US" dirty="0" smtClean="0">
+                <a:solidFill>
+                  <a:schemeClr val="bg2"/>
+                </a:solidFill>
+              </a:rPr>
+              <a:t>林钊</a:t>
+            </a:r>
+            <a:endParaRPr kumimoji="1" lang="zh-CN" altLang="en-US" dirty="0">
+              <a:solidFill>
+                <a:schemeClr val="bg2"/>
+              </a:solidFill>
+            </a:endParaRPr>
+          </a:p>
+        </p:txBody>
+      </p:sp>
+      <p:sp>
+        <p:nvSpPr>
+          <p:cNvPr id="3" name="内容占位符 2"/>
+          <p:cNvSpPr>
+            <a:spLocks noGrp="1"/>
+          </p:cNvSpPr>
+          <p:nvPr>
+            <p:ph idx="1"/>
+          </p:nvPr>
+        </p:nvSpPr>
+        <p:spPr/>
+        <p:txBody>
+          <a:bodyPr/>
+          <a:lstStyle/>
+          <a:p>
+            <a:r>
+              <a:rPr lang="zh-CN" altLang="en-US" dirty="0">
+                <a:solidFill>
+                  <a:schemeClr val="bg2"/>
+                </a:solidFill>
+              </a:rPr>
+              <a:t>参与</a:t>
+            </a:r>
+            <a:r>
+              <a:rPr lang="zh-CN" altLang="en-US" dirty="0">
+                <a:solidFill>
+                  <a:srgbClr val="FF0000"/>
+                </a:solidFill>
+              </a:rPr>
+              <a:t>需求设计</a:t>
+            </a:r>
+            <a:r>
+              <a:rPr lang="zh-CN" altLang="en-US" dirty="0">
+                <a:solidFill>
+                  <a:schemeClr val="bg2"/>
+                </a:solidFill>
+              </a:rPr>
+              <a:t>并编写需求文档相关</a:t>
+            </a:r>
+            <a:r>
+              <a:rPr lang="zh-CN" altLang="en-US" dirty="0" smtClean="0">
+                <a:solidFill>
+                  <a:schemeClr val="bg2"/>
+                </a:solidFill>
+              </a:rPr>
+              <a:t>部分</a:t>
+            </a:r>
+            <a:endParaRPr lang="en-US" altLang="zh-CN" dirty="0" smtClean="0">
+              <a:solidFill>
+                <a:schemeClr val="bg2"/>
+              </a:solidFill>
+            </a:endParaRPr>
+          </a:p>
+          <a:p>
+            <a:endParaRPr lang="zh-CN" altLang="en-US" dirty="0">
+              <a:solidFill>
+                <a:schemeClr val="bg2"/>
+              </a:solidFill>
+            </a:endParaRPr>
+          </a:p>
+          <a:p>
+            <a:r>
+              <a:rPr lang="zh-CN" altLang="en-US" dirty="0">
+                <a:solidFill>
+                  <a:schemeClr val="bg2"/>
+                </a:solidFill>
+              </a:rPr>
+              <a:t>负责前端原型设计并设计</a:t>
+            </a:r>
+            <a:r>
+              <a:rPr lang="zh-CN" altLang="en-US" dirty="0">
+                <a:solidFill>
+                  <a:srgbClr val="FF0000"/>
+                </a:solidFill>
+              </a:rPr>
+              <a:t>前端</a:t>
+            </a:r>
+            <a:r>
+              <a:rPr lang="zh-CN" altLang="en-US" dirty="0" smtClean="0">
+                <a:solidFill>
+                  <a:srgbClr val="FF0000"/>
+                </a:solidFill>
+              </a:rPr>
+              <a:t>原型</a:t>
+            </a:r>
+            <a:endParaRPr lang="en-US" altLang="zh-CN" dirty="0" smtClean="0">
+              <a:solidFill>
+                <a:srgbClr val="FF0000"/>
+              </a:solidFill>
+            </a:endParaRPr>
+          </a:p>
+          <a:p>
+            <a:endParaRPr lang="zh-CN" altLang="en-US" dirty="0">
+              <a:solidFill>
+                <a:schemeClr val="bg2"/>
+              </a:solidFill>
+            </a:endParaRPr>
+          </a:p>
+          <a:p>
+            <a:r>
+              <a:rPr lang="zh-CN" altLang="en-US" dirty="0">
+                <a:solidFill>
+                  <a:schemeClr val="bg2"/>
+                </a:solidFill>
+              </a:rPr>
+              <a:t>负责前端，进行前端任务分配，构造前端</a:t>
+            </a:r>
+            <a:r>
+              <a:rPr lang="zh-CN" altLang="en-US" dirty="0">
+                <a:solidFill>
+                  <a:srgbClr val="FF0000"/>
+                </a:solidFill>
+              </a:rPr>
+              <a:t>框架</a:t>
+            </a:r>
+            <a:r>
+              <a:rPr lang="zh-CN" altLang="en-US" dirty="0">
+                <a:solidFill>
+                  <a:schemeClr val="bg2"/>
+                </a:solidFill>
+              </a:rPr>
+              <a:t>，编写登陆、注册、用户主页面等</a:t>
+            </a:r>
+            <a:r>
+              <a:rPr lang="zh-CN" altLang="en-US" dirty="0" smtClean="0">
+                <a:solidFill>
+                  <a:schemeClr val="bg2"/>
+                </a:solidFill>
+              </a:rPr>
+              <a:t>页面</a:t>
+            </a:r>
+            <a:endParaRPr lang="en-US" altLang="zh-CN" dirty="0" smtClean="0">
+              <a:solidFill>
+                <a:schemeClr val="bg2"/>
+              </a:solidFill>
+            </a:endParaRPr>
+          </a:p>
+          <a:p>
+            <a:endParaRPr lang="zh-CN" altLang="en-US" dirty="0">
+              <a:solidFill>
+                <a:schemeClr val="bg2"/>
+              </a:solidFill>
+            </a:endParaRPr>
+          </a:p>
+          <a:p>
+            <a:r>
+              <a:rPr lang="zh-CN" altLang="en-US" dirty="0">
+                <a:solidFill>
+                  <a:schemeClr val="bg2"/>
+                </a:solidFill>
+              </a:rPr>
+              <a:t>协助进行前后端</a:t>
+            </a:r>
+            <a:r>
+              <a:rPr lang="zh-CN" altLang="en-US" dirty="0">
+                <a:solidFill>
+                  <a:srgbClr val="FF0000"/>
+                </a:solidFill>
+              </a:rPr>
+              <a:t>联调</a:t>
+            </a:r>
+          </a:p>
+          <a:p>
+            <a:endParaRPr kumimoji="1" lang="zh-CN" altLang="en-US" dirty="0">
+              <a:solidFill>
+                <a:schemeClr val="bg2"/>
+              </a:solidFill>
+            </a:endParaRPr>
+          </a:p>
+        </p:txBody>
+      </p:sp>
+    </p:spTree>
+    <p:extLst>
+      <p:ext uri="{BB962C8B-B14F-4D97-AF65-F5344CB8AC3E}">
+        <p14:creationId xmlns:p14="http://schemas.microsoft.com/office/powerpoint/2010/main" val="2143367354"/>
+      </p:ext>
+    </p:extLst>
+  </p:cSld>
+  <p:clrMapOvr>
+    <a:masterClrMapping/>
+  </p:clrMapOvr>
+  <p:timing>
+    <p:tnLst>
+      <p:par>
+        <p:cTn id="1" dur="indefinite" restart="never" nodeType="tmRoot"/>
+      </p:par>
+    </p:tnLst>
+  </p:timing>
+</p:sld>
+</file>
+
+<file path=ppt/slides/slide28.xml><?xml version="1.0" encoding="utf-8"?>
+<p:sld xmlns:a="http://schemas.openxmlformats.org/drawingml/2006/main" xmlns:r="http://schemas.openxmlformats.org/officeDocument/2006/relationships" xmlns:p="http://schemas.openxmlformats.org/presentationml/2006/main">
+  <p:cSld>
+    <p:spTree>
+      <p:nvGrpSpPr>
+        <p:cNvPr id="1" name=""/>
+        <p:cNvGrpSpPr/>
+        <p:nvPr/>
+      </p:nvGrpSpPr>
+      <p:grpSpPr>
+        <a:xfrm>
+          <a:off x="0" y="0"/>
+          <a:ext cx="0" cy="0"/>
+          <a:chOff x="0" y="0"/>
+          <a:chExt cx="0" cy="0"/>
+        </a:xfrm>
+      </p:grpSpPr>
+      <p:sp>
+        <p:nvSpPr>
+          <p:cNvPr id="2" name="标题 1"/>
+          <p:cNvSpPr>
+            <a:spLocks noGrp="1"/>
+          </p:cNvSpPr>
+          <p:nvPr>
+            <p:ph type="title"/>
+          </p:nvPr>
+        </p:nvSpPr>
+        <p:spPr/>
+        <p:txBody>
+          <a:bodyPr/>
+          <a:lstStyle/>
+          <a:p>
+            <a:r>
+              <a:rPr kumimoji="1" lang="zh-CN" altLang="en-US" dirty="0" smtClean="0">
+                <a:solidFill>
+                  <a:schemeClr val="bg2"/>
+                </a:solidFill>
+              </a:rPr>
+              <a:t>时不我贷</a:t>
+            </a:r>
+            <a:endParaRPr kumimoji="1" lang="zh-CN" altLang="en-US" dirty="0">
+              <a:solidFill>
+                <a:schemeClr val="bg2"/>
+              </a:solidFill>
+            </a:endParaRPr>
+          </a:p>
+        </p:txBody>
+      </p:sp>
+      <p:sp>
+        <p:nvSpPr>
+          <p:cNvPr id="3" name="内容占位符 2"/>
+          <p:cNvSpPr>
+            <a:spLocks noGrp="1"/>
+          </p:cNvSpPr>
+          <p:nvPr>
+            <p:ph idx="1"/>
+          </p:nvPr>
+        </p:nvSpPr>
+        <p:spPr/>
+        <p:txBody>
+          <a:bodyPr/>
+          <a:lstStyle/>
+          <a:p>
+            <a:r>
+              <a:rPr kumimoji="1" lang="zh-CN" altLang="en-US" dirty="0" smtClean="0"/>
+              <a:t>课题背景</a:t>
+            </a:r>
+            <a:endParaRPr kumimoji="1" lang="en-US" altLang="zh-CN" dirty="0" smtClean="0"/>
+          </a:p>
+          <a:p>
+            <a:endParaRPr kumimoji="1" lang="en-US" altLang="zh-CN" dirty="0" smtClean="0"/>
+          </a:p>
+          <a:p>
+            <a:r>
+              <a:rPr kumimoji="1" lang="zh-CN" altLang="en-US" dirty="0"/>
+              <a:t>系统演示</a:t>
+            </a:r>
+            <a:endParaRPr kumimoji="1" lang="en-US" altLang="zh-CN" dirty="0"/>
+          </a:p>
+          <a:p>
+            <a:endParaRPr kumimoji="1" lang="en-US" altLang="zh-CN" dirty="0" smtClean="0"/>
+          </a:p>
+          <a:p>
+            <a:r>
+              <a:rPr kumimoji="1" lang="zh-CN" altLang="en-US" dirty="0" smtClean="0"/>
+              <a:t>文档编写及分工</a:t>
+            </a:r>
+            <a:endParaRPr kumimoji="1" lang="en-US" altLang="zh-CN" dirty="0" smtClean="0"/>
+          </a:p>
+          <a:p>
+            <a:endParaRPr kumimoji="1" lang="en-US" altLang="zh-CN" dirty="0">
+              <a:solidFill>
+                <a:schemeClr val="bg2"/>
+              </a:solidFill>
+            </a:endParaRPr>
+          </a:p>
+          <a:p>
+            <a:r>
+              <a:rPr kumimoji="1" lang="zh-CN" altLang="en-US" dirty="0" smtClean="0">
+                <a:solidFill>
+                  <a:schemeClr val="bg2"/>
+                </a:solidFill>
+              </a:rPr>
+              <a:t>总结</a:t>
+            </a:r>
+            <a:endParaRPr kumimoji="1" lang="zh-CN" altLang="en-US" dirty="0">
+              <a:solidFill>
+                <a:schemeClr val="bg2"/>
+              </a:solidFill>
+            </a:endParaRPr>
+          </a:p>
+        </p:txBody>
+      </p:sp>
+    </p:spTree>
+    <p:extLst>
+      <p:ext uri="{BB962C8B-B14F-4D97-AF65-F5344CB8AC3E}">
+        <p14:creationId xmlns:p14="http://schemas.microsoft.com/office/powerpoint/2010/main" val="383306239"/>
+      </p:ext>
+    </p:extLst>
+  </p:cSld>
+  <p:clrMapOvr>
+    <a:masterClrMapping/>
+  </p:clrMapOvr>
+  <p:timing>
+    <p:tnLst>
+      <p:par>
+        <p:cTn id="1" dur="indefinite" restart="never" nodeType="tmRoot"/>
+      </p:par>
+    </p:tnLst>
+  </p:timing>
+</p:sld>
+</file>
+
+<file path=ppt/slides/slide29.xml><?xml version="1.0" encoding="utf-8"?>
 <p:sld xmlns:a="http://schemas.openxmlformats.org/drawingml/2006/main" xmlns:r="http://schemas.openxmlformats.org/officeDocument/2006/relationships" xmlns:p="http://schemas.openxmlformats.org/presentationml/2006/main">
   <p:cSld>
     <p:spTree>
@@ -8776,22 +9755,29 @@
           <a:bodyPr/>
           <a:lstStyle/>
           <a:p>
+            <a:r>
+              <a:rPr kumimoji="1" lang="zh-CN" altLang="en-US" dirty="0" smtClean="0">
+                <a:solidFill>
+                  <a:schemeClr val="bg2"/>
+                </a:solidFill>
+              </a:rPr>
+              <a:t>课题背景</a:t>
+            </a:r>
+            <a:endParaRPr kumimoji="1" lang="en-US" altLang="zh-CN" dirty="0" smtClean="0">
+              <a:solidFill>
+                <a:schemeClr val="bg2"/>
+              </a:solidFill>
+            </a:endParaRPr>
+          </a:p>
+          <a:p>
             <a:endParaRPr kumimoji="1" lang="en-US" altLang="zh-CN" dirty="0" smtClean="0"/>
           </a:p>
           <a:p>
             <a:r>
-              <a:rPr kumimoji="1" lang="zh-CN" altLang="en-US" dirty="0">
-                <a:solidFill>
-                  <a:schemeClr val="bg2"/>
-                </a:solidFill>
-              </a:rPr>
+              <a:rPr kumimoji="1" lang="zh-CN" altLang="en-US" dirty="0"/>
               <a:t>系统演示</a:t>
             </a:r>
-            <a:endParaRPr kumimoji="1" lang="en-US" altLang="zh-CN" dirty="0">
-              <a:solidFill>
-                <a:schemeClr val="bg2"/>
-              </a:solidFill>
-            </a:endParaRPr>
+            <a:endParaRPr kumimoji="1" lang="en-US" altLang="zh-CN" dirty="0"/>
           </a:p>
           <a:p>
             <a:endParaRPr kumimoji="1" lang="en-US" altLang="zh-CN" dirty="0" smtClean="0"/>
@@ -8818,7 +9804,7 @@
     </p:spTree>
     <p:extLst>
       <p:ext uri="{BB962C8B-B14F-4D97-AF65-F5344CB8AC3E}">
-        <p14:creationId xmlns:p14="http://schemas.microsoft.com/office/powerpoint/2010/main" val="1374385469"/>
+        <p14:creationId xmlns:p14="http://schemas.microsoft.com/office/powerpoint/2010/main" val="1554116634"/>
       </p:ext>
     </p:extLst>
   </p:cSld>
@@ -8836,6 +9822,446 @@
 </file>
 
 <file path=ppt/slides/slide4.xml><?xml version="1.0" encoding="utf-8"?>
+<p:sld xmlns:a="http://schemas.openxmlformats.org/drawingml/2006/main" xmlns:r="http://schemas.openxmlformats.org/officeDocument/2006/relationships" xmlns:p="http://schemas.openxmlformats.org/presentationml/2006/main">
+  <p:cSld>
+    <p:spTree>
+      <p:nvGrpSpPr>
+        <p:cNvPr id="1" name=""/>
+        <p:cNvGrpSpPr/>
+        <p:nvPr/>
+      </p:nvGrpSpPr>
+      <p:grpSpPr>
+        <a:xfrm>
+          <a:off x="0" y="0"/>
+          <a:ext cx="0" cy="0"/>
+          <a:chOff x="0" y="0"/>
+          <a:chExt cx="0" cy="0"/>
+        </a:xfrm>
+      </p:grpSpPr>
+      <p:sp>
+        <p:nvSpPr>
+          <p:cNvPr id="2" name="标题 1"/>
+          <p:cNvSpPr>
+            <a:spLocks noGrp="1"/>
+          </p:cNvSpPr>
+          <p:nvPr>
+            <p:ph type="title"/>
+          </p:nvPr>
+        </p:nvSpPr>
+        <p:spPr/>
+        <p:txBody>
+          <a:bodyPr/>
+          <a:lstStyle/>
+          <a:p>
+            <a:r>
+              <a:rPr kumimoji="1" lang="zh-CN" altLang="en-US" dirty="0" smtClean="0">
+                <a:solidFill>
+                  <a:schemeClr val="bg2"/>
+                </a:solidFill>
+              </a:rPr>
+              <a:t>项目背景</a:t>
+            </a:r>
+            <a:endParaRPr kumimoji="1" lang="zh-CN" altLang="en-US" dirty="0">
+              <a:solidFill>
+                <a:schemeClr val="bg2"/>
+              </a:solidFill>
+            </a:endParaRPr>
+          </a:p>
+        </p:txBody>
+      </p:sp>
+      <p:sp>
+        <p:nvSpPr>
+          <p:cNvPr id="3" name="内容占位符 2"/>
+          <p:cNvSpPr>
+            <a:spLocks noGrp="1"/>
+          </p:cNvSpPr>
+          <p:nvPr>
+            <p:ph idx="1"/>
+          </p:nvPr>
+        </p:nvSpPr>
+        <p:spPr/>
+        <p:txBody>
+          <a:bodyPr/>
+          <a:lstStyle/>
+          <a:p>
+            <a:r>
+              <a:rPr lang="zh-CN" altLang="zh-CN" dirty="0">
+                <a:solidFill>
+                  <a:schemeClr val="bg2"/>
+                </a:solidFill>
+              </a:rPr>
+              <a:t>本平台将定位在中大型</a:t>
+            </a:r>
+            <a:r>
+              <a:rPr lang="zh-CN" altLang="zh-CN" dirty="0" smtClean="0">
+                <a:solidFill>
+                  <a:schemeClr val="bg2"/>
+                </a:solidFill>
+              </a:rPr>
+              <a:t>企业</a:t>
+            </a:r>
+            <a:r>
+              <a:rPr lang="zh-CN" altLang="en-US" dirty="0" smtClean="0">
+                <a:solidFill>
+                  <a:srgbClr val="FF0000"/>
+                </a:solidFill>
+              </a:rPr>
+              <a:t>内部</a:t>
+            </a:r>
+            <a:r>
+              <a:rPr lang="zh-CN" altLang="zh-CN" dirty="0" smtClean="0">
+                <a:solidFill>
+                  <a:schemeClr val="bg2"/>
+                </a:solidFill>
+              </a:rPr>
+              <a:t>，</a:t>
+            </a:r>
+            <a:r>
+              <a:rPr lang="zh-CN" altLang="zh-CN" dirty="0">
+                <a:solidFill>
+                  <a:schemeClr val="bg2"/>
+                </a:solidFill>
+              </a:rPr>
+              <a:t>面向企业</a:t>
+            </a:r>
+            <a:r>
+              <a:rPr lang="zh-CN" altLang="zh-CN" dirty="0" smtClean="0">
+                <a:solidFill>
+                  <a:schemeClr val="bg2"/>
+                </a:solidFill>
+              </a:rPr>
+              <a:t>员工</a:t>
+            </a:r>
+            <a:r>
+              <a:rPr lang="zh-CN" altLang="en-US" dirty="0" smtClean="0">
+                <a:solidFill>
+                  <a:schemeClr val="bg2"/>
+                </a:solidFill>
+              </a:rPr>
+              <a:t>，</a:t>
+            </a:r>
+            <a:r>
+              <a:rPr lang="zh-CN" altLang="zh-CN" dirty="0" smtClean="0">
+                <a:solidFill>
+                  <a:schemeClr val="bg2"/>
+                </a:solidFill>
+              </a:rPr>
+              <a:t>提供</a:t>
+            </a:r>
+            <a:r>
+              <a:rPr lang="zh-CN" altLang="zh-CN" dirty="0">
+                <a:solidFill>
+                  <a:schemeClr val="bg2"/>
+                </a:solidFill>
+              </a:rPr>
+              <a:t>小额信贷撮合的信息中介</a:t>
+            </a:r>
+            <a:r>
+              <a:rPr lang="zh-CN" altLang="zh-CN" dirty="0" smtClean="0">
+                <a:solidFill>
+                  <a:schemeClr val="bg2"/>
+                </a:solidFill>
+              </a:rPr>
+              <a:t>服务</a:t>
+            </a:r>
+            <a:r>
+              <a:rPr lang="zh-CN" altLang="en-US" dirty="0" smtClean="0">
+                <a:solidFill>
+                  <a:schemeClr val="bg2"/>
+                </a:solidFill>
+              </a:rPr>
+              <a:t>。</a:t>
+            </a:r>
+            <a:endParaRPr lang="en-US" altLang="zh-CN" dirty="0" smtClean="0">
+              <a:solidFill>
+                <a:schemeClr val="bg2"/>
+              </a:solidFill>
+            </a:endParaRPr>
+          </a:p>
+          <a:p>
+            <a:endParaRPr lang="en-US" altLang="zh-CN" dirty="0" smtClean="0">
+              <a:solidFill>
+                <a:schemeClr val="bg2"/>
+              </a:solidFill>
+            </a:endParaRPr>
+          </a:p>
+          <a:p>
+            <a:r>
+              <a:rPr lang="zh-CN" altLang="en-US" dirty="0" smtClean="0">
+                <a:solidFill>
+                  <a:schemeClr val="bg2"/>
+                </a:solidFill>
+              </a:rPr>
+              <a:t>本平台</a:t>
+            </a:r>
+            <a:r>
+              <a:rPr lang="zh-CN" altLang="zh-CN" dirty="0" smtClean="0">
+                <a:solidFill>
+                  <a:schemeClr val="bg2"/>
+                </a:solidFill>
+              </a:rPr>
+              <a:t>采用</a:t>
+            </a:r>
+            <a:r>
+              <a:rPr lang="zh-CN" altLang="zh-CN" dirty="0">
+                <a:solidFill>
+                  <a:schemeClr val="bg2"/>
+                </a:solidFill>
+              </a:rPr>
+              <a:t>稳健的线上无抵押无担保的模式，主要解决员工投资和借款的需求，平台以服务员工为第一目标，不收取任何服务费，费用直接在借款人和投资人</a:t>
+            </a:r>
+            <a:r>
+              <a:rPr lang="zh-CN" altLang="zh-CN" dirty="0">
+                <a:solidFill>
+                  <a:srgbClr val="FF0000"/>
+                </a:solidFill>
+              </a:rPr>
+              <a:t>直接发生</a:t>
+            </a:r>
+            <a:r>
+              <a:rPr lang="zh-CN" altLang="zh-CN" dirty="0" smtClean="0">
+                <a:solidFill>
+                  <a:schemeClr val="bg2"/>
+                </a:solidFill>
+              </a:rPr>
+              <a:t>。</a:t>
+            </a:r>
+            <a:endParaRPr lang="en-US" altLang="zh-CN" dirty="0" smtClean="0">
+              <a:solidFill>
+                <a:schemeClr val="bg2"/>
+              </a:solidFill>
+            </a:endParaRPr>
+          </a:p>
+          <a:p>
+            <a:endParaRPr lang="zh-CN" altLang="zh-CN" dirty="0">
+              <a:solidFill>
+                <a:schemeClr val="bg2"/>
+              </a:solidFill>
+            </a:endParaRPr>
+          </a:p>
+          <a:p>
+            <a:pPr lvl="0"/>
+            <a:r>
+              <a:rPr kumimoji="1" lang="zh-CN" altLang="en-US" dirty="0" smtClean="0">
+                <a:solidFill>
+                  <a:schemeClr val="bg2"/>
+                </a:solidFill>
+              </a:rPr>
+              <a:t>本平台需</a:t>
+            </a:r>
+            <a:r>
+              <a:rPr lang="zh-CN" altLang="zh-CN" dirty="0" smtClean="0">
+                <a:solidFill>
+                  <a:schemeClr val="bg2"/>
+                </a:solidFill>
+              </a:rPr>
+              <a:t>实现</a:t>
+            </a:r>
+            <a:r>
+              <a:rPr lang="zh-CN" altLang="zh-CN" dirty="0">
+                <a:solidFill>
+                  <a:schemeClr val="bg2"/>
+                </a:solidFill>
+              </a:rPr>
+              <a:t>投资人和借款人在网页</a:t>
+            </a:r>
+            <a:r>
+              <a:rPr lang="zh-CN" altLang="zh-CN" dirty="0" smtClean="0">
+                <a:solidFill>
+                  <a:schemeClr val="bg2"/>
+                </a:solidFill>
+              </a:rPr>
+              <a:t>端办理</a:t>
+            </a:r>
+            <a:r>
+              <a:rPr lang="zh-CN" altLang="zh-CN" dirty="0">
+                <a:solidFill>
+                  <a:schemeClr val="bg2"/>
+                </a:solidFill>
+              </a:rPr>
+              <a:t>借款与投资</a:t>
+            </a:r>
+            <a:r>
+              <a:rPr lang="zh-CN" altLang="zh-CN" dirty="0" smtClean="0">
+                <a:solidFill>
+                  <a:schemeClr val="bg2"/>
+                </a:solidFill>
+              </a:rPr>
+              <a:t>业务</a:t>
+            </a:r>
+            <a:r>
+              <a:rPr lang="zh-CN" altLang="en-US" dirty="0" smtClean="0">
+                <a:solidFill>
+                  <a:schemeClr val="bg2"/>
+                </a:solidFill>
+              </a:rPr>
+              <a:t>的功能。</a:t>
+            </a:r>
+            <a:endParaRPr lang="zh-CN" altLang="zh-CN" dirty="0">
+              <a:solidFill>
+                <a:schemeClr val="bg2"/>
+              </a:solidFill>
+            </a:endParaRPr>
+          </a:p>
+          <a:p>
+            <a:endParaRPr kumimoji="1" lang="zh-CN" altLang="en-US" dirty="0">
+              <a:solidFill>
+                <a:schemeClr val="bg2"/>
+              </a:solidFill>
+            </a:endParaRPr>
+          </a:p>
+        </p:txBody>
+      </p:sp>
+    </p:spTree>
+    <p:extLst>
+      <p:ext uri="{BB962C8B-B14F-4D97-AF65-F5344CB8AC3E}">
+        <p14:creationId xmlns:p14="http://schemas.microsoft.com/office/powerpoint/2010/main" val="557717727"/>
+      </p:ext>
+    </p:extLst>
+  </p:cSld>
+  <p:clrMapOvr>
+    <a:masterClrMapping/>
+  </p:clrMapOvr>
+  <p:timing>
+    <p:tnLst>
+      <p:par>
+        <p:cTn id="1" dur="indefinite" restart="never" nodeType="tmRoot"/>
+      </p:par>
+    </p:tnLst>
+  </p:timing>
+</p:sld>
+</file>
+
+<file path=ppt/slides/slide5.xml><?xml version="1.0" encoding="utf-8"?>
+<p:sld xmlns:a="http://schemas.openxmlformats.org/drawingml/2006/main" xmlns:r="http://schemas.openxmlformats.org/officeDocument/2006/relationships" xmlns:p="http://schemas.openxmlformats.org/presentationml/2006/main">
+  <p:cSld>
+    <p:spTree>
+      <p:nvGrpSpPr>
+        <p:cNvPr id="1" name=""/>
+        <p:cNvGrpSpPr/>
+        <p:nvPr/>
+      </p:nvGrpSpPr>
+      <p:grpSpPr>
+        <a:xfrm>
+          <a:off x="0" y="0"/>
+          <a:ext cx="0" cy="0"/>
+          <a:chOff x="0" y="0"/>
+          <a:chExt cx="0" cy="0"/>
+        </a:xfrm>
+      </p:grpSpPr>
+      <p:sp>
+        <p:nvSpPr>
+          <p:cNvPr id="2" name="标题 1"/>
+          <p:cNvSpPr>
+            <a:spLocks noGrp="1"/>
+          </p:cNvSpPr>
+          <p:nvPr>
+            <p:ph type="title"/>
+          </p:nvPr>
+        </p:nvSpPr>
+        <p:spPr/>
+        <p:txBody>
+          <a:bodyPr/>
+          <a:lstStyle/>
+          <a:p>
+            <a:r>
+              <a:rPr kumimoji="1" lang="zh-CN" altLang="en-US" dirty="0" smtClean="0">
+                <a:solidFill>
+                  <a:schemeClr val="bg2"/>
+                </a:solidFill>
+              </a:rPr>
+              <a:t>时不我贷</a:t>
+            </a:r>
+            <a:endParaRPr kumimoji="1" lang="zh-CN" altLang="en-US" dirty="0">
+              <a:solidFill>
+                <a:schemeClr val="bg2"/>
+              </a:solidFill>
+            </a:endParaRPr>
+          </a:p>
+        </p:txBody>
+      </p:sp>
+      <p:sp>
+        <p:nvSpPr>
+          <p:cNvPr id="3" name="内容占位符 2"/>
+          <p:cNvSpPr>
+            <a:spLocks noGrp="1"/>
+          </p:cNvSpPr>
+          <p:nvPr>
+            <p:ph idx="1"/>
+          </p:nvPr>
+        </p:nvSpPr>
+        <p:spPr/>
+        <p:txBody>
+          <a:bodyPr/>
+          <a:lstStyle/>
+          <a:p>
+            <a:r>
+              <a:rPr kumimoji="1" lang="zh-CN" altLang="en-US" dirty="0" smtClean="0"/>
+              <a:t>课题背景</a:t>
+            </a:r>
+            <a:endParaRPr kumimoji="1" lang="en-US" altLang="zh-CN" dirty="0" smtClean="0"/>
+          </a:p>
+          <a:p>
+            <a:endParaRPr kumimoji="1" lang="en-US" altLang="zh-CN" dirty="0" smtClean="0"/>
+          </a:p>
+          <a:p>
+            <a:r>
+              <a:rPr kumimoji="1" lang="zh-CN" altLang="en-US" dirty="0">
+                <a:solidFill>
+                  <a:schemeClr val="bg2"/>
+                </a:solidFill>
+              </a:rPr>
+              <a:t>系统演示</a:t>
+            </a:r>
+            <a:endParaRPr kumimoji="1" lang="en-US" altLang="zh-CN" dirty="0">
+              <a:solidFill>
+                <a:schemeClr val="bg2"/>
+              </a:solidFill>
+            </a:endParaRPr>
+          </a:p>
+          <a:p>
+            <a:endParaRPr kumimoji="1" lang="en-US" altLang="zh-CN" dirty="0" smtClean="0"/>
+          </a:p>
+          <a:p>
+            <a:r>
+              <a:rPr kumimoji="1" lang="zh-CN" altLang="en-US" dirty="0" smtClean="0"/>
+              <a:t>文档编写及分工</a:t>
+            </a:r>
+            <a:endParaRPr kumimoji="1" lang="en-US" altLang="zh-CN" dirty="0" smtClean="0"/>
+          </a:p>
+          <a:p>
+            <a:endParaRPr kumimoji="1" lang="en-US" altLang="zh-CN" dirty="0"/>
+          </a:p>
+          <a:p>
+            <a:r>
+              <a:rPr kumimoji="1" lang="zh-CN" altLang="en-US" dirty="0" smtClean="0"/>
+              <a:t>总结</a:t>
+            </a:r>
+            <a:endParaRPr kumimoji="1" lang="zh-CN" altLang="en-US" dirty="0"/>
+          </a:p>
+        </p:txBody>
+      </p:sp>
+    </p:spTree>
+    <p:extLst>
+      <p:ext uri="{BB962C8B-B14F-4D97-AF65-F5344CB8AC3E}">
+        <p14:creationId xmlns:p14="http://schemas.microsoft.com/office/powerpoint/2010/main" val="1732305493"/>
+      </p:ext>
+    </p:extLst>
+  </p:cSld>
+  <p:clrMapOvr>
+    <a:masterClrMapping/>
+  </p:clrMapOvr>
+  <p:timing>
+    <p:tnLst>
+      <p:par>
+        <p:cTn id="1" dur="indefinite" restart="never" nodeType="tmRoot"/>
+      </p:par>
+    </p:tnLst>
+  </p:timing>
+</p:sld>
+</file>
+
+<file path=ppt/slides/slide6.xml><?xml version="1.0" encoding="utf-8"?>
 <p:sld xmlns:a="http://schemas.openxmlformats.org/drawingml/2006/main" xmlns:r="http://schemas.openxmlformats.org/officeDocument/2006/relationships" xmlns:p="http://schemas.openxmlformats.org/presentationml/2006/main">
   <p:cSld>
     <p:spTree>
@@ -8927,1053 +10353,6 @@
 </p:sld>
 </file>
 
-<file path=ppt/slides/slide5.xml><?xml version="1.0" encoding="utf-8"?>
-<p:sld xmlns:a="http://schemas.openxmlformats.org/drawingml/2006/main" xmlns:r="http://schemas.openxmlformats.org/officeDocument/2006/relationships" xmlns:p="http://schemas.openxmlformats.org/presentationml/2006/main">
-  <p:cSld>
-    <p:spTree>
-      <p:nvGrpSpPr>
-        <p:cNvPr id="1" name=""/>
-        <p:cNvGrpSpPr/>
-        <p:nvPr/>
-      </p:nvGrpSpPr>
-      <p:grpSpPr>
-        <a:xfrm>
-          <a:off x="0" y="0"/>
-          <a:ext cx="0" cy="0"/>
-          <a:chOff x="0" y="0"/>
-          <a:chExt cx="0" cy="0"/>
-        </a:xfrm>
-      </p:grpSpPr>
-      <p:sp>
-        <p:nvSpPr>
-          <p:cNvPr id="2" name="标题 1"/>
-          <p:cNvSpPr>
-            <a:spLocks noGrp="1"/>
-          </p:cNvSpPr>
-          <p:nvPr>
-            <p:ph type="title"/>
-          </p:nvPr>
-        </p:nvSpPr>
-        <p:spPr/>
-        <p:txBody>
-          <a:bodyPr/>
-          <a:lstStyle/>
-          <a:p>
-            <a:r>
-              <a:rPr kumimoji="1" lang="zh-CN" altLang="en-US" dirty="0" smtClean="0">
-                <a:solidFill>
-                  <a:schemeClr val="bg2"/>
-                </a:solidFill>
-              </a:rPr>
-              <a:t>用户认证模块</a:t>
-            </a:r>
-            <a:endParaRPr kumimoji="1" lang="zh-CN" altLang="en-US" dirty="0">
-              <a:solidFill>
-                <a:schemeClr val="bg2"/>
-              </a:solidFill>
-            </a:endParaRPr>
-          </a:p>
-        </p:txBody>
-      </p:sp>
-      <p:sp>
-        <p:nvSpPr>
-          <p:cNvPr id="3" name="内容占位符 2"/>
-          <p:cNvSpPr>
-            <a:spLocks noGrp="1"/>
-          </p:cNvSpPr>
-          <p:nvPr>
-            <p:ph idx="1"/>
-          </p:nvPr>
-        </p:nvSpPr>
-        <p:spPr/>
-        <p:txBody>
-          <a:bodyPr/>
-          <a:lstStyle/>
-          <a:p>
-            <a:r>
-              <a:rPr kumimoji="1" lang="zh-CN" altLang="en-US" dirty="0" smtClean="0">
-                <a:solidFill>
-                  <a:schemeClr val="bg2"/>
-                </a:solidFill>
-              </a:rPr>
-              <a:t>注册：</a:t>
-            </a:r>
-            <a:endParaRPr kumimoji="1" lang="en-US" altLang="zh-CN" dirty="0" smtClean="0">
-              <a:solidFill>
-                <a:schemeClr val="bg2"/>
-              </a:solidFill>
-            </a:endParaRPr>
-          </a:p>
-          <a:p>
-            <a:pPr lvl="1"/>
-            <a:r>
-              <a:rPr kumimoji="1" lang="zh-CN" altLang="en-US" dirty="0">
-                <a:solidFill>
-                  <a:schemeClr val="bg2"/>
-                </a:solidFill>
-              </a:rPr>
-              <a:t>用户输入</a:t>
-            </a:r>
-            <a:r>
-              <a:rPr kumimoji="1" lang="zh-CN" altLang="en-US" dirty="0" smtClean="0">
-                <a:solidFill>
-                  <a:srgbClr val="FF0000"/>
-                </a:solidFill>
-              </a:rPr>
-              <a:t>工号</a:t>
-            </a:r>
-            <a:r>
-              <a:rPr kumimoji="1" lang="zh-CN" altLang="en-US" dirty="0" smtClean="0">
-                <a:solidFill>
-                  <a:schemeClr val="bg2"/>
-                </a:solidFill>
-              </a:rPr>
-              <a:t>等</a:t>
-            </a:r>
-            <a:r>
-              <a:rPr kumimoji="1" lang="zh-CN" altLang="en-US" dirty="0">
-                <a:solidFill>
-                  <a:schemeClr val="bg2"/>
-                </a:solidFill>
-              </a:rPr>
-              <a:t>信息进行注册，</a:t>
-            </a:r>
-            <a:r>
-              <a:rPr kumimoji="1" lang="zh-CN" altLang="en-US" dirty="0" smtClean="0">
-                <a:solidFill>
-                  <a:schemeClr val="bg2"/>
-                </a:solidFill>
-              </a:rPr>
-              <a:t>工号等用户信息可通过</a:t>
-            </a:r>
-            <a:r>
-              <a:rPr kumimoji="1" lang="zh-CN" altLang="en-US" dirty="0">
-                <a:solidFill>
-                  <a:schemeClr val="bg2"/>
-                </a:solidFill>
-              </a:rPr>
-              <a:t>平台提供的管理员</a:t>
-            </a:r>
-            <a:r>
-              <a:rPr kumimoji="1" lang="zh-CN" altLang="en-US" dirty="0" smtClean="0">
-                <a:solidFill>
-                  <a:schemeClr val="bg2"/>
-                </a:solidFill>
-              </a:rPr>
-              <a:t>账号</a:t>
-            </a:r>
-            <a:r>
-              <a:rPr kumimoji="1" lang="zh-CN" altLang="en-US" dirty="0" smtClean="0">
-                <a:solidFill>
-                  <a:srgbClr val="FF0000"/>
-                </a:solidFill>
-              </a:rPr>
-              <a:t>提前导入</a:t>
-            </a:r>
-            <a:r>
-              <a:rPr kumimoji="1" lang="zh-CN" altLang="en-US" dirty="0" smtClean="0">
-                <a:solidFill>
-                  <a:schemeClr val="bg2"/>
-                </a:solidFill>
-              </a:rPr>
-              <a:t>。</a:t>
-            </a:r>
-            <a:endParaRPr kumimoji="1" lang="en-US" altLang="zh-CN" dirty="0" smtClean="0">
-              <a:solidFill>
-                <a:schemeClr val="bg2"/>
-              </a:solidFill>
-            </a:endParaRPr>
-          </a:p>
-          <a:p>
-            <a:pPr lvl="1"/>
-            <a:r>
-              <a:rPr kumimoji="1" lang="zh-CN" altLang="en-US" dirty="0" smtClean="0">
-                <a:solidFill>
-                  <a:schemeClr val="bg2"/>
-                </a:solidFill>
-              </a:rPr>
-              <a:t>平台只提供普通用户的注册</a:t>
-            </a:r>
-            <a:endParaRPr kumimoji="1" lang="en-US" altLang="zh-CN" dirty="0" smtClean="0">
-              <a:solidFill>
-                <a:schemeClr val="bg2"/>
-              </a:solidFill>
-            </a:endParaRPr>
-          </a:p>
-          <a:p>
-            <a:r>
-              <a:rPr kumimoji="1" lang="zh-CN" altLang="en-US" dirty="0" smtClean="0">
-                <a:solidFill>
-                  <a:schemeClr val="bg2"/>
-                </a:solidFill>
-              </a:rPr>
-              <a:t>登录：</a:t>
-            </a:r>
-            <a:endParaRPr kumimoji="1" lang="en-US" altLang="zh-CN" dirty="0" smtClean="0">
-              <a:solidFill>
-                <a:schemeClr val="bg2"/>
-              </a:solidFill>
-            </a:endParaRPr>
-          </a:p>
-          <a:p>
-            <a:pPr lvl="1"/>
-            <a:r>
-              <a:rPr kumimoji="1" lang="zh-CN" altLang="en-US" dirty="0" smtClean="0">
-                <a:solidFill>
-                  <a:schemeClr val="bg2"/>
-                </a:solidFill>
-              </a:rPr>
-              <a:t>用户选择普通用户、担保人、审核员、管理员四种用户类型中的一种。</a:t>
-            </a:r>
-            <a:endParaRPr kumimoji="1" lang="en-US" altLang="zh-CN" dirty="0" smtClean="0">
-              <a:solidFill>
-                <a:schemeClr val="bg2"/>
-              </a:solidFill>
-            </a:endParaRPr>
-          </a:p>
-          <a:p>
-            <a:r>
-              <a:rPr kumimoji="1" lang="zh-CN" altLang="en-US" dirty="0" smtClean="0">
-                <a:solidFill>
-                  <a:schemeClr val="bg2"/>
-                </a:solidFill>
-              </a:rPr>
-              <a:t>忘记密码：</a:t>
-            </a:r>
-            <a:endParaRPr kumimoji="1" lang="en-US" altLang="zh-CN" dirty="0" smtClean="0">
-              <a:solidFill>
-                <a:schemeClr val="bg2"/>
-              </a:solidFill>
-            </a:endParaRPr>
-          </a:p>
-          <a:p>
-            <a:pPr lvl="1"/>
-            <a:r>
-              <a:rPr kumimoji="1" lang="zh-CN" altLang="en-US" dirty="0" smtClean="0">
-                <a:solidFill>
-                  <a:schemeClr val="bg2"/>
-                </a:solidFill>
-              </a:rPr>
-              <a:t>用户可以通过验证</a:t>
-            </a:r>
-            <a:r>
-              <a:rPr kumimoji="1" lang="zh-CN" altLang="en-US" dirty="0" smtClean="0">
-                <a:solidFill>
-                  <a:srgbClr val="FF0000"/>
-                </a:solidFill>
-              </a:rPr>
-              <a:t>身份证号</a:t>
-            </a:r>
-            <a:r>
-              <a:rPr kumimoji="1" lang="zh-CN" altLang="en-US" dirty="0" smtClean="0">
-                <a:solidFill>
-                  <a:schemeClr val="bg2"/>
-                </a:solidFill>
-              </a:rPr>
-              <a:t>修改密码。</a:t>
-            </a:r>
-            <a:endParaRPr kumimoji="1" lang="en-US" altLang="zh-CN" dirty="0" smtClean="0">
-              <a:solidFill>
-                <a:schemeClr val="bg2"/>
-              </a:solidFill>
-            </a:endParaRPr>
-          </a:p>
-          <a:p>
-            <a:pPr lvl="1"/>
-            <a:endParaRPr kumimoji="1" lang="en-US" altLang="zh-CN" dirty="0">
-              <a:solidFill>
-                <a:schemeClr val="bg2"/>
-              </a:solidFill>
-            </a:endParaRPr>
-          </a:p>
-          <a:p>
-            <a:pPr lvl="1"/>
-            <a:endParaRPr kumimoji="1" lang="en-US" altLang="zh-CN" dirty="0" smtClean="0">
-              <a:solidFill>
-                <a:schemeClr val="bg2"/>
-              </a:solidFill>
-            </a:endParaRPr>
-          </a:p>
-        </p:txBody>
-      </p:sp>
-      <p:sp>
-        <p:nvSpPr>
-          <p:cNvPr id="4" name="文本框 3"/>
-          <p:cNvSpPr txBox="1"/>
-          <p:nvPr/>
-        </p:nvSpPr>
-        <p:spPr>
-          <a:xfrm>
-            <a:off x="3123344" y="5807631"/>
-            <a:ext cx="4339650" cy="369332"/>
-          </a:xfrm>
-          <a:prstGeom prst="rect">
-            <a:avLst/>
-          </a:prstGeom>
-          <a:noFill/>
-        </p:spPr>
-        <p:txBody>
-          <a:bodyPr wrap="none" rtlCol="0">
-            <a:spAutoFit/>
-          </a:bodyPr>
-          <a:lstStyle/>
-          <a:p>
-            <a:r>
-              <a:rPr kumimoji="1" lang="zh-CN" altLang="en-US" b="1" i="1" dirty="0" smtClean="0">
-                <a:solidFill>
-                  <a:srgbClr val="FF0000"/>
-                </a:solidFill>
-              </a:rPr>
-              <a:t>亮点功能：</a:t>
-            </a:r>
-            <a:r>
-              <a:rPr kumimoji="1" lang="zh-CN" altLang="en-US" b="1" i="1" smtClean="0">
-                <a:solidFill>
-                  <a:srgbClr val="FF0000"/>
-                </a:solidFill>
-              </a:rPr>
-              <a:t>注册账号时，手机</a:t>
-            </a:r>
-            <a:r>
-              <a:rPr kumimoji="1" lang="zh-CN" altLang="en-US" b="1" i="1" dirty="0" smtClean="0">
-                <a:solidFill>
-                  <a:srgbClr val="FF0000"/>
-                </a:solidFill>
-              </a:rPr>
-              <a:t>号码的验证</a:t>
-            </a:r>
-            <a:endParaRPr kumimoji="1" lang="zh-CN" altLang="en-US" b="1" i="1" dirty="0">
-              <a:solidFill>
-                <a:srgbClr val="FF0000"/>
-              </a:solidFill>
-            </a:endParaRPr>
-          </a:p>
-        </p:txBody>
-      </p:sp>
-      <p:sp>
-        <p:nvSpPr>
-          <p:cNvPr id="5" name="文本框 4"/>
-          <p:cNvSpPr txBox="1"/>
-          <p:nvPr/>
-        </p:nvSpPr>
-        <p:spPr>
-          <a:xfrm>
-            <a:off x="7602876" y="472611"/>
-            <a:ext cx="4179349" cy="646331"/>
-          </a:xfrm>
-          <a:prstGeom prst="rect">
-            <a:avLst/>
-          </a:prstGeom>
-          <a:noFill/>
-        </p:spPr>
-        <p:txBody>
-          <a:bodyPr wrap="none" rtlCol="0">
-            <a:spAutoFit/>
-          </a:bodyPr>
-          <a:lstStyle/>
-          <a:p>
-            <a:endParaRPr kumimoji="1" lang="en-US" altLang="zh-CN" dirty="0">
-              <a:solidFill>
-                <a:schemeClr val="bg2"/>
-              </a:solidFill>
-            </a:endParaRPr>
-          </a:p>
-          <a:p>
-            <a:r>
-              <a:rPr kumimoji="1" lang="zh-CN" altLang="en-US" dirty="0" smtClean="0">
-                <a:solidFill>
-                  <a:schemeClr val="bg2"/>
-                </a:solidFill>
-              </a:rPr>
-              <a:t>可用于注册的工号：</a:t>
-            </a:r>
-            <a:r>
-              <a:rPr kumimoji="1" lang="en-US" altLang="zh-CN" dirty="0" smtClean="0">
-                <a:solidFill>
-                  <a:schemeClr val="bg2"/>
-                </a:solidFill>
-              </a:rPr>
-              <a:t>SCUT011-SCUT015</a:t>
-            </a:r>
-            <a:endParaRPr kumimoji="1" lang="zh-CN" altLang="en-US" dirty="0">
-              <a:solidFill>
-                <a:schemeClr val="bg2"/>
-              </a:solidFill>
-            </a:endParaRPr>
-          </a:p>
-        </p:txBody>
-      </p:sp>
-    </p:spTree>
-    <p:extLst>
-      <p:ext uri="{BB962C8B-B14F-4D97-AF65-F5344CB8AC3E}">
-        <p14:creationId xmlns:p14="http://schemas.microsoft.com/office/powerpoint/2010/main" val="1439934430"/>
-      </p:ext>
-    </p:extLst>
-  </p:cSld>
-  <p:clrMapOvr>
-    <a:masterClrMapping/>
-  </p:clrMapOvr>
-  <p:timing>
-    <p:tnLst>
-      <p:par>
-        <p:cTn id="1" dur="indefinite" restart="never" nodeType="tmRoot"/>
-      </p:par>
-    </p:tnLst>
-  </p:timing>
-</p:sld>
-</file>
-
-<file path=ppt/slides/slide6.xml><?xml version="1.0" encoding="utf-8"?>
-<p:sld xmlns:a="http://schemas.openxmlformats.org/drawingml/2006/main" xmlns:r="http://schemas.openxmlformats.org/officeDocument/2006/relationships" xmlns:p="http://schemas.openxmlformats.org/presentationml/2006/main">
-  <p:cSld>
-    <p:spTree>
-      <p:nvGrpSpPr>
-        <p:cNvPr id="1" name=""/>
-        <p:cNvGrpSpPr/>
-        <p:nvPr/>
-      </p:nvGrpSpPr>
-      <p:grpSpPr>
-        <a:xfrm>
-          <a:off x="0" y="0"/>
-          <a:ext cx="0" cy="0"/>
-          <a:chOff x="0" y="0"/>
-          <a:chExt cx="0" cy="0"/>
-        </a:xfrm>
-      </p:grpSpPr>
-      <p:sp>
-        <p:nvSpPr>
-          <p:cNvPr id="2" name="标题 1"/>
-          <p:cNvSpPr>
-            <a:spLocks noGrp="1"/>
-          </p:cNvSpPr>
-          <p:nvPr>
-            <p:ph type="title"/>
-          </p:nvPr>
-        </p:nvSpPr>
-        <p:spPr>
-          <a:xfrm>
-            <a:off x="838200" y="365125"/>
-            <a:ext cx="3353656" cy="1325563"/>
-          </a:xfrm>
-        </p:spPr>
-        <p:txBody>
-          <a:bodyPr/>
-          <a:lstStyle/>
-          <a:p>
-            <a:r>
-              <a:rPr kumimoji="1" lang="zh-CN" altLang="en-US" dirty="0" smtClean="0">
-                <a:solidFill>
-                  <a:schemeClr val="bg2"/>
-                </a:solidFill>
-              </a:rPr>
-              <a:t>账号模块</a:t>
-            </a:r>
-            <a:endParaRPr kumimoji="1" lang="zh-CN" altLang="en-US" dirty="0">
-              <a:solidFill>
-                <a:schemeClr val="bg2"/>
-              </a:solidFill>
-            </a:endParaRPr>
-          </a:p>
-        </p:txBody>
-      </p:sp>
-      <p:sp>
-        <p:nvSpPr>
-          <p:cNvPr id="3" name="内容占位符 2"/>
-          <p:cNvSpPr>
-            <a:spLocks noGrp="1"/>
-          </p:cNvSpPr>
-          <p:nvPr>
-            <p:ph idx="1"/>
-          </p:nvPr>
-        </p:nvSpPr>
-        <p:spPr>
-          <a:xfrm>
-            <a:off x="838200" y="1825625"/>
-            <a:ext cx="3507769" cy="4351338"/>
-          </a:xfrm>
-        </p:spPr>
-        <p:txBody>
-          <a:bodyPr/>
-          <a:lstStyle/>
-          <a:p>
-            <a:r>
-              <a:rPr kumimoji="1" lang="zh-CN" altLang="en-US" dirty="0" smtClean="0">
-                <a:solidFill>
-                  <a:schemeClr val="bg2"/>
-                </a:solidFill>
-              </a:rPr>
-              <a:t>提现</a:t>
-            </a:r>
-            <a:endParaRPr kumimoji="1" lang="en-US" altLang="zh-CN" dirty="0" smtClean="0">
-              <a:solidFill>
-                <a:schemeClr val="bg2"/>
-              </a:solidFill>
-            </a:endParaRPr>
-          </a:p>
-          <a:p>
-            <a:endParaRPr kumimoji="1" lang="en-US" altLang="zh-CN" dirty="0">
-              <a:solidFill>
-                <a:schemeClr val="bg2"/>
-              </a:solidFill>
-            </a:endParaRPr>
-          </a:p>
-          <a:p>
-            <a:r>
-              <a:rPr kumimoji="1" lang="zh-CN" altLang="en-US" dirty="0" smtClean="0">
-                <a:solidFill>
-                  <a:schemeClr val="bg2"/>
-                </a:solidFill>
-              </a:rPr>
-              <a:t>充值</a:t>
-            </a:r>
-            <a:endParaRPr kumimoji="1" lang="en-US" altLang="zh-CN" dirty="0" smtClean="0">
-              <a:solidFill>
-                <a:schemeClr val="bg2"/>
-              </a:solidFill>
-            </a:endParaRPr>
-          </a:p>
-          <a:p>
-            <a:endParaRPr kumimoji="1" lang="en-US" altLang="zh-CN" dirty="0">
-              <a:solidFill>
-                <a:schemeClr val="bg2"/>
-              </a:solidFill>
-            </a:endParaRPr>
-          </a:p>
-          <a:p>
-            <a:r>
-              <a:rPr kumimoji="1" lang="zh-CN" altLang="en-US" dirty="0" smtClean="0">
-                <a:solidFill>
-                  <a:schemeClr val="bg2"/>
-                </a:solidFill>
-              </a:rPr>
-              <a:t>修改支付密码</a:t>
-            </a:r>
-            <a:endParaRPr kumimoji="1" lang="en-US" altLang="zh-CN" dirty="0" smtClean="0">
-              <a:solidFill>
-                <a:schemeClr val="bg2"/>
-              </a:solidFill>
-            </a:endParaRPr>
-          </a:p>
-          <a:p>
-            <a:endParaRPr kumimoji="1" lang="en-US" altLang="zh-CN" dirty="0">
-              <a:solidFill>
-                <a:schemeClr val="bg2"/>
-              </a:solidFill>
-            </a:endParaRPr>
-          </a:p>
-          <a:p>
-            <a:r>
-              <a:rPr kumimoji="1" lang="zh-CN" altLang="en-US" dirty="0">
-                <a:solidFill>
-                  <a:schemeClr val="bg2"/>
-                </a:solidFill>
-              </a:rPr>
-              <a:t>查询资金流水</a:t>
-            </a:r>
-            <a:endParaRPr kumimoji="1" lang="en-US" altLang="zh-CN" dirty="0">
-              <a:solidFill>
-                <a:schemeClr val="bg2"/>
-              </a:solidFill>
-            </a:endParaRPr>
-          </a:p>
-          <a:p>
-            <a:endParaRPr kumimoji="1" lang="en-US" altLang="zh-CN" dirty="0" smtClean="0">
-              <a:solidFill>
-                <a:schemeClr val="bg2"/>
-              </a:solidFill>
-            </a:endParaRPr>
-          </a:p>
-          <a:p>
-            <a:endParaRPr kumimoji="1" lang="en-US" altLang="zh-CN" dirty="0">
-              <a:solidFill>
-                <a:schemeClr val="bg2"/>
-              </a:solidFill>
-            </a:endParaRPr>
-          </a:p>
-        </p:txBody>
-      </p:sp>
-      <p:sp>
-        <p:nvSpPr>
-          <p:cNvPr id="5" name="文本框 4"/>
-          <p:cNvSpPr txBox="1"/>
-          <p:nvPr/>
-        </p:nvSpPr>
-        <p:spPr>
-          <a:xfrm>
-            <a:off x="838200" y="5807631"/>
-            <a:ext cx="3223959" cy="369332"/>
-          </a:xfrm>
-          <a:prstGeom prst="rect">
-            <a:avLst/>
-          </a:prstGeom>
-          <a:noFill/>
-        </p:spPr>
-        <p:txBody>
-          <a:bodyPr wrap="none" rtlCol="0">
-            <a:spAutoFit/>
-          </a:bodyPr>
-          <a:lstStyle/>
-          <a:p>
-            <a:r>
-              <a:rPr kumimoji="1" lang="zh-CN" altLang="en-US" dirty="0" smtClean="0">
-                <a:solidFill>
-                  <a:schemeClr val="bg2"/>
-                </a:solidFill>
-              </a:rPr>
-              <a:t>账号的初始支付密码：</a:t>
-            </a:r>
-            <a:r>
-              <a:rPr kumimoji="1" lang="en-US" altLang="zh-CN" dirty="0" smtClean="0">
-                <a:solidFill>
-                  <a:schemeClr val="bg2"/>
-                </a:solidFill>
-              </a:rPr>
-              <a:t>000000</a:t>
-            </a:r>
-            <a:endParaRPr kumimoji="1" lang="zh-CN" altLang="en-US" dirty="0">
-              <a:solidFill>
-                <a:schemeClr val="bg2"/>
-              </a:solidFill>
-            </a:endParaRPr>
-          </a:p>
-        </p:txBody>
-      </p:sp>
-      <p:sp>
-        <p:nvSpPr>
-          <p:cNvPr id="7" name="标题 1"/>
-          <p:cNvSpPr txBox="1">
-            <a:spLocks/>
-          </p:cNvSpPr>
-          <p:nvPr/>
-        </p:nvSpPr>
-        <p:spPr>
-          <a:xfrm>
-            <a:off x="6446177" y="365125"/>
-            <a:ext cx="3353656" cy="1325563"/>
-          </a:xfrm>
-          <a:prstGeom prst="rect">
-            <a:avLst/>
-          </a:prstGeom>
-        </p:spPr>
-        <p:txBody>
-          <a:bodyPr vert="horz" lIns="91440" tIns="45720" rIns="91440" bIns="45720" rtlCol="0" anchor="ctr">
-            <a:normAutofit/>
-          </a:bodyPr>
-          <a:lstStyle>
-            <a:lvl1pPr algn="l" defTabSz="914400" rtl="0" eaLnBrk="1" latinLnBrk="0" hangingPunct="1">
-              <a:lnSpc>
-                <a:spcPct val="90000"/>
-              </a:lnSpc>
-              <a:spcBef>
-                <a:spcPct val="0"/>
-              </a:spcBef>
-              <a:buNone/>
-              <a:defRPr sz="4400" kern="1200">
-                <a:solidFill>
-                  <a:schemeClr val="tx1"/>
-                </a:solidFill>
-                <a:latin typeface="+mj-lt"/>
-                <a:ea typeface="+mj-ea"/>
-                <a:cs typeface="+mj-cs"/>
-              </a:defRPr>
-            </a:lvl1pPr>
-          </a:lstStyle>
-          <a:p>
-            <a:r>
-              <a:rPr kumimoji="1" lang="zh-CN" altLang="en-US" dirty="0" smtClean="0">
-                <a:solidFill>
-                  <a:schemeClr val="bg2"/>
-                </a:solidFill>
-              </a:rPr>
-              <a:t>平台模块</a:t>
-            </a:r>
-            <a:endParaRPr kumimoji="1" lang="zh-CN" altLang="en-US" dirty="0">
-              <a:solidFill>
-                <a:schemeClr val="bg2"/>
-              </a:solidFill>
-            </a:endParaRPr>
-          </a:p>
-        </p:txBody>
-      </p:sp>
-      <p:sp>
-        <p:nvSpPr>
-          <p:cNvPr id="9" name="内容占位符 2"/>
-          <p:cNvSpPr txBox="1">
-            <a:spLocks/>
-          </p:cNvSpPr>
-          <p:nvPr/>
-        </p:nvSpPr>
-        <p:spPr>
-          <a:xfrm>
-            <a:off x="6369120" y="1825625"/>
-            <a:ext cx="4018053" cy="4351338"/>
-          </a:xfrm>
-          <a:prstGeom prst="rect">
-            <a:avLst/>
-          </a:prstGeom>
-        </p:spPr>
-        <p:txBody>
-          <a:bodyPr vert="horz" lIns="91440" tIns="45720" rIns="91440" bIns="45720" rtlCol="0">
-            <a:normAutofit/>
-          </a:bodyPr>
-          <a:lstStyle>
-            <a:lvl1pPr marL="228600" indent="-228600" algn="l" defTabSz="914400" rtl="0" eaLnBrk="1" latinLnBrk="0" hangingPunct="1">
-              <a:lnSpc>
-                <a:spcPct val="90000"/>
-              </a:lnSpc>
-              <a:spcBef>
-                <a:spcPts val="1000"/>
-              </a:spcBef>
-              <a:buFont typeface="Arial"/>
-              <a:buChar char="•"/>
-              <a:defRPr sz="2800" kern="1200">
-                <a:solidFill>
-                  <a:schemeClr val="tx1"/>
-                </a:solidFill>
-                <a:latin typeface="+mn-lt"/>
-                <a:ea typeface="+mn-ea"/>
-                <a:cs typeface="+mn-cs"/>
-              </a:defRPr>
-            </a:lvl1pPr>
-            <a:lvl2pPr marL="685800" indent="-228600" algn="l" defTabSz="914400" rtl="0" eaLnBrk="1" latinLnBrk="0" hangingPunct="1">
-              <a:lnSpc>
-                <a:spcPct val="90000"/>
-              </a:lnSpc>
-              <a:spcBef>
-                <a:spcPts val="500"/>
-              </a:spcBef>
-              <a:buFont typeface="Arial"/>
-              <a:buChar char="•"/>
-              <a:defRPr sz="2400" kern="1200">
-                <a:solidFill>
-                  <a:schemeClr val="tx1"/>
-                </a:solidFill>
-                <a:latin typeface="+mn-lt"/>
-                <a:ea typeface="+mn-ea"/>
-                <a:cs typeface="+mn-cs"/>
-              </a:defRPr>
-            </a:lvl2pPr>
-            <a:lvl3pPr marL="1143000" indent="-228600" algn="l" defTabSz="914400" rtl="0" eaLnBrk="1" latinLnBrk="0" hangingPunct="1">
-              <a:lnSpc>
-                <a:spcPct val="90000"/>
-              </a:lnSpc>
-              <a:spcBef>
-                <a:spcPts val="500"/>
-              </a:spcBef>
-              <a:buFont typeface="Arial"/>
-              <a:buChar char="•"/>
-              <a:defRPr sz="2000" kern="1200">
-                <a:solidFill>
-                  <a:schemeClr val="tx1"/>
-                </a:solidFill>
-                <a:latin typeface="+mn-lt"/>
-                <a:ea typeface="+mn-ea"/>
-                <a:cs typeface="+mn-cs"/>
-              </a:defRPr>
-            </a:lvl3pPr>
-            <a:lvl4pPr marL="1600200" indent="-228600" algn="l" defTabSz="914400" rtl="0" eaLnBrk="1" latinLnBrk="0" hangingPunct="1">
-              <a:lnSpc>
-                <a:spcPct val="90000"/>
-              </a:lnSpc>
-              <a:spcBef>
-                <a:spcPts val="500"/>
-              </a:spcBef>
-              <a:buFont typeface="Arial"/>
-              <a:buChar char="•"/>
-              <a:defRPr sz="1800" kern="1200">
-                <a:solidFill>
-                  <a:schemeClr val="tx1"/>
-                </a:solidFill>
-                <a:latin typeface="+mn-lt"/>
-                <a:ea typeface="+mn-ea"/>
-                <a:cs typeface="+mn-cs"/>
-              </a:defRPr>
-            </a:lvl4pPr>
-            <a:lvl5pPr marL="2057400" indent="-228600" algn="l" defTabSz="914400" rtl="0" eaLnBrk="1" latinLnBrk="0" hangingPunct="1">
-              <a:lnSpc>
-                <a:spcPct val="90000"/>
-              </a:lnSpc>
-              <a:spcBef>
-                <a:spcPts val="500"/>
-              </a:spcBef>
-              <a:buFont typeface="Arial"/>
-              <a:buChar char="•"/>
-              <a:defRPr sz="1800" kern="1200">
-                <a:solidFill>
-                  <a:schemeClr val="tx1"/>
-                </a:solidFill>
-                <a:latin typeface="+mn-lt"/>
-                <a:ea typeface="+mn-ea"/>
-                <a:cs typeface="+mn-cs"/>
-              </a:defRPr>
-            </a:lvl5pPr>
-            <a:lvl6pPr marL="2514600" indent="-228600" algn="l" defTabSz="914400" rtl="0" eaLnBrk="1" latinLnBrk="0" hangingPunct="1">
-              <a:lnSpc>
-                <a:spcPct val="90000"/>
-              </a:lnSpc>
-              <a:spcBef>
-                <a:spcPts val="500"/>
-              </a:spcBef>
-              <a:buFont typeface="Arial"/>
-              <a:buChar char="•"/>
-              <a:defRPr sz="1800" kern="1200">
-                <a:solidFill>
-                  <a:schemeClr val="tx1"/>
-                </a:solidFill>
-                <a:latin typeface="+mn-lt"/>
-                <a:ea typeface="+mn-ea"/>
-                <a:cs typeface="+mn-cs"/>
-              </a:defRPr>
-            </a:lvl6pPr>
-            <a:lvl7pPr marL="2971800" indent="-228600" algn="l" defTabSz="914400" rtl="0" eaLnBrk="1" latinLnBrk="0" hangingPunct="1">
-              <a:lnSpc>
-                <a:spcPct val="90000"/>
-              </a:lnSpc>
-              <a:spcBef>
-                <a:spcPts val="500"/>
-              </a:spcBef>
-              <a:buFont typeface="Arial"/>
-              <a:buChar char="•"/>
-              <a:defRPr sz="1800" kern="1200">
-                <a:solidFill>
-                  <a:schemeClr val="tx1"/>
-                </a:solidFill>
-                <a:latin typeface="+mn-lt"/>
-                <a:ea typeface="+mn-ea"/>
-                <a:cs typeface="+mn-cs"/>
-              </a:defRPr>
-            </a:lvl7pPr>
-            <a:lvl8pPr marL="3429000" indent="-228600" algn="l" defTabSz="914400" rtl="0" eaLnBrk="1" latinLnBrk="0" hangingPunct="1">
-              <a:lnSpc>
-                <a:spcPct val="90000"/>
-              </a:lnSpc>
-              <a:spcBef>
-                <a:spcPts val="500"/>
-              </a:spcBef>
-              <a:buFont typeface="Arial"/>
-              <a:buChar char="•"/>
-              <a:defRPr sz="1800" kern="1200">
-                <a:solidFill>
-                  <a:schemeClr val="tx1"/>
-                </a:solidFill>
-                <a:latin typeface="+mn-lt"/>
-                <a:ea typeface="+mn-ea"/>
-                <a:cs typeface="+mn-cs"/>
-              </a:defRPr>
-            </a:lvl8pPr>
-            <a:lvl9pPr marL="3886200" indent="-228600" algn="l" defTabSz="914400" rtl="0" eaLnBrk="1" latinLnBrk="0" hangingPunct="1">
-              <a:lnSpc>
-                <a:spcPct val="90000"/>
-              </a:lnSpc>
-              <a:spcBef>
-                <a:spcPts val="500"/>
-              </a:spcBef>
-              <a:buFont typeface="Arial"/>
-              <a:buChar char="•"/>
-              <a:defRPr sz="1800" kern="1200">
-                <a:solidFill>
-                  <a:schemeClr val="tx1"/>
-                </a:solidFill>
-                <a:latin typeface="+mn-lt"/>
-                <a:ea typeface="+mn-ea"/>
-                <a:cs typeface="+mn-cs"/>
-              </a:defRPr>
-            </a:lvl9pPr>
-          </a:lstStyle>
-          <a:p>
-            <a:r>
-              <a:rPr kumimoji="1" lang="zh-CN" altLang="en-US" dirty="0" smtClean="0">
-                <a:solidFill>
-                  <a:schemeClr val="bg2"/>
-                </a:solidFill>
-              </a:rPr>
-              <a:t>催款</a:t>
-            </a:r>
-            <a:endParaRPr kumimoji="1" lang="en-US" altLang="zh-CN" dirty="0" smtClean="0">
-              <a:solidFill>
-                <a:schemeClr val="bg2"/>
-              </a:solidFill>
-            </a:endParaRPr>
-          </a:p>
-          <a:p>
-            <a:pPr lvl="1"/>
-            <a:r>
-              <a:rPr kumimoji="1" lang="zh-CN" altLang="en-US" dirty="0" smtClean="0">
-                <a:solidFill>
-                  <a:schemeClr val="bg2"/>
-                </a:solidFill>
-              </a:rPr>
-              <a:t>在用户</a:t>
-            </a:r>
-            <a:r>
-              <a:rPr kumimoji="1" lang="zh-CN" altLang="en-US" dirty="0" smtClean="0">
-                <a:solidFill>
-                  <a:srgbClr val="FF0000"/>
-                </a:solidFill>
-              </a:rPr>
-              <a:t>还款逾期</a:t>
-            </a:r>
-            <a:r>
-              <a:rPr kumimoji="1" lang="zh-CN" altLang="en-US" dirty="0" smtClean="0">
-                <a:solidFill>
-                  <a:schemeClr val="bg2"/>
-                </a:solidFill>
-              </a:rPr>
-              <a:t>后，由平台发短信和站内信通知用户还款</a:t>
-            </a:r>
-            <a:endParaRPr kumimoji="1" lang="en-US" altLang="zh-CN" dirty="0" smtClean="0">
-              <a:solidFill>
-                <a:schemeClr val="bg2"/>
-              </a:solidFill>
-            </a:endParaRPr>
-          </a:p>
-          <a:p>
-            <a:endParaRPr kumimoji="1" lang="en-US" altLang="zh-CN" dirty="0" smtClean="0">
-              <a:solidFill>
-                <a:schemeClr val="bg2"/>
-              </a:solidFill>
-            </a:endParaRPr>
-          </a:p>
-          <a:p>
-            <a:r>
-              <a:rPr kumimoji="1" lang="zh-CN" altLang="en-US" dirty="0" smtClean="0">
-                <a:solidFill>
-                  <a:schemeClr val="bg2"/>
-                </a:solidFill>
-              </a:rPr>
-              <a:t>垫付</a:t>
-            </a:r>
-            <a:endParaRPr kumimoji="1" lang="en-US" altLang="zh-CN" dirty="0" smtClean="0">
-              <a:solidFill>
-                <a:schemeClr val="bg2"/>
-              </a:solidFill>
-            </a:endParaRPr>
-          </a:p>
-          <a:p>
-            <a:pPr lvl="1"/>
-            <a:r>
-              <a:rPr kumimoji="1" lang="zh-CN" altLang="en-US" dirty="0" smtClean="0">
-                <a:solidFill>
-                  <a:schemeClr val="bg2"/>
-                </a:solidFill>
-              </a:rPr>
-              <a:t>平台提供了</a:t>
-            </a:r>
-            <a:r>
-              <a:rPr kumimoji="1" lang="zh-CN" altLang="en-US" dirty="0" smtClean="0">
-                <a:solidFill>
-                  <a:srgbClr val="FF0000"/>
-                </a:solidFill>
-              </a:rPr>
-              <a:t>备用金账户</a:t>
-            </a:r>
-            <a:r>
-              <a:rPr kumimoji="1" lang="zh-CN" altLang="en-US" dirty="0" smtClean="0">
-                <a:solidFill>
-                  <a:schemeClr val="bg2"/>
-                </a:solidFill>
-              </a:rPr>
-              <a:t>，在用户未能按时还款时，先由备用金账户垫付。</a:t>
-            </a:r>
-            <a:endParaRPr kumimoji="1" lang="en-US" altLang="zh-CN" dirty="0" smtClean="0">
-              <a:solidFill>
-                <a:schemeClr val="bg2"/>
-              </a:solidFill>
-            </a:endParaRPr>
-          </a:p>
-          <a:p>
-            <a:endParaRPr kumimoji="1" lang="en-US" altLang="zh-CN" dirty="0">
-              <a:solidFill>
-                <a:schemeClr val="bg2"/>
-              </a:solidFill>
-            </a:endParaRPr>
-          </a:p>
-        </p:txBody>
-      </p:sp>
-      <p:sp>
-        <p:nvSpPr>
-          <p:cNvPr id="10" name="文本框 9"/>
-          <p:cNvSpPr txBox="1"/>
-          <p:nvPr/>
-        </p:nvSpPr>
-        <p:spPr>
-          <a:xfrm>
-            <a:off x="7685070" y="5853797"/>
-            <a:ext cx="1608133" cy="646331"/>
-          </a:xfrm>
-          <a:prstGeom prst="rect">
-            <a:avLst/>
-          </a:prstGeom>
-          <a:noFill/>
-        </p:spPr>
-        <p:txBody>
-          <a:bodyPr wrap="none" rtlCol="0">
-            <a:spAutoFit/>
-          </a:bodyPr>
-          <a:lstStyle/>
-          <a:p>
-            <a:r>
-              <a:rPr kumimoji="1" lang="zh-CN" altLang="en-US" dirty="0" smtClean="0">
-                <a:solidFill>
-                  <a:schemeClr val="bg2"/>
-                </a:solidFill>
-              </a:rPr>
-              <a:t>账号：</a:t>
-            </a:r>
-            <a:r>
-              <a:rPr kumimoji="1" lang="en-US" altLang="zh-CN" dirty="0" smtClean="0">
-                <a:solidFill>
-                  <a:schemeClr val="bg2"/>
-                </a:solidFill>
-              </a:rPr>
-              <a:t>user01</a:t>
-            </a:r>
-          </a:p>
-          <a:p>
-            <a:r>
-              <a:rPr kumimoji="1" lang="zh-CN" altLang="en-US" dirty="0" smtClean="0">
-                <a:solidFill>
-                  <a:schemeClr val="bg2"/>
-                </a:solidFill>
-              </a:rPr>
-              <a:t>密码：</a:t>
-            </a:r>
-            <a:r>
-              <a:rPr kumimoji="1" lang="en-US" altLang="zh-CN" dirty="0" smtClean="0">
-                <a:solidFill>
-                  <a:schemeClr val="bg2"/>
-                </a:solidFill>
-              </a:rPr>
-              <a:t>000000</a:t>
-            </a:r>
-            <a:endParaRPr kumimoji="1" lang="zh-CN" altLang="en-US" dirty="0">
-              <a:solidFill>
-                <a:schemeClr val="bg2"/>
-              </a:solidFill>
-            </a:endParaRPr>
-          </a:p>
-        </p:txBody>
-      </p:sp>
-    </p:spTree>
-    <p:extLst>
-      <p:ext uri="{BB962C8B-B14F-4D97-AF65-F5344CB8AC3E}">
-        <p14:creationId xmlns:p14="http://schemas.microsoft.com/office/powerpoint/2010/main" val="984746967"/>
-      </p:ext>
-    </p:extLst>
-  </p:cSld>
-  <p:clrMapOvr>
-    <a:masterClrMapping/>
-  </p:clrMapOvr>
-  <p:timing>
-    <p:tnLst>
-      <p:par>
-        <p:cTn id="1" dur="indefinite" restart="never" nodeType="tmRoot"/>
-      </p:par>
-    </p:tnLst>
-  </p:timing>
-</p:sld>
-</file>
-
 <file path=ppt/slides/slide7.xml><?xml version="1.0" encoding="utf-8"?>
 <p:sld xmlns:a="http://schemas.openxmlformats.org/drawingml/2006/main" xmlns:r="http://schemas.openxmlformats.org/officeDocument/2006/relationships" xmlns:p="http://schemas.openxmlformats.org/presentationml/2006/main">
   <p:cSld>
@@ -10012,7 +10391,7 @@
                   <a:schemeClr val="bg2"/>
                 </a:solidFill>
               </a:rPr>
-              <a:t>借款人模块</a:t>
+              <a:t>用户认证模块</a:t>
             </a:r>
             <a:endParaRPr kumimoji="1" lang="zh-CN" altLang="en-US" dirty="0">
               <a:solidFill>
@@ -10034,18 +10413,16 @@
         </p:nvSpPr>
         <p:spPr/>
         <p:txBody>
-          <a:bodyPr>
-            <a:normAutofit lnSpcReduction="10000"/>
-          </a:bodyPr>
-          <a:lstStyle/>
-          <a:p>
-            <a:r>
-              <a:rPr kumimoji="1" lang="zh-CN" altLang="en-US" dirty="0" smtClean="0">
-                <a:solidFill>
-                  <a:schemeClr val="bg2"/>
-                </a:solidFill>
-              </a:rPr>
-              <a:t>征信</a:t>
+          <a:bodyPr/>
+          <a:lstStyle/>
+          <a:p>
+            <a:r>
+              <a:rPr kumimoji="1" lang="zh-CN" altLang="en-US" dirty="0" smtClean="0">
+                <a:solidFill>
+                  <a:schemeClr val="bg2"/>
+                </a:solidFill>
+              </a:rPr>
+              <a:t>注册：</a:t>
             </a:r>
             <a:endParaRPr kumimoji="1" lang="en-US" altLang="zh-CN" dirty="0" smtClean="0">
               <a:solidFill>
@@ -10056,12 +10433,12 @@
           <a:p>
             <a:pPr lvl="1"/>
             <a:r>
-              <a:rPr kumimoji="1" lang="zh-CN" altLang="en-US" dirty="0" smtClean="0">
-                <a:solidFill>
-                  <a:schemeClr val="bg2"/>
-                </a:solidFill>
-              </a:rPr>
-              <a:t>用户填写征信资料，由</a:t>
+              <a:rPr kumimoji="1" lang="zh-CN" altLang="en-US" dirty="0">
+                <a:solidFill>
+                  <a:schemeClr val="bg2"/>
+                </a:solidFill>
+              </a:rPr>
+              <a:t>用户输入</a:t>
             </a:r>
             <a:r>
               <a:rPr kumimoji="1" lang="zh-CN" altLang="en-US" dirty="0" smtClean="0">
@@ -10069,15 +10446,157 @@
                   <a:srgbClr val="FF0000"/>
                 </a:solidFill>
               </a:rPr>
-              <a:t>审核员</a:t>
-            </a:r>
-            <a:r>
-              <a:rPr kumimoji="1" lang="zh-CN" altLang="en-US" dirty="0" smtClean="0">
-                <a:solidFill>
-                  <a:schemeClr val="bg2"/>
-                </a:solidFill>
-              </a:rPr>
-              <a:t>审核。</a:t>
+              <a:t>工号</a:t>
+            </a:r>
+            <a:r>
+              <a:rPr kumimoji="1" lang="zh-CN" altLang="en-US" dirty="0" smtClean="0">
+                <a:solidFill>
+                  <a:schemeClr val="bg2"/>
+                </a:solidFill>
+              </a:rPr>
+              <a:t>等</a:t>
+            </a:r>
+            <a:r>
+              <a:rPr kumimoji="1" lang="zh-CN" altLang="en-US" dirty="0">
+                <a:solidFill>
+                  <a:schemeClr val="bg2"/>
+                </a:solidFill>
+              </a:rPr>
+              <a:t>信息进行注册，</a:t>
+            </a:r>
+            <a:r>
+              <a:rPr kumimoji="1" lang="zh-CN" altLang="en-US" dirty="0" smtClean="0">
+                <a:solidFill>
+                  <a:schemeClr val="bg2"/>
+                </a:solidFill>
+              </a:rPr>
+              <a:t>工号等用户信息可通过</a:t>
+            </a:r>
+            <a:r>
+              <a:rPr kumimoji="1" lang="zh-CN" altLang="en-US" dirty="0">
+                <a:solidFill>
+                  <a:schemeClr val="bg2"/>
+                </a:solidFill>
+              </a:rPr>
+              <a:t>平台提供的管理员</a:t>
+            </a:r>
+            <a:r>
+              <a:rPr kumimoji="1" lang="zh-CN" altLang="en-US" dirty="0" smtClean="0">
+                <a:solidFill>
+                  <a:schemeClr val="bg2"/>
+                </a:solidFill>
+              </a:rPr>
+              <a:t>账号</a:t>
+            </a:r>
+            <a:r>
+              <a:rPr kumimoji="1" lang="zh-CN" altLang="en-US" dirty="0" smtClean="0">
+                <a:solidFill>
+                  <a:srgbClr val="FF0000"/>
+                </a:solidFill>
+              </a:rPr>
+              <a:t>提前导入</a:t>
+            </a:r>
+            <a:r>
+              <a:rPr kumimoji="1" lang="zh-CN" altLang="en-US" dirty="0" smtClean="0">
+                <a:solidFill>
+                  <a:schemeClr val="bg2"/>
+                </a:solidFill>
+              </a:rPr>
+              <a:t>。</a:t>
+            </a:r>
+            <a:endParaRPr kumimoji="1" lang="en-US" altLang="zh-CN" dirty="0" smtClean="0">
+              <a:solidFill>
+                <a:schemeClr val="bg2"/>
+              </a:solidFill>
+            </a:endParaRPr>
+          </a:p>
+          <a:p>
+            <a:pPr lvl="1"/>
+            <a:r>
+              <a:rPr kumimoji="1" lang="zh-CN" altLang="en-US" dirty="0" smtClean="0">
+                <a:solidFill>
+                  <a:schemeClr val="bg2"/>
+                </a:solidFill>
+              </a:rPr>
+              <a:t>平台只提供普通用户的注册</a:t>
+            </a:r>
+            <a:endParaRPr kumimoji="1" lang="en-US" altLang="zh-CN" dirty="0" smtClean="0">
+              <a:solidFill>
+                <a:schemeClr val="bg2"/>
+              </a:solidFill>
+            </a:endParaRPr>
+          </a:p>
+          <a:p>
+            <a:r>
+              <a:rPr kumimoji="1" lang="zh-CN" altLang="en-US" dirty="0" smtClean="0">
+                <a:solidFill>
+                  <a:schemeClr val="bg2"/>
+                </a:solidFill>
+              </a:rPr>
+              <a:t>登录：</a:t>
+            </a:r>
+            <a:endParaRPr kumimoji="1" lang="en-US" altLang="zh-CN" dirty="0" smtClean="0">
+              <a:solidFill>
+                <a:schemeClr val="bg2"/>
+              </a:solidFill>
+            </a:endParaRPr>
+          </a:p>
+          <a:p>
+            <a:pPr lvl="1"/>
+            <a:r>
+              <a:rPr kumimoji="1" lang="zh-CN" altLang="en-US" dirty="0" smtClean="0">
+                <a:solidFill>
+                  <a:schemeClr val="bg2"/>
+                </a:solidFill>
+              </a:rPr>
+              <a:t>用户选择普通用户、担保人、审核员、管理员四种用户类型中的一种。</a:t>
+            </a:r>
+            <a:endParaRPr kumimoji="1" lang="en-US" altLang="zh-CN" dirty="0" smtClean="0">
+              <a:solidFill>
+                <a:schemeClr val="bg2"/>
+              </a:solidFill>
+            </a:endParaRPr>
+          </a:p>
+          <a:p>
+            <a:r>
+              <a:rPr kumimoji="1" lang="zh-CN" altLang="en-US" dirty="0" smtClean="0">
+                <a:solidFill>
+                  <a:schemeClr val="bg2"/>
+                </a:solidFill>
+              </a:rPr>
+              <a:t>忘记密码：</a:t>
+            </a:r>
+            <a:endParaRPr kumimoji="1" lang="en-US" altLang="zh-CN" dirty="0" smtClean="0">
+              <a:solidFill>
+                <a:schemeClr val="bg2"/>
+              </a:solidFill>
+            </a:endParaRPr>
+          </a:p>
+          <a:p>
+            <a:pPr lvl="1"/>
+            <a:r>
+              <a:rPr kumimoji="1" lang="zh-CN" altLang="en-US" dirty="0" smtClean="0">
+                <a:solidFill>
+                  <a:schemeClr val="bg2"/>
+                </a:solidFill>
+              </a:rPr>
+              <a:t>用户可以通过验证</a:t>
+            </a:r>
+            <a:r>
+              <a:rPr kumimoji="1" lang="zh-CN" altLang="en-US" dirty="0" smtClean="0">
+                <a:solidFill>
+                  <a:srgbClr val="FF0000"/>
+                </a:solidFill>
+              </a:rPr>
+              <a:t>身份证号</a:t>
+            </a:r>
+            <a:r>
+              <a:rPr kumimoji="1" lang="zh-CN" altLang="en-US" dirty="0" smtClean="0">
+                <a:solidFill>
+                  <a:schemeClr val="bg2"/>
+                </a:solidFill>
+              </a:rPr>
+              <a:t>修改密码。</a:t>
             </a:r>
             <a:endParaRPr kumimoji="1" lang="en-US" altLang="zh-CN" dirty="0" smtClean="0">
               <a:solidFill>
@@ -10094,69 +10613,6 @@
             </a:endParaRPr>
           </a:p>
           <a:p>
-            <a:r>
-              <a:rPr kumimoji="1" lang="zh-CN" altLang="en-US" dirty="0" smtClean="0">
-                <a:solidFill>
-                  <a:schemeClr val="bg2"/>
-                </a:solidFill>
-              </a:rPr>
-              <a:t>借款</a:t>
-            </a:r>
-            <a:endParaRPr kumimoji="1" lang="en-US" altLang="zh-CN" dirty="0" smtClean="0">
-              <a:solidFill>
-                <a:schemeClr val="bg2"/>
-              </a:solidFill>
-            </a:endParaRPr>
-          </a:p>
-          <a:p>
-            <a:pPr lvl="1"/>
-            <a:r>
-              <a:rPr kumimoji="1" lang="zh-CN" altLang="en-US" dirty="0" smtClean="0">
-                <a:solidFill>
-                  <a:schemeClr val="bg2"/>
-                </a:solidFill>
-              </a:rPr>
-              <a:t>用户提出</a:t>
-            </a:r>
-            <a:r>
-              <a:rPr kumimoji="1" lang="zh-CN" altLang="en-US" dirty="0" smtClean="0">
-                <a:solidFill>
-                  <a:srgbClr val="FF0000"/>
-                </a:solidFill>
-              </a:rPr>
-              <a:t>贷款</a:t>
-            </a:r>
-            <a:r>
-              <a:rPr kumimoji="1" lang="zh-CN" altLang="en-US" dirty="0" smtClean="0">
-                <a:solidFill>
-                  <a:schemeClr val="bg2"/>
-                </a:solidFill>
-              </a:rPr>
-              <a:t>请求，由</a:t>
-            </a:r>
-            <a:r>
-              <a:rPr kumimoji="1" lang="zh-CN" altLang="en-US" dirty="0" smtClean="0">
-                <a:solidFill>
-                  <a:srgbClr val="FF0000"/>
-                </a:solidFill>
-              </a:rPr>
-              <a:t>担保人</a:t>
-            </a:r>
-            <a:r>
-              <a:rPr kumimoji="1" lang="zh-CN" altLang="en-US" dirty="0" smtClean="0">
-                <a:solidFill>
-                  <a:schemeClr val="bg2"/>
-                </a:solidFill>
-              </a:rPr>
-              <a:t>审核。</a:t>
-            </a:r>
-            <a:endParaRPr kumimoji="1" lang="en-US" altLang="zh-CN" dirty="0" smtClean="0">
-              <a:solidFill>
-                <a:schemeClr val="bg2"/>
-              </a:solidFill>
-            </a:endParaRPr>
-          </a:p>
-          <a:p>
             <a:pPr lvl="1"/>
             <a:endParaRPr kumimoji="1" lang="en-US" altLang="zh-CN" dirty="0" smtClean="0">
               <a:solidFill>
@@ -10164,93 +10620,18 @@
               </a:solidFill>
             </a:endParaRPr>
           </a:p>
-          <a:p>
-            <a:r>
-              <a:rPr kumimoji="1" lang="zh-CN" altLang="en-US" dirty="0" smtClean="0">
-                <a:solidFill>
-                  <a:schemeClr val="bg2"/>
-                </a:solidFill>
-              </a:rPr>
-              <a:t>查询</a:t>
-            </a:r>
-            <a:r>
-              <a:rPr kumimoji="1" lang="zh-CN" altLang="en-US" dirty="0">
-                <a:solidFill>
-                  <a:schemeClr val="bg2"/>
-                </a:solidFill>
-              </a:rPr>
-              <a:t>借款</a:t>
-            </a:r>
-            <a:endParaRPr kumimoji="1" lang="en-US" altLang="zh-CN" dirty="0">
-              <a:solidFill>
-                <a:schemeClr val="bg2"/>
-              </a:solidFill>
-            </a:endParaRPr>
-          </a:p>
-          <a:p>
-            <a:endParaRPr kumimoji="1" lang="en-US" altLang="zh-CN" dirty="0">
-              <a:solidFill>
-                <a:schemeClr val="bg2"/>
-              </a:solidFill>
-            </a:endParaRPr>
-          </a:p>
-          <a:p>
-            <a:r>
-              <a:rPr kumimoji="1" lang="zh-CN" altLang="en-US" dirty="0" smtClean="0">
-                <a:solidFill>
-                  <a:schemeClr val="bg2"/>
-                </a:solidFill>
-              </a:rPr>
-              <a:t>还款</a:t>
-            </a:r>
-            <a:endParaRPr kumimoji="1" lang="en-US" altLang="zh-CN" dirty="0" smtClean="0">
-              <a:solidFill>
-                <a:schemeClr val="bg2"/>
-              </a:solidFill>
-            </a:endParaRPr>
-          </a:p>
-          <a:p>
-            <a:pPr lvl="1"/>
-            <a:r>
-              <a:rPr kumimoji="1" lang="zh-CN" altLang="en-US" dirty="0" smtClean="0">
-                <a:solidFill>
-                  <a:schemeClr val="bg2"/>
-                </a:solidFill>
-              </a:rPr>
-              <a:t>用户在每个月指定的日期之前还款。</a:t>
-            </a:r>
-            <a:endParaRPr kumimoji="1" lang="en-US" altLang="zh-CN" dirty="0">
-              <a:solidFill>
-                <a:schemeClr val="bg2"/>
-              </a:solidFill>
-            </a:endParaRPr>
-          </a:p>
-          <a:p>
-            <a:endParaRPr kumimoji="1" lang="en-US" altLang="zh-CN" dirty="0">
-              <a:solidFill>
-                <a:schemeClr val="bg2"/>
-              </a:solidFill>
-            </a:endParaRPr>
-          </a:p>
-          <a:p>
-            <a:endParaRPr kumimoji="1" lang="zh-CN" altLang="en-US" dirty="0">
-              <a:solidFill>
-                <a:schemeClr val="bg2"/>
-              </a:solidFill>
-            </a:endParaRPr>
-          </a:p>
-        </p:txBody>
-      </p:sp>
-      <p:sp>
-        <p:nvSpPr>
-          <p:cNvPr id="5" name="文本框 4"/>
+        </p:txBody>
+      </p:sp>
+      <p:sp>
+        <p:nvSpPr>
+          <p:cNvPr id="4" name="文本框 3"/>
           <p:cNvSpPr txBox="1"/>
           <p:nvPr/>
         </p:nvSpPr>
         <p:spPr>
           <a:xfrm>
-            <a:off x="6987282" y="2287962"/>
-            <a:ext cx="4366518" cy="2862322"/>
+            <a:off x="3123344" y="5807631"/>
+            <a:ext cx="4339650" cy="369332"/>
           </a:xfrm>
           <a:prstGeom prst="rect">
             <a:avLst/>
@@ -10258,7 +10639,7 @@
           <a:noFill/>
         </p:spPr>
         <p:txBody>
-          <a:bodyPr wrap="square" rtlCol="0">
+          <a:bodyPr wrap="none" rtlCol="0">
             <a:spAutoFit/>
           </a:bodyPr>
           <a:lstStyle/>
@@ -10266,10 +10647,18 @@
             <a:r>
               <a:rPr kumimoji="1" lang="zh-CN" altLang="en-US" b="1" i="1" dirty="0" smtClean="0">
                 <a:solidFill>
-                  <a:schemeClr val="bg2"/>
-                </a:solidFill>
-              </a:rPr>
-              <a:t>亮点：征信和借款这两个功能的后台逻辑十分</a:t>
+                  <a:srgbClr val="FF0000"/>
+                </a:solidFill>
+              </a:rPr>
+              <a:t>亮点功能：</a:t>
+            </a:r>
+            <a:r>
+              <a:rPr kumimoji="1" lang="zh-CN" altLang="en-US" b="1" i="1" smtClean="0">
+                <a:solidFill>
+                  <a:srgbClr val="FF0000"/>
+                </a:solidFill>
+              </a:rPr>
+              <a:t>注册账号时，手机</a:t>
             </a:r>
             <a:r>
               <a:rPr kumimoji="1" lang="zh-CN" altLang="en-US" b="1" i="1" dirty="0" smtClean="0">
@@ -10277,135 +10666,62 @@
                   <a:srgbClr val="FF0000"/>
                 </a:solidFill>
               </a:rPr>
-              <a:t>完备</a:t>
-            </a:r>
-            <a:r>
-              <a:rPr kumimoji="1" lang="zh-CN" altLang="en-US" b="1" i="1" dirty="0" smtClean="0">
-                <a:solidFill>
-                  <a:schemeClr val="bg2"/>
-                </a:solidFill>
-              </a:rPr>
-              <a:t>，用户在借款之前需要填写</a:t>
-            </a:r>
-            <a:r>
-              <a:rPr kumimoji="1" lang="zh-CN" altLang="en-US" b="1" i="1" dirty="0" smtClean="0">
-                <a:solidFill>
-                  <a:srgbClr val="FF0000"/>
-                </a:solidFill>
-              </a:rPr>
-              <a:t>征信资料</a:t>
-            </a:r>
-            <a:r>
-              <a:rPr kumimoji="1" lang="zh-CN" altLang="en-US" b="1" i="1" dirty="0" smtClean="0">
-                <a:solidFill>
-                  <a:schemeClr val="bg2"/>
-                </a:solidFill>
-              </a:rPr>
-              <a:t>，可上传附件，征信资料由</a:t>
-            </a:r>
-            <a:r>
-              <a:rPr kumimoji="1" lang="zh-CN" altLang="en-US" b="1" i="1" dirty="0" smtClean="0">
-                <a:solidFill>
-                  <a:srgbClr val="FF0000"/>
-                </a:solidFill>
-              </a:rPr>
-              <a:t>审核员</a:t>
-            </a:r>
-            <a:r>
-              <a:rPr kumimoji="1" lang="zh-CN" altLang="en-US" b="1" i="1" dirty="0" smtClean="0">
-                <a:solidFill>
-                  <a:schemeClr val="bg2"/>
-                </a:solidFill>
-              </a:rPr>
-              <a:t>进行审核，并进行审核评级，审核评级和其它资料一起形成最终的</a:t>
-            </a:r>
-            <a:r>
-              <a:rPr kumimoji="1" lang="zh-CN" altLang="en-US" b="1" i="1" dirty="0" smtClean="0">
-                <a:solidFill>
-                  <a:srgbClr val="FF0000"/>
-                </a:solidFill>
-              </a:rPr>
-              <a:t>信用评级</a:t>
-            </a:r>
-            <a:r>
-              <a:rPr kumimoji="1" lang="zh-CN" altLang="en-US" b="1" i="1" dirty="0" smtClean="0">
-                <a:solidFill>
-                  <a:schemeClr val="bg2"/>
-                </a:solidFill>
-              </a:rPr>
-              <a:t>，这一信用评级直接影响用户的</a:t>
-            </a:r>
-            <a:r>
-              <a:rPr kumimoji="1" lang="zh-CN" altLang="en-US" b="1" i="1" dirty="0" smtClean="0">
-                <a:solidFill>
-                  <a:srgbClr val="FF0000"/>
-                </a:solidFill>
-              </a:rPr>
-              <a:t>贷款额度</a:t>
-            </a:r>
-            <a:r>
-              <a:rPr kumimoji="1" lang="zh-CN" altLang="en-US" b="1" i="1" dirty="0" smtClean="0">
-                <a:solidFill>
-                  <a:schemeClr val="bg2"/>
-                </a:solidFill>
-              </a:rPr>
-              <a:t>。</a:t>
-            </a:r>
-            <a:endParaRPr kumimoji="1" lang="en-US" altLang="zh-CN" b="1" i="1" dirty="0" smtClean="0">
-              <a:solidFill>
-                <a:schemeClr val="bg2"/>
-              </a:solidFill>
-            </a:endParaRPr>
-          </a:p>
-          <a:p>
-            <a:endParaRPr kumimoji="1" lang="en-US" altLang="zh-CN" b="1" i="1" dirty="0" smtClean="0">
-              <a:solidFill>
-                <a:schemeClr val="bg2"/>
-              </a:solidFill>
-            </a:endParaRPr>
-          </a:p>
-          <a:p>
-            <a:r>
-              <a:rPr kumimoji="1" lang="zh-CN" altLang="en-US" b="1" i="1" dirty="0" smtClean="0">
-                <a:solidFill>
-                  <a:schemeClr val="bg2"/>
-                </a:solidFill>
-              </a:rPr>
-              <a:t>同样的，用户在提出借款请求后会有</a:t>
-            </a:r>
-            <a:r>
-              <a:rPr kumimoji="1" lang="zh-CN" altLang="en-US" b="1" i="1" dirty="0" smtClean="0">
-                <a:solidFill>
-                  <a:srgbClr val="FF0000"/>
-                </a:solidFill>
-              </a:rPr>
-              <a:t>担保人</a:t>
-            </a:r>
-            <a:r>
-              <a:rPr kumimoji="1" lang="zh-CN" altLang="en-US" b="1" i="1" dirty="0" smtClean="0">
-                <a:solidFill>
-                  <a:schemeClr val="bg2"/>
-                </a:solidFill>
-              </a:rPr>
-              <a:t>来决定是否担保此次借款，若确定担保，在借款人还款逾期后，由平台</a:t>
-            </a:r>
-            <a:r>
-              <a:rPr kumimoji="1" lang="zh-CN" altLang="en-US" b="1" i="1" dirty="0" smtClean="0">
-                <a:solidFill>
-                  <a:srgbClr val="FF0000"/>
-                </a:solidFill>
-              </a:rPr>
-              <a:t>垫付</a:t>
-            </a:r>
-            <a:r>
-              <a:rPr kumimoji="1" lang="zh-CN" altLang="en-US" b="1" i="1" dirty="0" smtClean="0">
-                <a:solidFill>
-                  <a:schemeClr val="bg2"/>
-                </a:solidFill>
-              </a:rPr>
-              <a:t>。</a:t>
-            </a:r>
-            <a:endParaRPr kumimoji="1" lang="en-US" altLang="zh-CN" b="1" i="1" dirty="0" smtClean="0">
+              <a:t>号码的验证</a:t>
+            </a:r>
+            <a:endParaRPr kumimoji="1" lang="zh-CN" altLang="en-US" b="1" i="1" dirty="0">
+              <a:solidFill>
+                <a:srgbClr val="FF0000"/>
+              </a:solidFill>
+            </a:endParaRPr>
+          </a:p>
+        </p:txBody>
+      </p:sp>
+      <p:sp>
+        <p:nvSpPr>
+          <p:cNvPr id="5" name="文本框 4"/>
+          <p:cNvSpPr txBox="1"/>
+          <p:nvPr/>
+        </p:nvSpPr>
+        <p:spPr>
+          <a:xfrm>
+            <a:off x="7602876" y="472611"/>
+            <a:ext cx="4179349" cy="646331"/>
+          </a:xfrm>
+          <a:prstGeom prst="rect">
+            <a:avLst/>
+          </a:prstGeom>
+          <a:noFill/>
+        </p:spPr>
+        <p:txBody>
+          <a:bodyPr wrap="none" rtlCol="0">
+            <a:spAutoFit/>
+          </a:bodyPr>
+          <a:lstStyle/>
+          <a:p>
+            <a:endParaRPr kumimoji="1" lang="en-US" altLang="zh-CN" dirty="0">
+              <a:solidFill>
+                <a:schemeClr val="bg2"/>
+              </a:solidFill>
+            </a:endParaRPr>
+          </a:p>
+          <a:p>
+            <a:r>
+              <a:rPr kumimoji="1" lang="zh-CN" altLang="en-US" dirty="0" smtClean="0">
+                <a:solidFill>
+                  <a:schemeClr val="bg2"/>
+                </a:solidFill>
+              </a:rPr>
+              <a:t>可用于注册的工号：</a:t>
+            </a:r>
+            <a:r>
+              <a:rPr kumimoji="1" lang="en-US" altLang="zh-CN" dirty="0" smtClean="0">
+                <a:solidFill>
+                  <a:schemeClr val="bg2"/>
+                </a:solidFill>
+              </a:rPr>
+              <a:t>SCUT011-SCUT015</a:t>
+            </a:r>
+            <a:endParaRPr kumimoji="1" lang="zh-CN" altLang="en-US" dirty="0">
               <a:solidFill>
                 <a:schemeClr val="bg2"/>
               </a:solidFill>
@@ -10416,7 +10732,7 @@
     </p:spTree>
     <p:extLst>
       <p:ext uri="{BB962C8B-B14F-4D97-AF65-F5344CB8AC3E}">
-        <p14:creationId xmlns:p14="http://schemas.microsoft.com/office/powerpoint/2010/main" val="2133290587"/>
+        <p14:creationId xmlns:p14="http://schemas.microsoft.com/office/powerpoint/2010/main" val="1439934430"/>
       </p:ext>
     </p:extLst>
   </p:cSld>
@@ -10460,7 +10776,12 @@
             <p:ph type="title"/>
           </p:nvPr>
         </p:nvSpPr>
-        <p:spPr/>
+        <p:spPr>
+          <a:xfrm>
+            <a:off x="838200" y="365125"/>
+            <a:ext cx="3353656" cy="1325563"/>
+          </a:xfrm>
+        </p:spPr>
         <p:txBody>
           <a:bodyPr/>
           <a:lstStyle/>
@@ -10471,7 +10792,7 @@
                   <a:schemeClr val="bg2"/>
                 </a:solidFill>
               </a:rPr>
-              <a:t>投资者模块</a:t>
+              <a:t>账号模块</a:t>
             </a:r>
             <a:endParaRPr kumimoji="1" lang="zh-CN" altLang="en-US" dirty="0">
               <a:solidFill>
@@ -10491,7 +10812,12 @@
             <p:ph idx="1"/>
           </p:nvPr>
         </p:nvSpPr>
-        <p:spPr/>
+        <p:spPr>
+          <a:xfrm>
+            <a:off x="838200" y="1825625"/>
+            <a:ext cx="3507769" cy="4351338"/>
+          </a:xfrm>
+        </p:spPr>
         <p:txBody>
           <a:bodyPr/>
           <a:lstStyle/>
@@ -10502,7 +10828,7 @@
                   <a:schemeClr val="bg2"/>
                 </a:solidFill>
               </a:rPr>
-              <a:t>产品撮合</a:t>
+              <a:t>提现</a:t>
             </a:r>
             <a:endParaRPr kumimoji="1" lang="en-US" altLang="zh-CN" dirty="0" smtClean="0">
               <a:solidFill>
@@ -10511,176 +10837,544 @@
             </a:endParaRPr>
           </a:p>
           <a:p>
+            <a:endParaRPr kumimoji="1" lang="en-US" altLang="zh-CN" dirty="0">
+              <a:solidFill>
+                <a:schemeClr val="bg2"/>
+              </a:solidFill>
+            </a:endParaRPr>
+          </a:p>
+          <a:p>
+            <a:r>
+              <a:rPr kumimoji="1" lang="zh-CN" altLang="en-US" dirty="0" smtClean="0">
+                <a:solidFill>
+                  <a:schemeClr val="bg2"/>
+                </a:solidFill>
+              </a:rPr>
+              <a:t>充值</a:t>
+            </a:r>
+            <a:endParaRPr kumimoji="1" lang="en-US" altLang="zh-CN" dirty="0" smtClean="0">
+              <a:solidFill>
+                <a:schemeClr val="bg2"/>
+              </a:solidFill>
+            </a:endParaRPr>
+          </a:p>
+          <a:p>
+            <a:endParaRPr kumimoji="1" lang="en-US" altLang="zh-CN" dirty="0">
+              <a:solidFill>
+                <a:schemeClr val="bg2"/>
+              </a:solidFill>
+            </a:endParaRPr>
+          </a:p>
+          <a:p>
+            <a:r>
+              <a:rPr kumimoji="1" lang="zh-CN" altLang="en-US" dirty="0" smtClean="0">
+                <a:solidFill>
+                  <a:schemeClr val="bg2"/>
+                </a:solidFill>
+              </a:rPr>
+              <a:t>修改支付密码</a:t>
+            </a:r>
+            <a:endParaRPr kumimoji="1" lang="en-US" altLang="zh-CN" dirty="0" smtClean="0">
+              <a:solidFill>
+                <a:schemeClr val="bg2"/>
+              </a:solidFill>
+            </a:endParaRPr>
+          </a:p>
+          <a:p>
+            <a:endParaRPr kumimoji="1" lang="en-US" altLang="zh-CN" dirty="0">
+              <a:solidFill>
+                <a:schemeClr val="bg2"/>
+              </a:solidFill>
+            </a:endParaRPr>
+          </a:p>
+          <a:p>
+            <a:r>
+              <a:rPr kumimoji="1" lang="zh-CN" altLang="en-US" dirty="0">
+                <a:solidFill>
+                  <a:schemeClr val="bg2"/>
+                </a:solidFill>
+              </a:rPr>
+              <a:t>查询资金流水</a:t>
+            </a:r>
+            <a:endParaRPr kumimoji="1" lang="en-US" altLang="zh-CN" dirty="0">
+              <a:solidFill>
+                <a:schemeClr val="bg2"/>
+              </a:solidFill>
+            </a:endParaRPr>
+          </a:p>
+          <a:p>
+            <a:endParaRPr kumimoji="1" lang="en-US" altLang="zh-CN" dirty="0" smtClean="0">
+              <a:solidFill>
+                <a:schemeClr val="bg2"/>
+              </a:solidFill>
+            </a:endParaRPr>
+          </a:p>
+          <a:p>
+            <a:endParaRPr kumimoji="1" lang="en-US" altLang="zh-CN" dirty="0">
+              <a:solidFill>
+                <a:schemeClr val="bg2"/>
+              </a:solidFill>
+            </a:endParaRPr>
+          </a:p>
+        </p:txBody>
+      </p:sp>
+      <p:sp>
+        <p:nvSpPr>
+          <p:cNvPr id="5" name="文本框 4"/>
+          <p:cNvSpPr txBox="1"/>
+          <p:nvPr/>
+        </p:nvSpPr>
+        <p:spPr>
+          <a:xfrm>
+            <a:off x="838200" y="5807631"/>
+            <a:ext cx="3223959" cy="369332"/>
+          </a:xfrm>
+          <a:prstGeom prst="rect">
+            <a:avLst/>
+          </a:prstGeom>
+          <a:noFill/>
+        </p:spPr>
+        <p:txBody>
+          <a:bodyPr wrap="none" rtlCol="0">
+            <a:spAutoFit/>
+          </a:bodyPr>
+          <a:lstStyle/>
+          <a:p>
+            <a:r>
+              <a:rPr kumimoji="1" lang="zh-CN" altLang="en-US" dirty="0" smtClean="0">
+                <a:solidFill>
+                  <a:schemeClr val="bg2"/>
+                </a:solidFill>
+              </a:rPr>
+              <a:t>账号的初始支付密码：</a:t>
+            </a:r>
+            <a:r>
+              <a:rPr kumimoji="1" lang="en-US" altLang="zh-CN" dirty="0" smtClean="0">
+                <a:solidFill>
+                  <a:schemeClr val="bg2"/>
+                </a:solidFill>
+              </a:rPr>
+              <a:t>000000</a:t>
+            </a:r>
+            <a:endParaRPr kumimoji="1" lang="zh-CN" altLang="en-US" dirty="0">
+              <a:solidFill>
+                <a:schemeClr val="bg2"/>
+              </a:solidFill>
+            </a:endParaRPr>
+          </a:p>
+        </p:txBody>
+      </p:sp>
+      <p:sp>
+        <p:nvSpPr>
+          <p:cNvPr id="7" name="标题 1"/>
+          <p:cNvSpPr txBox="1">
+            <a:spLocks/>
+          </p:cNvSpPr>
+          <p:nvPr/>
+        </p:nvSpPr>
+        <p:spPr>
+          <a:xfrm>
+            <a:off x="6446177" y="365125"/>
+            <a:ext cx="3353656" cy="1325563"/>
+          </a:xfrm>
+          <a:prstGeom prst="rect">
+            <a:avLst/>
+          </a:prstGeom>
+        </p:spPr>
+        <p:txBody>
+          <a:bodyPr vert="horz" lIns="91440" tIns="45720" rIns="91440" bIns="45720" rtlCol="0" anchor="ctr">
+            <a:normAutofit/>
+          </a:bodyPr>
+          <a:lstStyle>
+            <a:lvl1pPr algn="l" defTabSz="914400" rtl="0" eaLnBrk="1" latinLnBrk="0" hangingPunct="1">
+              <a:lnSpc>
+                <a:spcPct val="90000"/>
+              </a:lnSpc>
+              <a:spcBef>
+                <a:spcPct val="0"/>
+              </a:spcBef>
+              <a:buNone/>
+              <a:defRPr sz="4400" kern="1200">
+                <a:solidFill>
+                  <a:schemeClr val="tx1"/>
+                </a:solidFill>
+                <a:latin typeface="+mj-lt"/>
+                <a:ea typeface="+mj-ea"/>
+                <a:cs typeface="+mj-cs"/>
+              </a:defRPr>
+            </a:lvl1pPr>
+          </a:lstStyle>
+          <a:p>
+            <a:r>
+              <a:rPr kumimoji="1" lang="zh-CN" altLang="en-US" dirty="0" smtClean="0">
+                <a:solidFill>
+                  <a:schemeClr val="bg2"/>
+                </a:solidFill>
+              </a:rPr>
+              <a:t>平台模块</a:t>
+            </a:r>
+            <a:endParaRPr kumimoji="1" lang="zh-CN" altLang="en-US" dirty="0">
+              <a:solidFill>
+                <a:schemeClr val="bg2"/>
+              </a:solidFill>
+            </a:endParaRPr>
+          </a:p>
+        </p:txBody>
+      </p:sp>
+      <p:sp>
+        <p:nvSpPr>
+          <p:cNvPr id="9" name="内容占位符 2"/>
+          <p:cNvSpPr txBox="1">
+            <a:spLocks/>
+          </p:cNvSpPr>
+          <p:nvPr/>
+        </p:nvSpPr>
+        <p:spPr>
+          <a:xfrm>
+            <a:off x="6369120" y="1825625"/>
+            <a:ext cx="4018053" cy="4351338"/>
+          </a:xfrm>
+          <a:prstGeom prst="rect">
+            <a:avLst/>
+          </a:prstGeom>
+        </p:spPr>
+        <p:txBody>
+          <a:bodyPr vert="horz" lIns="91440" tIns="45720" rIns="91440" bIns="45720" rtlCol="0">
+            <a:normAutofit/>
+          </a:bodyPr>
+          <a:lstStyle>
+            <a:lvl1pPr marL="228600" indent="-228600" algn="l" defTabSz="914400" rtl="0" eaLnBrk="1" latinLnBrk="0" hangingPunct="1">
+              <a:lnSpc>
+                <a:spcPct val="90000"/>
+              </a:lnSpc>
+              <a:spcBef>
+                <a:spcPts val="1000"/>
+              </a:spcBef>
+              <a:buFont typeface="Arial"/>
+              <a:buChar char="•"/>
+              <a:defRPr sz="2800" kern="1200">
+                <a:solidFill>
+                  <a:schemeClr val="tx1"/>
+                </a:solidFill>
+                <a:latin typeface="+mn-lt"/>
+                <a:ea typeface="+mn-ea"/>
+                <a:cs typeface="+mn-cs"/>
+              </a:defRPr>
+            </a:lvl1pPr>
+            <a:lvl2pPr marL="685800" indent="-228600" algn="l" defTabSz="914400" rtl="0" eaLnBrk="1" latinLnBrk="0" hangingPunct="1">
+              <a:lnSpc>
+                <a:spcPct val="90000"/>
+              </a:lnSpc>
+              <a:spcBef>
+                <a:spcPts val="500"/>
+              </a:spcBef>
+              <a:buFont typeface="Arial"/>
+              <a:buChar char="•"/>
+              <a:defRPr sz="2400" kern="1200">
+                <a:solidFill>
+                  <a:schemeClr val="tx1"/>
+                </a:solidFill>
+                <a:latin typeface="+mn-lt"/>
+                <a:ea typeface="+mn-ea"/>
+                <a:cs typeface="+mn-cs"/>
+              </a:defRPr>
+            </a:lvl2pPr>
+            <a:lvl3pPr marL="1143000" indent="-228600" algn="l" defTabSz="914400" rtl="0" eaLnBrk="1" latinLnBrk="0" hangingPunct="1">
+              <a:lnSpc>
+                <a:spcPct val="90000"/>
+              </a:lnSpc>
+              <a:spcBef>
+                <a:spcPts val="500"/>
+              </a:spcBef>
+              <a:buFont typeface="Arial"/>
+              <a:buChar char="•"/>
+              <a:defRPr sz="2000" kern="1200">
+                <a:solidFill>
+                  <a:schemeClr val="tx1"/>
+                </a:solidFill>
+                <a:latin typeface="+mn-lt"/>
+                <a:ea typeface="+mn-ea"/>
+                <a:cs typeface="+mn-cs"/>
+              </a:defRPr>
+            </a:lvl3pPr>
+            <a:lvl4pPr marL="1600200" indent="-228600" algn="l" defTabSz="914400" rtl="0" eaLnBrk="1" latinLnBrk="0" hangingPunct="1">
+              <a:lnSpc>
+                <a:spcPct val="90000"/>
+              </a:lnSpc>
+              <a:spcBef>
+                <a:spcPts val="500"/>
+              </a:spcBef>
+              <a:buFont typeface="Arial"/>
+              <a:buChar char="•"/>
+              <a:defRPr sz="1800" kern="1200">
+                <a:solidFill>
+                  <a:schemeClr val="tx1"/>
+                </a:solidFill>
+                <a:latin typeface="+mn-lt"/>
+                <a:ea typeface="+mn-ea"/>
+                <a:cs typeface="+mn-cs"/>
+              </a:defRPr>
+            </a:lvl4pPr>
+            <a:lvl5pPr marL="2057400" indent="-228600" algn="l" defTabSz="914400" rtl="0" eaLnBrk="1" latinLnBrk="0" hangingPunct="1">
+              <a:lnSpc>
+                <a:spcPct val="90000"/>
+              </a:lnSpc>
+              <a:spcBef>
+                <a:spcPts val="500"/>
+              </a:spcBef>
+              <a:buFont typeface="Arial"/>
+              <a:buChar char="•"/>
+              <a:defRPr sz="1800" kern="1200">
+                <a:solidFill>
+                  <a:schemeClr val="tx1"/>
+                </a:solidFill>
+                <a:latin typeface="+mn-lt"/>
+                <a:ea typeface="+mn-ea"/>
+                <a:cs typeface="+mn-cs"/>
+              </a:defRPr>
+            </a:lvl5pPr>
+            <a:lvl6pPr marL="2514600" indent="-228600" algn="l" defTabSz="914400" rtl="0" eaLnBrk="1" latinLnBrk="0" hangingPunct="1">
+              <a:lnSpc>
+                <a:spcPct val="90000"/>
+              </a:lnSpc>
+              <a:spcBef>
+                <a:spcPts val="500"/>
+              </a:spcBef>
+              <a:buFont typeface="Arial"/>
+              <a:buChar char="•"/>
+              <a:defRPr sz="1800" kern="1200">
+                <a:solidFill>
+                  <a:schemeClr val="tx1"/>
+                </a:solidFill>
+                <a:latin typeface="+mn-lt"/>
+                <a:ea typeface="+mn-ea"/>
+                <a:cs typeface="+mn-cs"/>
+              </a:defRPr>
+            </a:lvl6pPr>
+            <a:lvl7pPr marL="2971800" indent="-228600" algn="l" defTabSz="914400" rtl="0" eaLnBrk="1" latinLnBrk="0" hangingPunct="1">
+              <a:lnSpc>
+                <a:spcPct val="90000"/>
+              </a:lnSpc>
+              <a:spcBef>
+                <a:spcPts val="500"/>
+              </a:spcBef>
+              <a:buFont typeface="Arial"/>
+              <a:buChar char="•"/>
+              <a:defRPr sz="1800" kern="1200">
+                <a:solidFill>
+                  <a:schemeClr val="tx1"/>
+                </a:solidFill>
+                <a:latin typeface="+mn-lt"/>
+                <a:ea typeface="+mn-ea"/>
+                <a:cs typeface="+mn-cs"/>
+              </a:defRPr>
+            </a:lvl7pPr>
+            <a:lvl8pPr marL="3429000" indent="-228600" algn="l" defTabSz="914400" rtl="0" eaLnBrk="1" latinLnBrk="0" hangingPunct="1">
+              <a:lnSpc>
+                <a:spcPct val="90000"/>
+              </a:lnSpc>
+              <a:spcBef>
+                <a:spcPts val="500"/>
+              </a:spcBef>
+              <a:buFont typeface="Arial"/>
+              <a:buChar char="•"/>
+              <a:defRPr sz="1800" kern="1200">
+                <a:solidFill>
+                  <a:schemeClr val="tx1"/>
+                </a:solidFill>
+                <a:latin typeface="+mn-lt"/>
+                <a:ea typeface="+mn-ea"/>
+                <a:cs typeface="+mn-cs"/>
+              </a:defRPr>
+            </a:lvl8pPr>
+            <a:lvl9pPr marL="3886200" indent="-228600" algn="l" defTabSz="914400" rtl="0" eaLnBrk="1" latinLnBrk="0" hangingPunct="1">
+              <a:lnSpc>
+                <a:spcPct val="90000"/>
+              </a:lnSpc>
+              <a:spcBef>
+                <a:spcPts val="500"/>
+              </a:spcBef>
+              <a:buFont typeface="Arial"/>
+              <a:buChar char="•"/>
+              <a:defRPr sz="1800" kern="1200">
+                <a:solidFill>
+                  <a:schemeClr val="tx1"/>
+                </a:solidFill>
+                <a:latin typeface="+mn-lt"/>
+                <a:ea typeface="+mn-ea"/>
+                <a:cs typeface="+mn-cs"/>
+              </a:defRPr>
+            </a:lvl9pPr>
+          </a:lstStyle>
+          <a:p>
+            <a:r>
+              <a:rPr kumimoji="1" lang="zh-CN" altLang="en-US" dirty="0" smtClean="0">
+                <a:solidFill>
+                  <a:schemeClr val="bg2"/>
+                </a:solidFill>
+              </a:rPr>
+              <a:t>催款</a:t>
+            </a:r>
+            <a:endParaRPr kumimoji="1" lang="en-US" altLang="zh-CN" dirty="0" smtClean="0">
+              <a:solidFill>
+                <a:schemeClr val="bg2"/>
+              </a:solidFill>
+            </a:endParaRPr>
+          </a:p>
+          <a:p>
             <a:pPr lvl="1"/>
             <a:r>
-              <a:rPr kumimoji="1" lang="zh-CN" altLang="en-US" dirty="0">
-                <a:solidFill>
-                  <a:schemeClr val="bg2"/>
-                </a:solidFill>
-              </a:rPr>
-              <a:t>平台提供了专门的</a:t>
-            </a:r>
-            <a:r>
-              <a:rPr kumimoji="1" lang="zh-CN" altLang="en-US" dirty="0">
+              <a:rPr kumimoji="1" lang="zh-CN" altLang="en-US" dirty="0" smtClean="0">
+                <a:solidFill>
+                  <a:schemeClr val="bg2"/>
+                </a:solidFill>
+              </a:rPr>
+              <a:t>在用户</a:t>
+            </a:r>
+            <a:r>
+              <a:rPr kumimoji="1" lang="zh-CN" altLang="en-US" dirty="0" smtClean="0">
                 <a:solidFill>
                   <a:srgbClr val="FF0000"/>
                 </a:solidFill>
               </a:rPr>
-              <a:t>产品页面</a:t>
-            </a:r>
-            <a:r>
-              <a:rPr kumimoji="1" lang="zh-CN" altLang="en-US" dirty="0">
-                <a:solidFill>
-                  <a:schemeClr val="bg2"/>
-                </a:solidFill>
-              </a:rPr>
-              <a:t>展示所有可购买的产品</a:t>
-            </a:r>
+              <a:t>还款逾期</a:t>
+            </a:r>
+            <a:r>
+              <a:rPr kumimoji="1" lang="zh-CN" altLang="en-US" dirty="0" smtClean="0">
+                <a:solidFill>
+                  <a:schemeClr val="bg2"/>
+                </a:solidFill>
+              </a:rPr>
+              <a:t>后，由平台发短信和站内信通知用户还款</a:t>
+            </a:r>
+            <a:endParaRPr kumimoji="1" lang="en-US" altLang="zh-CN" dirty="0" smtClean="0">
+              <a:solidFill>
+                <a:schemeClr val="bg2"/>
+              </a:solidFill>
+            </a:endParaRPr>
+          </a:p>
+          <a:p>
+            <a:endParaRPr kumimoji="1" lang="en-US" altLang="zh-CN" dirty="0" smtClean="0">
+              <a:solidFill>
+                <a:schemeClr val="bg2"/>
+              </a:solidFill>
+            </a:endParaRPr>
+          </a:p>
+          <a:p>
+            <a:r>
+              <a:rPr kumimoji="1" lang="zh-CN" altLang="en-US" dirty="0" smtClean="0">
+                <a:solidFill>
+                  <a:schemeClr val="bg2"/>
+                </a:solidFill>
+              </a:rPr>
+              <a:t>垫付</a:t>
+            </a:r>
+            <a:endParaRPr kumimoji="1" lang="en-US" altLang="zh-CN" dirty="0" smtClean="0">
+              <a:solidFill>
+                <a:schemeClr val="bg2"/>
+              </a:solidFill>
+            </a:endParaRPr>
+          </a:p>
+          <a:p>
+            <a:pPr lvl="1"/>
+            <a:r>
+              <a:rPr kumimoji="1" lang="zh-CN" altLang="en-US" dirty="0" smtClean="0">
+                <a:solidFill>
+                  <a:schemeClr val="bg2"/>
+                </a:solidFill>
+              </a:rPr>
+              <a:t>平台提供了</a:t>
+            </a:r>
+            <a:r>
+              <a:rPr kumimoji="1" lang="zh-CN" altLang="en-US" dirty="0" smtClean="0">
+                <a:solidFill>
+                  <a:srgbClr val="FF0000"/>
+                </a:solidFill>
+              </a:rPr>
+              <a:t>备用金账户</a:t>
+            </a:r>
+            <a:r>
+              <a:rPr kumimoji="1" lang="zh-CN" altLang="en-US" dirty="0" smtClean="0">
+                <a:solidFill>
+                  <a:schemeClr val="bg2"/>
+                </a:solidFill>
+              </a:rPr>
+              <a:t>，在用户未能按时还款时，先由备用金账户垫付。</a:t>
+            </a:r>
+            <a:endParaRPr kumimoji="1" lang="en-US" altLang="zh-CN" dirty="0" smtClean="0">
+              <a:solidFill>
+                <a:schemeClr val="bg2"/>
+              </a:solidFill>
+            </a:endParaRPr>
+          </a:p>
+          <a:p>
             <a:endParaRPr kumimoji="1" lang="en-US" altLang="zh-CN" dirty="0">
               <a:solidFill>
                 <a:schemeClr val="bg2"/>
               </a:solidFill>
             </a:endParaRPr>
           </a:p>
-          <a:p>
-            <a:pPr lvl="1"/>
-            <a:r>
-              <a:rPr kumimoji="1" lang="zh-CN" altLang="en-US" dirty="0">
-                <a:solidFill>
-                  <a:schemeClr val="bg2"/>
-                </a:solidFill>
-              </a:rPr>
-              <a:t>可查看</a:t>
-            </a:r>
-            <a:r>
-              <a:rPr kumimoji="1" lang="zh-CN" altLang="en-US" dirty="0">
-                <a:solidFill>
-                  <a:srgbClr val="FF0000"/>
-                </a:solidFill>
-              </a:rPr>
-              <a:t>产品</a:t>
-            </a:r>
-            <a:r>
-              <a:rPr kumimoji="1" lang="zh-CN" altLang="en-US" dirty="0">
-                <a:solidFill>
-                  <a:schemeClr val="bg2"/>
-                </a:solidFill>
-              </a:rPr>
-              <a:t>的详细信息</a:t>
-            </a:r>
-            <a:endParaRPr kumimoji="1" lang="en-US" altLang="zh-CN" dirty="0">
-              <a:solidFill>
-                <a:schemeClr val="bg2"/>
-              </a:solidFill>
-            </a:endParaRPr>
-          </a:p>
-          <a:p>
-            <a:pPr lvl="1"/>
-            <a:r>
-              <a:rPr kumimoji="1" lang="zh-CN" altLang="en-US" dirty="0">
-                <a:solidFill>
-                  <a:schemeClr val="bg2"/>
-                </a:solidFill>
-              </a:rPr>
-              <a:t>可查看</a:t>
-            </a:r>
-            <a:r>
-              <a:rPr kumimoji="1" lang="zh-CN" altLang="en-US" dirty="0">
-                <a:solidFill>
-                  <a:srgbClr val="FF0000"/>
-                </a:solidFill>
-              </a:rPr>
-              <a:t>借款人</a:t>
-            </a:r>
-            <a:r>
-              <a:rPr kumimoji="1" lang="zh-CN" altLang="en-US" dirty="0">
-                <a:solidFill>
-                  <a:schemeClr val="bg2"/>
-                </a:solidFill>
-              </a:rPr>
-              <a:t>的详细信息</a:t>
-            </a:r>
-            <a:endParaRPr kumimoji="1" lang="en-US" altLang="zh-CN" dirty="0">
-              <a:solidFill>
-                <a:schemeClr val="bg2"/>
-              </a:solidFill>
-            </a:endParaRPr>
-          </a:p>
-          <a:p>
-            <a:pPr lvl="1"/>
-            <a:r>
-              <a:rPr kumimoji="1" lang="zh-CN" altLang="en-US" dirty="0">
-                <a:solidFill>
-                  <a:schemeClr val="bg2"/>
-                </a:solidFill>
-              </a:rPr>
-              <a:t>选择</a:t>
-            </a:r>
-            <a:r>
-              <a:rPr kumimoji="1" lang="zh-CN" altLang="en-US" dirty="0">
-                <a:solidFill>
-                  <a:srgbClr val="FF0000"/>
-                </a:solidFill>
-              </a:rPr>
-              <a:t>不感兴趣</a:t>
-            </a:r>
-            <a:r>
-              <a:rPr kumimoji="1" lang="zh-CN" altLang="en-US" dirty="0">
-                <a:solidFill>
-                  <a:schemeClr val="bg2"/>
-                </a:solidFill>
-              </a:rPr>
-              <a:t>则会忽略此产品</a:t>
-            </a:r>
-            <a:endParaRPr kumimoji="1" lang="en-US" altLang="zh-CN" dirty="0">
-              <a:solidFill>
-                <a:schemeClr val="bg2"/>
-              </a:solidFill>
-            </a:endParaRPr>
-          </a:p>
-          <a:p>
-            <a:endParaRPr kumimoji="1" lang="en-US" altLang="zh-CN" dirty="0" smtClean="0">
-              <a:solidFill>
-                <a:schemeClr val="bg2"/>
-              </a:solidFill>
-            </a:endParaRPr>
-          </a:p>
-          <a:p>
-            <a:r>
-              <a:rPr kumimoji="1" lang="zh-CN" altLang="en-US" dirty="0" smtClean="0">
-                <a:solidFill>
-                  <a:schemeClr val="bg2"/>
-                </a:solidFill>
-              </a:rPr>
-              <a:t>购买产品</a:t>
-            </a:r>
-            <a:endParaRPr kumimoji="1" lang="en-US" altLang="zh-CN" dirty="0" smtClean="0">
-              <a:solidFill>
-                <a:schemeClr val="bg2"/>
-              </a:solidFill>
-            </a:endParaRPr>
-          </a:p>
-          <a:p>
-            <a:pPr lvl="1"/>
-            <a:r>
-              <a:rPr kumimoji="1" lang="zh-CN" altLang="en-US" dirty="0" smtClean="0">
-                <a:solidFill>
-                  <a:schemeClr val="bg2"/>
-                </a:solidFill>
-              </a:rPr>
-              <a:t>需要用户输入正确的</a:t>
-            </a:r>
-            <a:r>
-              <a:rPr kumimoji="1" lang="zh-CN" altLang="en-US" dirty="0" smtClean="0">
-                <a:solidFill>
-                  <a:srgbClr val="FF0000"/>
-                </a:solidFill>
-              </a:rPr>
-              <a:t>支付密码</a:t>
+        </p:txBody>
+      </p:sp>
+      <p:sp>
+        <p:nvSpPr>
+          <p:cNvPr id="10" name="文本框 9"/>
+          <p:cNvSpPr txBox="1"/>
+          <p:nvPr/>
+        </p:nvSpPr>
+        <p:spPr>
+          <a:xfrm>
+            <a:off x="7685070" y="5853797"/>
+            <a:ext cx="1608133" cy="646331"/>
+          </a:xfrm>
+          <a:prstGeom prst="rect">
+            <a:avLst/>
+          </a:prstGeom>
+          <a:noFill/>
+        </p:spPr>
+        <p:txBody>
+          <a:bodyPr wrap="none" rtlCol="0">
+            <a:spAutoFit/>
+          </a:bodyPr>
+          <a:lstStyle/>
+          <a:p>
+            <a:r>
+              <a:rPr kumimoji="1" lang="zh-CN" altLang="en-US" dirty="0" smtClean="0">
+                <a:solidFill>
+                  <a:schemeClr val="bg2"/>
+                </a:solidFill>
+              </a:rPr>
+              <a:t>账号：</a:t>
+            </a:r>
+            <a:r>
+              <a:rPr kumimoji="1" lang="en-US" altLang="zh-CN" dirty="0" smtClean="0">
+                <a:solidFill>
+                  <a:schemeClr val="bg2"/>
+                </a:solidFill>
+              </a:rPr>
+              <a:t>user01</a:t>
+            </a:r>
+          </a:p>
+          <a:p>
+            <a:r>
+              <a:rPr kumimoji="1" lang="zh-CN" altLang="en-US" dirty="0" smtClean="0">
+                <a:solidFill>
+                  <a:schemeClr val="bg2"/>
+                </a:solidFill>
+              </a:rPr>
+              <a:t>密码：</a:t>
+            </a:r>
+            <a:r>
+              <a:rPr kumimoji="1" lang="en-US" altLang="zh-CN" dirty="0" smtClean="0">
+                <a:solidFill>
+                  <a:schemeClr val="bg2"/>
+                </a:solidFill>
+              </a:rPr>
+              <a:t>000000</a:t>
             </a:r>
             <a:endParaRPr kumimoji="1" lang="zh-CN" altLang="en-US" dirty="0">
               <a:solidFill>
-                <a:srgbClr val="FF0000"/>
+                <a:schemeClr val="bg2"/>
               </a:solidFill>
             </a:endParaRPr>
           </a:p>
@@ -10689,7 +11383,7 @@
     </p:spTree>
     <p:extLst>
       <p:ext uri="{BB962C8B-B14F-4D97-AF65-F5344CB8AC3E}">
-        <p14:creationId xmlns:p14="http://schemas.microsoft.com/office/powerpoint/2010/main" val="699578364"/>
+        <p14:creationId xmlns:p14="http://schemas.microsoft.com/office/powerpoint/2010/main" val="984746967"/>
       </p:ext>
     </p:extLst>
   </p:cSld>
@@ -10744,7 +11438,7 @@
                   <a:schemeClr val="bg2"/>
                 </a:solidFill>
               </a:rPr>
-              <a:t>担保人模块及审核员模块</a:t>
+              <a:t>借款人模块</a:t>
             </a:r>
             <a:endParaRPr kumimoji="1" lang="zh-CN" altLang="en-US" dirty="0">
               <a:solidFill>
@@ -10764,23 +11458,20 @@
             <p:ph idx="1"/>
           </p:nvPr>
         </p:nvSpPr>
-        <p:spPr>
-          <a:xfrm>
-            <a:off x="838200" y="1825625"/>
-            <a:ext cx="3374204" cy="4351338"/>
-          </a:xfrm>
-        </p:spPr>
-        <p:txBody>
-          <a:bodyPr/>
-          <a:lstStyle/>
-          <a:p>
-            <a:r>
-              <a:rPr kumimoji="1" lang="zh-CN" altLang="en-US" dirty="0" smtClean="0">
-                <a:solidFill>
-                  <a:schemeClr val="bg2"/>
-                </a:solidFill>
-              </a:rPr>
-              <a:t>担保人：</a:t>
+        <p:spPr/>
+        <p:txBody>
+          <a:bodyPr>
+            <a:normAutofit lnSpcReduction="10000"/>
+          </a:bodyPr>
+          <a:lstStyle/>
+          <a:p>
+            <a:r>
+              <a:rPr kumimoji="1" lang="zh-CN" altLang="en-US" dirty="0" smtClean="0">
+                <a:solidFill>
+                  <a:schemeClr val="bg2"/>
+                </a:solidFill>
+              </a:rPr>
+              <a:t>征信</a:t>
             </a:r>
             <a:endParaRPr kumimoji="1" lang="en-US" altLang="zh-CN" dirty="0" smtClean="0">
               <a:solidFill>
@@ -10789,33 +11480,34 @@
             </a:endParaRPr>
           </a:p>
           <a:p>
+            <a:pPr lvl="1"/>
+            <a:r>
+              <a:rPr kumimoji="1" lang="zh-CN" altLang="en-US" dirty="0" smtClean="0">
+                <a:solidFill>
+                  <a:schemeClr val="bg2"/>
+                </a:solidFill>
+              </a:rPr>
+              <a:t>用户填写征信资料，由</a:t>
+            </a:r>
+            <a:r>
+              <a:rPr kumimoji="1" lang="zh-CN" altLang="en-US" dirty="0" smtClean="0">
+                <a:solidFill>
+                  <a:srgbClr val="FF0000"/>
+                </a:solidFill>
+              </a:rPr>
+              <a:t>审核员</a:t>
+            </a:r>
+            <a:r>
+              <a:rPr kumimoji="1" lang="zh-CN" altLang="en-US" dirty="0" smtClean="0">
+                <a:solidFill>
+                  <a:schemeClr val="bg2"/>
+                </a:solidFill>
+              </a:rPr>
+              <a:t>审核。</a:t>
+            </a:r>
             <a:endParaRPr kumimoji="1" lang="en-US" altLang="zh-CN" dirty="0" smtClean="0">
               <a:solidFill>
                 <a:schemeClr val="bg2"/>
-              </a:solidFill>
-            </a:endParaRPr>
-          </a:p>
-          <a:p>
-            <a:pPr lvl="1"/>
-            <a:r>
-              <a:rPr kumimoji="1" lang="zh-CN" altLang="en-US" dirty="0">
-                <a:solidFill>
-                  <a:schemeClr val="bg2"/>
-                </a:solidFill>
-              </a:rPr>
-              <a:t>处理</a:t>
-            </a:r>
-            <a:r>
-              <a:rPr kumimoji="1" lang="zh-CN" altLang="en-US" dirty="0">
-                <a:solidFill>
-                  <a:srgbClr val="FF0000"/>
-                </a:solidFill>
-              </a:rPr>
-              <a:t>担保请求</a:t>
-            </a:r>
-            <a:endParaRPr kumimoji="1" lang="en-US" altLang="zh-CN" dirty="0">
-              <a:solidFill>
-                <a:srgbClr val="FF0000"/>
               </a:solidFill>
             </a:endParaRPr>
           </a:p>
@@ -10828,365 +11520,61 @@
             </a:endParaRPr>
           </a:p>
           <a:p>
+            <a:r>
+              <a:rPr kumimoji="1" lang="zh-CN" altLang="en-US" dirty="0" smtClean="0">
+                <a:solidFill>
+                  <a:schemeClr val="bg2"/>
+                </a:solidFill>
+              </a:rPr>
+              <a:t>借款</a:t>
+            </a:r>
+            <a:endParaRPr kumimoji="1" lang="en-US" altLang="zh-CN" dirty="0" smtClean="0">
+              <a:solidFill>
+                <a:schemeClr val="bg2"/>
+              </a:solidFill>
+            </a:endParaRPr>
+          </a:p>
+          <a:p>
             <a:pPr lvl="1"/>
             <a:r>
-              <a:rPr kumimoji="1" lang="zh-CN" altLang="en-US" dirty="0">
-                <a:solidFill>
-                  <a:schemeClr val="bg2"/>
-                </a:solidFill>
-              </a:rPr>
-              <a:t>处理</a:t>
-            </a:r>
-            <a:r>
-              <a:rPr kumimoji="1" lang="zh-CN" altLang="en-US" dirty="0">
+              <a:rPr kumimoji="1" lang="zh-CN" altLang="en-US" dirty="0" smtClean="0">
+                <a:solidFill>
+                  <a:schemeClr val="bg2"/>
+                </a:solidFill>
+              </a:rPr>
+              <a:t>用户提出</a:t>
+            </a:r>
+            <a:r>
+              <a:rPr kumimoji="1" lang="zh-CN" altLang="en-US" dirty="0" smtClean="0">
                 <a:solidFill>
                   <a:srgbClr val="FF0000"/>
                 </a:solidFill>
               </a:rPr>
-              <a:t>逾期</a:t>
-            </a:r>
-            <a:r>
-              <a:rPr kumimoji="1" lang="zh-CN" altLang="en-US" dirty="0">
-                <a:solidFill>
-                  <a:schemeClr val="bg2"/>
-                </a:solidFill>
-              </a:rPr>
-              <a:t>记录</a:t>
-            </a:r>
-            <a:endParaRPr kumimoji="1" lang="en-US" altLang="zh-CN" dirty="0">
-              <a:solidFill>
-                <a:schemeClr val="bg2"/>
-              </a:solidFill>
-            </a:endParaRPr>
-          </a:p>
-          <a:p>
-            <a:pPr lvl="1"/>
-            <a:endParaRPr kumimoji="1" lang="en-US" altLang="zh-CN" dirty="0">
-              <a:solidFill>
-                <a:schemeClr val="bg2"/>
-              </a:solidFill>
-            </a:endParaRPr>
-          </a:p>
-          <a:p>
-            <a:pPr lvl="2"/>
-            <a:r>
-              <a:rPr kumimoji="1" lang="zh-CN" altLang="en-US" dirty="0">
+              <a:t>贷款</a:t>
+            </a:r>
+            <a:r>
+              <a:rPr kumimoji="1" lang="zh-CN" altLang="en-US" dirty="0" smtClean="0">
+                <a:solidFill>
+                  <a:schemeClr val="bg2"/>
+                </a:solidFill>
+              </a:rPr>
+              <a:t>请求，由</a:t>
+            </a:r>
+            <a:r>
+              <a:rPr kumimoji="1" lang="zh-CN" altLang="en-US" dirty="0" smtClean="0">
                 <a:solidFill>
                   <a:srgbClr val="FF0000"/>
                 </a:solidFill>
               </a:rPr>
-              <a:t>冻结</a:t>
-            </a:r>
-            <a:r>
-              <a:rPr kumimoji="1" lang="zh-CN" altLang="en-US" dirty="0">
-                <a:solidFill>
-                  <a:schemeClr val="bg2"/>
-                </a:solidFill>
-              </a:rPr>
-              <a:t>银行账号</a:t>
-            </a:r>
-            <a:endParaRPr kumimoji="1" lang="en-US" altLang="zh-CN" dirty="0">
-              <a:solidFill>
-                <a:schemeClr val="bg2"/>
-              </a:solidFill>
-            </a:endParaRPr>
-          </a:p>
-          <a:p>
-            <a:pPr lvl="1"/>
-            <a:endParaRPr kumimoji="1" lang="en-US" altLang="zh-CN" dirty="0">
-              <a:solidFill>
-                <a:schemeClr val="bg2"/>
-              </a:solidFill>
-            </a:endParaRPr>
-          </a:p>
-          <a:p>
-            <a:pPr lvl="2"/>
-            <a:r>
-              <a:rPr kumimoji="1" lang="zh-CN" altLang="en-US" dirty="0">
-                <a:solidFill>
-                  <a:srgbClr val="FF0000"/>
-                </a:solidFill>
-              </a:rPr>
-              <a:t>解冻</a:t>
-            </a:r>
-            <a:r>
-              <a:rPr kumimoji="1" lang="zh-CN" altLang="en-US" dirty="0">
-                <a:solidFill>
-                  <a:schemeClr val="bg2"/>
-                </a:solidFill>
-              </a:rPr>
-              <a:t>银行账号</a:t>
-            </a:r>
-            <a:endParaRPr kumimoji="1" lang="en-US" altLang="zh-CN" dirty="0">
-              <a:solidFill>
-                <a:schemeClr val="bg2"/>
-              </a:solidFill>
-            </a:endParaRPr>
-          </a:p>
-          <a:p>
-            <a:endParaRPr kumimoji="1" lang="en-US" altLang="zh-CN" dirty="0">
-              <a:solidFill>
-                <a:schemeClr val="bg2"/>
-              </a:solidFill>
-            </a:endParaRPr>
-          </a:p>
-          <a:p>
-            <a:endParaRPr kumimoji="1" lang="zh-CN" altLang="en-US" dirty="0">
-              <a:solidFill>
-                <a:schemeClr val="bg2"/>
-              </a:solidFill>
-            </a:endParaRPr>
-          </a:p>
-        </p:txBody>
-      </p:sp>
-      <p:sp>
-        <p:nvSpPr>
-          <p:cNvPr id="4" name="内容占位符 2"/>
-          <p:cNvSpPr txBox="1">
-            <a:spLocks/>
-          </p:cNvSpPr>
-          <p:nvPr/>
-        </p:nvSpPr>
-        <p:spPr>
-          <a:xfrm>
-            <a:off x="6096000" y="1825625"/>
-            <a:ext cx="3374204" cy="4351338"/>
-          </a:xfrm>
-          <a:prstGeom prst="rect">
-            <a:avLst/>
-          </a:prstGeom>
-        </p:spPr>
-        <p:txBody>
-          <a:bodyPr vert="horz" lIns="91440" tIns="45720" rIns="91440" bIns="45720" rtlCol="0">
-            <a:normAutofit/>
-          </a:bodyPr>
-          <a:lstStyle>
-            <a:lvl1pPr marL="228600" indent="-228600" algn="l" defTabSz="914400" rtl="0" eaLnBrk="1" latinLnBrk="0" hangingPunct="1">
-              <a:lnSpc>
-                <a:spcPct val="90000"/>
-              </a:lnSpc>
-              <a:spcBef>
-                <a:spcPts val="1000"/>
-              </a:spcBef>
-              <a:buFont typeface="Arial"/>
-              <a:buChar char="•"/>
-              <a:defRPr sz="2800" kern="1200">
-                <a:solidFill>
-                  <a:schemeClr val="tx1"/>
-                </a:solidFill>
-                <a:latin typeface="+mn-lt"/>
-                <a:ea typeface="+mn-ea"/>
-                <a:cs typeface="+mn-cs"/>
-              </a:defRPr>
-            </a:lvl1pPr>
-            <a:lvl2pPr marL="685800" indent="-228600" algn="l" defTabSz="914400" rtl="0" eaLnBrk="1" latinLnBrk="0" hangingPunct="1">
-              <a:lnSpc>
-                <a:spcPct val="90000"/>
-              </a:lnSpc>
-              <a:spcBef>
-                <a:spcPts val="500"/>
-              </a:spcBef>
-              <a:buFont typeface="Arial"/>
-              <a:buChar char="•"/>
-              <a:defRPr sz="2400" kern="1200">
-                <a:solidFill>
-                  <a:schemeClr val="tx1"/>
-                </a:solidFill>
-                <a:latin typeface="+mn-lt"/>
-                <a:ea typeface="+mn-ea"/>
-                <a:cs typeface="+mn-cs"/>
-              </a:defRPr>
-            </a:lvl2pPr>
-            <a:lvl3pPr marL="1143000" indent="-228600" algn="l" defTabSz="914400" rtl="0" eaLnBrk="1" latinLnBrk="0" hangingPunct="1">
-              <a:lnSpc>
-                <a:spcPct val="90000"/>
-              </a:lnSpc>
-              <a:spcBef>
-                <a:spcPts val="500"/>
-              </a:spcBef>
-              <a:buFont typeface="Arial"/>
-              <a:buChar char="•"/>
-              <a:defRPr sz="2000" kern="1200">
-                <a:solidFill>
-                  <a:schemeClr val="tx1"/>
-                </a:solidFill>
-                <a:latin typeface="+mn-lt"/>
-                <a:ea typeface="+mn-ea"/>
-                <a:cs typeface="+mn-cs"/>
-              </a:defRPr>
-            </a:lvl3pPr>
-            <a:lvl4pPr marL="1600200" indent="-228600" algn="l" defTabSz="914400" rtl="0" eaLnBrk="1" latinLnBrk="0" hangingPunct="1">
-              <a:lnSpc>
-                <a:spcPct val="90000"/>
-              </a:lnSpc>
-              <a:spcBef>
-                <a:spcPts val="500"/>
-              </a:spcBef>
-              <a:buFont typeface="Arial"/>
-              <a:buChar char="•"/>
-              <a:defRPr sz="1800" kern="1200">
-                <a:solidFill>
-                  <a:schemeClr val="tx1"/>
-                </a:solidFill>
-                <a:latin typeface="+mn-lt"/>
-                <a:ea typeface="+mn-ea"/>
-                <a:cs typeface="+mn-cs"/>
-              </a:defRPr>
-            </a:lvl4pPr>
-            <a:lvl5pPr marL="2057400" indent="-228600" algn="l" defTabSz="914400" rtl="0" eaLnBrk="1" latinLnBrk="0" hangingPunct="1">
-              <a:lnSpc>
-                <a:spcPct val="90000"/>
-              </a:lnSpc>
-              <a:spcBef>
-                <a:spcPts val="500"/>
-              </a:spcBef>
-              <a:buFont typeface="Arial"/>
-              <a:buChar char="•"/>
-              <a:defRPr sz="1800" kern="1200">
-                <a:solidFill>
-                  <a:schemeClr val="tx1"/>
-                </a:solidFill>
-                <a:latin typeface="+mn-lt"/>
-                <a:ea typeface="+mn-ea"/>
-                <a:cs typeface="+mn-cs"/>
-              </a:defRPr>
-            </a:lvl5pPr>
-            <a:lvl6pPr marL="2514600" indent="-228600" algn="l" defTabSz="914400" rtl="0" eaLnBrk="1" latinLnBrk="0" hangingPunct="1">
-              <a:lnSpc>
-                <a:spcPct val="90000"/>
-              </a:lnSpc>
-              <a:spcBef>
-                <a:spcPts val="500"/>
-              </a:spcBef>
-              <a:buFont typeface="Arial"/>
-              <a:buChar char="•"/>
-              <a:defRPr sz="1800" kern="1200">
-                <a:solidFill>
-                  <a:schemeClr val="tx1"/>
-                </a:solidFill>
-                <a:latin typeface="+mn-lt"/>
-                <a:ea typeface="+mn-ea"/>
-                <a:cs typeface="+mn-cs"/>
-              </a:defRPr>
-            </a:lvl6pPr>
-            <a:lvl7pPr marL="2971800" indent="-228600" algn="l" defTabSz="914400" rtl="0" eaLnBrk="1" latinLnBrk="0" hangingPunct="1">
-              <a:lnSpc>
-                <a:spcPct val="90000"/>
-              </a:lnSpc>
-              <a:spcBef>
-                <a:spcPts val="500"/>
-              </a:spcBef>
-              <a:buFont typeface="Arial"/>
-              <a:buChar char="•"/>
-              <a:defRPr sz="1800" kern="1200">
-                <a:solidFill>
-                  <a:schemeClr val="tx1"/>
-                </a:solidFill>
-                <a:latin typeface="+mn-lt"/>
-                <a:ea typeface="+mn-ea"/>
-                <a:cs typeface="+mn-cs"/>
-              </a:defRPr>
-            </a:lvl7pPr>
-            <a:lvl8pPr marL="3429000" indent="-228600" algn="l" defTabSz="914400" rtl="0" eaLnBrk="1" latinLnBrk="0" hangingPunct="1">
-              <a:lnSpc>
-                <a:spcPct val="90000"/>
-              </a:lnSpc>
-              <a:spcBef>
-                <a:spcPts val="500"/>
-              </a:spcBef>
-              <a:buFont typeface="Arial"/>
-              <a:buChar char="•"/>
-              <a:defRPr sz="1800" kern="1200">
-                <a:solidFill>
-                  <a:schemeClr val="tx1"/>
-                </a:solidFill>
-                <a:latin typeface="+mn-lt"/>
-                <a:ea typeface="+mn-ea"/>
-                <a:cs typeface="+mn-cs"/>
-              </a:defRPr>
-            </a:lvl8pPr>
-            <a:lvl9pPr marL="3886200" indent="-228600" algn="l" defTabSz="914400" rtl="0" eaLnBrk="1" latinLnBrk="0" hangingPunct="1">
-              <a:lnSpc>
-                <a:spcPct val="90000"/>
-              </a:lnSpc>
-              <a:spcBef>
-                <a:spcPts val="500"/>
-              </a:spcBef>
-              <a:buFont typeface="Arial"/>
-              <a:buChar char="•"/>
-              <a:defRPr sz="1800" kern="1200">
-                <a:solidFill>
-                  <a:schemeClr val="tx1"/>
-                </a:solidFill>
-                <a:latin typeface="+mn-lt"/>
-                <a:ea typeface="+mn-ea"/>
-                <a:cs typeface="+mn-cs"/>
-              </a:defRPr>
-            </a:lvl9pPr>
-          </a:lstStyle>
-          <a:p>
-            <a:r>
-              <a:rPr kumimoji="1" lang="zh-CN" altLang="en-US" dirty="0" smtClean="0">
-                <a:solidFill>
-                  <a:schemeClr val="bg2"/>
-                </a:solidFill>
-              </a:rPr>
-              <a:t>审核员：</a:t>
-            </a:r>
-            <a:endParaRPr kumimoji="1" lang="en-US" altLang="zh-CN" dirty="0" smtClean="0">
-              <a:solidFill>
-                <a:schemeClr val="bg2"/>
-              </a:solidFill>
-            </a:endParaRPr>
-          </a:p>
-          <a:p>
-            <a:endParaRPr kumimoji="1" lang="en-US" altLang="zh-CN" dirty="0" smtClean="0">
-              <a:solidFill>
-                <a:schemeClr val="bg2"/>
-              </a:solidFill>
-            </a:endParaRPr>
-          </a:p>
-          <a:p>
-            <a:pPr lvl="1"/>
-            <a:r>
-              <a:rPr kumimoji="1" lang="zh-CN" altLang="en-US" dirty="0" smtClean="0">
-                <a:solidFill>
-                  <a:schemeClr val="bg2"/>
-                </a:solidFill>
-              </a:rPr>
-              <a:t>处理审核资料</a:t>
-            </a:r>
-            <a:endParaRPr kumimoji="1" lang="en-US" altLang="zh-CN" dirty="0" smtClean="0">
-              <a:solidFill>
-                <a:schemeClr val="bg2"/>
-              </a:solidFill>
-            </a:endParaRPr>
-          </a:p>
-          <a:p>
-            <a:pPr lvl="1"/>
-            <a:endParaRPr kumimoji="1" lang="en-US" altLang="zh-CN" dirty="0">
-              <a:solidFill>
-                <a:schemeClr val="bg2"/>
-              </a:solidFill>
-            </a:endParaRPr>
-          </a:p>
-          <a:p>
-            <a:pPr lvl="1"/>
-            <a:r>
-              <a:rPr kumimoji="1" lang="zh-CN" altLang="en-US" dirty="0" smtClean="0">
-                <a:solidFill>
-                  <a:srgbClr val="FF0000"/>
-                </a:solidFill>
-              </a:rPr>
-              <a:t>查询</a:t>
-            </a:r>
-            <a:r>
-              <a:rPr kumimoji="1" lang="zh-CN" altLang="en-US" dirty="0" smtClean="0">
-                <a:solidFill>
-                  <a:schemeClr val="bg2"/>
-                </a:solidFill>
-              </a:rPr>
-              <a:t>历史审核</a:t>
+              <a:t>担保人</a:t>
+            </a:r>
+            <a:r>
+              <a:rPr kumimoji="1" lang="zh-CN" altLang="en-US" dirty="0" smtClean="0">
+                <a:solidFill>
+                  <a:schemeClr val="bg2"/>
+                </a:solidFill>
+              </a:rPr>
+              <a:t>审核。</a:t>
             </a:r>
             <a:endParaRPr kumimoji="1" lang="en-US" altLang="zh-CN" dirty="0" smtClean="0">
               <a:solidFill>
@@ -11203,7 +11591,68 @@
             </a:endParaRPr>
           </a:p>
           <a:p>
+            <a:r>
+              <a:rPr kumimoji="1" lang="zh-CN" altLang="en-US" dirty="0" smtClean="0">
+                <a:solidFill>
+                  <a:schemeClr val="bg2"/>
+                </a:solidFill>
+              </a:rPr>
+              <a:t>查询</a:t>
+            </a:r>
+            <a:r>
+              <a:rPr kumimoji="1" lang="zh-CN" altLang="en-US" dirty="0">
+                <a:solidFill>
+                  <a:schemeClr val="bg2"/>
+                </a:solidFill>
+              </a:rPr>
+              <a:t>借款</a:t>
+            </a:r>
+            <a:endParaRPr kumimoji="1" lang="en-US" altLang="zh-CN" dirty="0">
+              <a:solidFill>
+                <a:schemeClr val="bg2"/>
+              </a:solidFill>
+            </a:endParaRPr>
+          </a:p>
+          <a:p>
+            <a:endParaRPr kumimoji="1" lang="en-US" altLang="zh-CN" dirty="0">
+              <a:solidFill>
+                <a:schemeClr val="bg2"/>
+              </a:solidFill>
+            </a:endParaRPr>
+          </a:p>
+          <a:p>
+            <a:r>
+              <a:rPr kumimoji="1" lang="zh-CN" altLang="en-US" dirty="0" smtClean="0">
+                <a:solidFill>
+                  <a:schemeClr val="bg2"/>
+                </a:solidFill>
+              </a:rPr>
+              <a:t>还款</a:t>
+            </a:r>
             <a:endParaRPr kumimoji="1" lang="en-US" altLang="zh-CN" dirty="0" smtClean="0">
+              <a:solidFill>
+                <a:schemeClr val="bg2"/>
+              </a:solidFill>
+            </a:endParaRPr>
+          </a:p>
+          <a:p>
+            <a:pPr lvl="1"/>
+            <a:r>
+              <a:rPr kumimoji="1" lang="zh-CN" altLang="en-US" dirty="0" smtClean="0">
+                <a:solidFill>
+                  <a:schemeClr val="bg2"/>
+                </a:solidFill>
+              </a:rPr>
+              <a:t>用户在每个月指定的日期之前还款。</a:t>
+            </a:r>
+            <a:endParaRPr kumimoji="1" lang="en-US" altLang="zh-CN" dirty="0">
+              <a:solidFill>
+                <a:schemeClr val="bg2"/>
+              </a:solidFill>
+            </a:endParaRPr>
+          </a:p>
+          <a:p>
+            <a:endParaRPr kumimoji="1" lang="en-US" altLang="zh-CN" dirty="0">
               <a:solidFill>
                 <a:schemeClr val="bg2"/>
               </a:solidFill>
@@ -11226,8 +11675,8 @@
         </p:nvSpPr>
         <p:spPr>
           <a:xfrm>
-            <a:off x="2054831" y="5934423"/>
-            <a:ext cx="2382383" cy="646331"/>
+            <a:off x="6987282" y="2287962"/>
+            <a:ext cx="4366518" cy="2862322"/>
           </a:xfrm>
           <a:prstGeom prst="rect">
             <a:avLst/>
@@ -11235,110 +11684,154 @@
           <a:noFill/>
         </p:spPr>
         <p:txBody>
-          <a:bodyPr wrap="none" rtlCol="0">
+          <a:bodyPr wrap="square" rtlCol="0">
             <a:spAutoFit/>
           </a:bodyPr>
           <a:lstStyle/>
           <a:p>
             <a:r>
-              <a:rPr kumimoji="1" lang="zh-CN" altLang="en-US" dirty="0" smtClean="0">
-                <a:solidFill>
-                  <a:schemeClr val="bg2"/>
-                </a:solidFill>
-              </a:rPr>
-              <a:t>担保人账号：</a:t>
-            </a:r>
-            <a:r>
-              <a:rPr kumimoji="1" lang="en-US" altLang="zh-CN" dirty="0" smtClean="0">
-                <a:solidFill>
-                  <a:schemeClr val="bg2"/>
-                </a:solidFill>
-              </a:rPr>
-              <a:t>guara01</a:t>
-            </a:r>
-          </a:p>
-          <a:p>
-            <a:r>
-              <a:rPr kumimoji="1" lang="zh-CN" altLang="en-US" dirty="0" smtClean="0">
-                <a:solidFill>
-                  <a:schemeClr val="bg2"/>
-                </a:solidFill>
-              </a:rPr>
-              <a:t>密码：</a:t>
-            </a:r>
-            <a:r>
-              <a:rPr kumimoji="1" lang="en-US" altLang="zh-CN" dirty="0" smtClean="0">
-                <a:solidFill>
-                  <a:schemeClr val="bg2"/>
-                </a:solidFill>
-              </a:rPr>
-              <a:t>000000</a:t>
-            </a:r>
-            <a:endParaRPr kumimoji="1" lang="zh-CN" altLang="en-US" dirty="0">
-              <a:solidFill>
-                <a:schemeClr val="bg2"/>
-              </a:solidFill>
-            </a:endParaRPr>
-          </a:p>
-        </p:txBody>
-      </p:sp>
-      <p:sp>
-        <p:nvSpPr>
-          <p:cNvPr id="6" name="文本框 5"/>
-          <p:cNvSpPr txBox="1"/>
-          <p:nvPr/>
-        </p:nvSpPr>
-        <p:spPr>
-          <a:xfrm>
-            <a:off x="6727861" y="5934423"/>
-            <a:ext cx="2313454" cy="646331"/>
-          </a:xfrm>
-          <a:prstGeom prst="rect">
-            <a:avLst/>
-          </a:prstGeom>
-          <a:noFill/>
-        </p:spPr>
-        <p:txBody>
-          <a:bodyPr wrap="none" rtlCol="0">
-            <a:spAutoFit/>
-          </a:bodyPr>
-          <a:lstStyle/>
-          <a:p>
-            <a:r>
-              <a:rPr kumimoji="1" lang="zh-CN" altLang="en-US" dirty="0" smtClean="0">
-                <a:solidFill>
-                  <a:schemeClr val="bg2"/>
-                </a:solidFill>
-              </a:rPr>
-              <a:t>审核员账号：</a:t>
-            </a:r>
-            <a:r>
-              <a:rPr kumimoji="1" lang="en-US" altLang="zh-CN" dirty="0" smtClean="0">
-                <a:solidFill>
-                  <a:schemeClr val="bg2"/>
-                </a:solidFill>
-              </a:rPr>
-              <a:t>audit01</a:t>
-            </a:r>
-          </a:p>
-          <a:p>
-            <a:r>
-              <a:rPr kumimoji="1" lang="zh-CN" altLang="en-US" dirty="0" smtClean="0">
-                <a:solidFill>
-                  <a:schemeClr val="bg2"/>
-                </a:solidFill>
-              </a:rPr>
-              <a:t>密码：</a:t>
-            </a:r>
-            <a:r>
-              <a:rPr kumimoji="1" lang="en-US" altLang="zh-CN" dirty="0" smtClean="0">
-                <a:solidFill>
-                  <a:schemeClr val="bg2"/>
-                </a:solidFill>
-              </a:rPr>
-              <a:t>000000</a:t>
-            </a:r>
-            <a:endParaRPr kumimoji="1" lang="zh-CN" altLang="en-US" dirty="0">
+              <a:rPr kumimoji="1" lang="zh-CN" altLang="en-US" b="1" i="1" dirty="0" smtClean="0">
+                <a:solidFill>
+                  <a:schemeClr val="bg2"/>
+                </a:solidFill>
+              </a:rPr>
+              <a:t>亮点：征信和借款这两个功能的后台逻辑十分</a:t>
+            </a:r>
+            <a:r>
+              <a:rPr kumimoji="1" lang="zh-CN" altLang="en-US" b="1" i="1" dirty="0" smtClean="0">
+                <a:solidFill>
+                  <a:srgbClr val="FF0000"/>
+                </a:solidFill>
+              </a:rPr>
+              <a:t>完备</a:t>
+            </a:r>
+            <a:r>
+              <a:rPr kumimoji="1" lang="zh-CN" altLang="en-US" b="1" i="1" dirty="0" smtClean="0">
+                <a:solidFill>
+                  <a:schemeClr val="bg2"/>
+                </a:solidFill>
+              </a:rPr>
+              <a:t>，用户在借款之前需要填写</a:t>
+            </a:r>
+            <a:r>
+              <a:rPr kumimoji="1" lang="zh-CN" altLang="en-US" b="1" i="1" dirty="0" smtClean="0">
+                <a:solidFill>
+                  <a:srgbClr val="FF0000"/>
+                </a:solidFill>
+              </a:rPr>
+              <a:t>征信资料</a:t>
+            </a:r>
+            <a:r>
+              <a:rPr kumimoji="1" lang="zh-CN" altLang="en-US" b="1" i="1" dirty="0" smtClean="0">
+                <a:solidFill>
+                  <a:schemeClr val="bg2"/>
+                </a:solidFill>
+              </a:rPr>
+              <a:t>，可上传附件，征信资料由</a:t>
+            </a:r>
+            <a:r>
+              <a:rPr kumimoji="1" lang="zh-CN" altLang="en-US" b="1" i="1" dirty="0" smtClean="0">
+                <a:solidFill>
+                  <a:srgbClr val="FF0000"/>
+                </a:solidFill>
+              </a:rPr>
+              <a:t>审核员</a:t>
+            </a:r>
+            <a:r>
+              <a:rPr kumimoji="1" lang="zh-CN" altLang="en-US" b="1" i="1" dirty="0" smtClean="0">
+                <a:solidFill>
+                  <a:schemeClr val="bg2"/>
+                </a:solidFill>
+              </a:rPr>
+              <a:t>进行审核，并进行审核评级，审核评级和其它资料一起形成最终的</a:t>
+            </a:r>
+            <a:r>
+              <a:rPr kumimoji="1" lang="zh-CN" altLang="en-US" b="1" i="1" dirty="0" smtClean="0">
+                <a:solidFill>
+                  <a:srgbClr val="FF0000"/>
+                </a:solidFill>
+              </a:rPr>
+              <a:t>信用评级</a:t>
+            </a:r>
+            <a:r>
+              <a:rPr kumimoji="1" lang="zh-CN" altLang="en-US" b="1" i="1" dirty="0" smtClean="0">
+                <a:solidFill>
+                  <a:schemeClr val="bg2"/>
+                </a:solidFill>
+              </a:rPr>
+              <a:t>，这一信用评级直接影响用户的</a:t>
+            </a:r>
+            <a:r>
+              <a:rPr kumimoji="1" lang="zh-CN" altLang="en-US" b="1" i="1" dirty="0" smtClean="0">
+                <a:solidFill>
+                  <a:srgbClr val="FF0000"/>
+                </a:solidFill>
+              </a:rPr>
+              <a:t>贷款额度</a:t>
+            </a:r>
+            <a:r>
+              <a:rPr kumimoji="1" lang="zh-CN" altLang="en-US" b="1" i="1" dirty="0" smtClean="0">
+                <a:solidFill>
+                  <a:schemeClr val="bg2"/>
+                </a:solidFill>
+              </a:rPr>
+              <a:t>。</a:t>
+            </a:r>
+            <a:endParaRPr kumimoji="1" lang="en-US" altLang="zh-CN" b="1" i="1" dirty="0" smtClean="0">
+              <a:solidFill>
+                <a:schemeClr val="bg2"/>
+              </a:solidFill>
+            </a:endParaRPr>
+          </a:p>
+          <a:p>
+            <a:endParaRPr kumimoji="1" lang="en-US" altLang="zh-CN" b="1" i="1" dirty="0" smtClean="0">
+              <a:solidFill>
+                <a:schemeClr val="bg2"/>
+              </a:solidFill>
+            </a:endParaRPr>
+          </a:p>
+          <a:p>
+            <a:r>
+              <a:rPr kumimoji="1" lang="zh-CN" altLang="en-US" b="1" i="1" dirty="0" smtClean="0">
+                <a:solidFill>
+                  <a:schemeClr val="bg2"/>
+                </a:solidFill>
+              </a:rPr>
+              <a:t>同样的，用户在提出借款请求后会有</a:t>
+            </a:r>
+            <a:r>
+              <a:rPr kumimoji="1" lang="zh-CN" altLang="en-US" b="1" i="1" dirty="0" smtClean="0">
+                <a:solidFill>
+                  <a:srgbClr val="FF0000"/>
+                </a:solidFill>
+              </a:rPr>
+              <a:t>担保人</a:t>
+            </a:r>
+            <a:r>
+              <a:rPr kumimoji="1" lang="zh-CN" altLang="en-US" b="1" i="1" dirty="0" smtClean="0">
+                <a:solidFill>
+                  <a:schemeClr val="bg2"/>
+                </a:solidFill>
+              </a:rPr>
+              <a:t>来决定是否担保此次借款，若确定担保，在借款人还款逾期后，由平台</a:t>
+            </a:r>
+            <a:r>
+              <a:rPr kumimoji="1" lang="zh-CN" altLang="en-US" b="1" i="1" dirty="0" smtClean="0">
+                <a:solidFill>
+                  <a:srgbClr val="FF0000"/>
+                </a:solidFill>
+              </a:rPr>
+              <a:t>垫付</a:t>
+            </a:r>
+            <a:r>
+              <a:rPr kumimoji="1" lang="zh-CN" altLang="en-US" b="1" i="1" dirty="0" smtClean="0">
+                <a:solidFill>
+                  <a:schemeClr val="bg2"/>
+                </a:solidFill>
+              </a:rPr>
+              <a:t>。</a:t>
+            </a:r>
+            <a:endParaRPr kumimoji="1" lang="en-US" altLang="zh-CN" b="1" i="1" dirty="0" smtClean="0">
               <a:solidFill>
                 <a:schemeClr val="bg2"/>
               </a:solidFill>
@@ -11349,7 +11842,7 @@
     </p:spTree>
     <p:extLst>
       <p:ext uri="{BB962C8B-B14F-4D97-AF65-F5344CB8AC3E}">
-        <p14:creationId xmlns:p14="http://schemas.microsoft.com/office/powerpoint/2010/main" val="340596423"/>
+        <p14:creationId xmlns:p14="http://schemas.microsoft.com/office/powerpoint/2010/main" val="2133290587"/>
       </p:ext>
     </p:extLst>
   </p:cSld>

--- a/20190711答辩ppt.pptx
+++ b/20190711答辩ppt.pptx
@@ -225,7 +225,7 @@
           <a:p>
             <a:fld id="{CC3B4F51-F580-1847-A2EB-031743924A39}" type="datetimeFigureOut">
               <a:rPr kumimoji="1" lang="zh-CN" altLang="en-US" smtClean="0"/>
-              <a:t>2019/7/10</a:t>
+              <a:t>2019/7/11</a:t>
             </a:fld>
             <a:endParaRPr kumimoji="1" lang="zh-CN" altLang="en-US"/>
           </a:p>
@@ -792,7 +792,7 @@
           <a:p>
             <a:fld id="{31D598DF-94E3-7F4A-9D14-75BCDBA2C9B1}" type="datetimeFigureOut">
               <a:rPr kumimoji="1" lang="zh-CN" altLang="en-US" smtClean="0"/>
-              <a:t>2019/7/10</a:t>
+              <a:t>2019/7/11</a:t>
             </a:fld>
             <a:endParaRPr kumimoji="1" lang="zh-CN" altLang="en-US"/>
           </a:p>
@@ -962,7 +962,7 @@
           <a:p>
             <a:fld id="{31D598DF-94E3-7F4A-9D14-75BCDBA2C9B1}" type="datetimeFigureOut">
               <a:rPr kumimoji="1" lang="zh-CN" altLang="en-US" smtClean="0"/>
-              <a:t>2019/7/10</a:t>
+              <a:t>2019/7/11</a:t>
             </a:fld>
             <a:endParaRPr kumimoji="1" lang="zh-CN" altLang="en-US"/>
           </a:p>
@@ -1142,7 +1142,7 @@
           <a:p>
             <a:fld id="{31D598DF-94E3-7F4A-9D14-75BCDBA2C9B1}" type="datetimeFigureOut">
               <a:rPr kumimoji="1" lang="zh-CN" altLang="en-US" smtClean="0"/>
-              <a:t>2019/7/10</a:t>
+              <a:t>2019/7/11</a:t>
             </a:fld>
             <a:endParaRPr kumimoji="1" lang="zh-CN" altLang="en-US"/>
           </a:p>
@@ -1312,7 +1312,7 @@
           <a:p>
             <a:fld id="{31D598DF-94E3-7F4A-9D14-75BCDBA2C9B1}" type="datetimeFigureOut">
               <a:rPr kumimoji="1" lang="zh-CN" altLang="en-US" smtClean="0"/>
-              <a:t>2019/7/10</a:t>
+              <a:t>2019/7/11</a:t>
             </a:fld>
             <a:endParaRPr kumimoji="1" lang="zh-CN" altLang="en-US"/>
           </a:p>
@@ -1558,7 +1558,7 @@
           <a:p>
             <a:fld id="{31D598DF-94E3-7F4A-9D14-75BCDBA2C9B1}" type="datetimeFigureOut">
               <a:rPr kumimoji="1" lang="zh-CN" altLang="en-US" smtClean="0"/>
-              <a:t>2019/7/10</a:t>
+              <a:t>2019/7/11</a:t>
             </a:fld>
             <a:endParaRPr kumimoji="1" lang="zh-CN" altLang="en-US"/>
           </a:p>
@@ -1790,7 +1790,7 @@
           <a:p>
             <a:fld id="{31D598DF-94E3-7F4A-9D14-75BCDBA2C9B1}" type="datetimeFigureOut">
               <a:rPr kumimoji="1" lang="zh-CN" altLang="en-US" smtClean="0"/>
-              <a:t>2019/7/10</a:t>
+              <a:t>2019/7/11</a:t>
             </a:fld>
             <a:endParaRPr kumimoji="1" lang="zh-CN" altLang="en-US"/>
           </a:p>
@@ -2157,7 +2157,7 @@
           <a:p>
             <a:fld id="{31D598DF-94E3-7F4A-9D14-75BCDBA2C9B1}" type="datetimeFigureOut">
               <a:rPr kumimoji="1" lang="zh-CN" altLang="en-US" smtClean="0"/>
-              <a:t>2019/7/10</a:t>
+              <a:t>2019/7/11</a:t>
             </a:fld>
             <a:endParaRPr kumimoji="1" lang="zh-CN" altLang="en-US"/>
           </a:p>
@@ -2275,7 +2275,7 @@
           <a:p>
             <a:fld id="{31D598DF-94E3-7F4A-9D14-75BCDBA2C9B1}" type="datetimeFigureOut">
               <a:rPr kumimoji="1" lang="zh-CN" altLang="en-US" smtClean="0"/>
-              <a:t>2019/7/10</a:t>
+              <a:t>2019/7/11</a:t>
             </a:fld>
             <a:endParaRPr kumimoji="1" lang="zh-CN" altLang="en-US"/>
           </a:p>
@@ -2370,7 +2370,7 @@
           <a:p>
             <a:fld id="{31D598DF-94E3-7F4A-9D14-75BCDBA2C9B1}" type="datetimeFigureOut">
               <a:rPr kumimoji="1" lang="zh-CN" altLang="en-US" smtClean="0"/>
-              <a:t>2019/7/10</a:t>
+              <a:t>2019/7/11</a:t>
             </a:fld>
             <a:endParaRPr kumimoji="1" lang="zh-CN" altLang="en-US"/>
           </a:p>
@@ -2647,7 +2647,7 @@
           <a:p>
             <a:fld id="{31D598DF-94E3-7F4A-9D14-75BCDBA2C9B1}" type="datetimeFigureOut">
               <a:rPr kumimoji="1" lang="zh-CN" altLang="en-US" smtClean="0"/>
-              <a:t>2019/7/10</a:t>
+              <a:t>2019/7/11</a:t>
             </a:fld>
             <a:endParaRPr kumimoji="1" lang="zh-CN" altLang="en-US"/>
           </a:p>
@@ -2900,7 +2900,7 @@
           <a:p>
             <a:fld id="{31D598DF-94E3-7F4A-9D14-75BCDBA2C9B1}" type="datetimeFigureOut">
               <a:rPr kumimoji="1" lang="zh-CN" altLang="en-US" smtClean="0"/>
-              <a:t>2019/7/10</a:t>
+              <a:t>2019/7/11</a:t>
             </a:fld>
             <a:endParaRPr kumimoji="1" lang="zh-CN" altLang="en-US"/>
           </a:p>
@@ -3122,7 +3122,7 @@
           <a:p>
             <a:fld id="{31D598DF-94E3-7F4A-9D14-75BCDBA2C9B1}" type="datetimeFigureOut">
               <a:rPr kumimoji="1" lang="zh-CN" altLang="en-US" smtClean="0"/>
-              <a:t>2019/7/10</a:t>
+              <a:t>2019/7/11</a:t>
             </a:fld>
             <a:endParaRPr kumimoji="1" lang="zh-CN" altLang="en-US"/>
           </a:p>
@@ -6649,7 +6649,7 @@
         </p:blipFill>
         <p:spPr>
           <a:xfrm>
-            <a:off x="5891240" y="212188"/>
+            <a:off x="6292138" y="201760"/>
             <a:ext cx="4269902" cy="1779749"/>
           </a:xfrm>
           <a:prstGeom prst="rect">
@@ -7299,7 +7299,15 @@
                   <a:schemeClr val="bg2"/>
                 </a:solidFill>
               </a:rPr>
-              <a:t>模块；</a:t>
+              <a:t>模块</a:t>
+            </a:r>
+            <a:r>
+              <a:rPr kumimoji="1" lang="zh-CN" altLang="en-US" dirty="0" smtClean="0">
+                <a:solidFill>
+                  <a:schemeClr val="bg2"/>
+                </a:solidFill>
+              </a:rPr>
+              <a:t>；</a:t>
             </a:r>
             <a:endParaRPr kumimoji="1" lang="en-US" altLang="zh-CN" dirty="0" smtClean="0">
               <a:solidFill>
@@ -9662,7 +9670,23 @@
                   <a:schemeClr val="bg2"/>
                 </a:solidFill>
               </a:rPr>
-              <a:t>网站达到了基本可用性，符合预期要求</a:t>
+              <a:t>网站</a:t>
+            </a:r>
+            <a:r>
+              <a:rPr kumimoji="1" lang="zh-CN" altLang="en-US" smtClean="0">
+                <a:solidFill>
+                  <a:schemeClr val="bg2"/>
+                </a:solidFill>
+              </a:rPr>
+              <a:t>可用性很高，</a:t>
+            </a:r>
+            <a:r>
+              <a:rPr kumimoji="1" lang="zh-CN" altLang="en-US" dirty="0" smtClean="0">
+                <a:solidFill>
+                  <a:schemeClr val="bg2"/>
+                </a:solidFill>
+              </a:rPr>
+              <a:t>符合预期要求</a:t>
             </a:r>
             <a:endParaRPr kumimoji="1" lang="zh-CN" altLang="en-US" dirty="0">
               <a:solidFill>
@@ -10047,7 +10071,23 @@
                   <a:schemeClr val="bg2"/>
                 </a:solidFill>
               </a:rPr>
-              <a:t>本平台需</a:t>
+              <a:t>本</a:t>
+            </a:r>
+            <a:r>
+              <a:rPr kumimoji="1" lang="zh-CN" altLang="en-US" dirty="0" smtClean="0">
+                <a:solidFill>
+                  <a:schemeClr val="bg2"/>
+                </a:solidFill>
+              </a:rPr>
+              <a:t>平台</a:t>
+            </a:r>
+            <a:r>
+              <a:rPr kumimoji="1" lang="zh-CN" altLang="en-US" dirty="0" smtClean="0">
+                <a:solidFill>
+                  <a:schemeClr val="bg2"/>
+                </a:solidFill>
+              </a:rPr>
+              <a:t>以</a:t>
             </a:r>
             <a:r>
               <a:rPr lang="zh-CN" altLang="zh-CN" dirty="0" smtClean="0">
@@ -10076,10 +10116,26 @@
             <a:r>
               <a:rPr lang="zh-CN" altLang="zh-CN" dirty="0">
                 <a:solidFill>
-                  <a:schemeClr val="bg2"/>
-                </a:solidFill>
-              </a:rPr>
-              <a:t>借款与投资</a:t>
+                  <a:srgbClr val="FF0000"/>
+                </a:solidFill>
+              </a:rPr>
+              <a:t>借款</a:t>
+            </a:r>
+            <a:r>
+              <a:rPr lang="zh-CN" altLang="zh-CN" dirty="0">
+                <a:solidFill>
+                  <a:schemeClr val="bg2"/>
+                </a:solidFill>
+              </a:rPr>
+              <a:t>与</a:t>
+            </a:r>
+            <a:r>
+              <a:rPr lang="zh-CN" altLang="zh-CN" dirty="0">
+                <a:solidFill>
+                  <a:srgbClr val="FF0000"/>
+                </a:solidFill>
+              </a:rPr>
+              <a:t>投资</a:t>
             </a:r>
             <a:r>
               <a:rPr lang="zh-CN" altLang="zh-CN" dirty="0" smtClean="0">
@@ -10095,7 +10151,7 @@
                   <a:schemeClr val="bg2"/>
                 </a:solidFill>
               </a:rPr>
-              <a:t>的功能。</a:t>
+              <a:t>功能为主。</a:t>
             </a:r>
             <a:endParaRPr lang="zh-CN" altLang="zh-CN" dirty="0">
               <a:solidFill>
